--- a/figures/tables.pptx
+++ b/figures/tables.pptx
@@ -6,6 +6,8 @@
   </p:sldMasterIdLst>
   <p:sldIdLst>
     <p:sldId id="256" r:id="rId2"/>
+    <p:sldId id="257" r:id="rId3"/>
+    <p:sldId id="258" r:id="rId4"/>
   </p:sldIdLst>
   <p:sldSz cx="12192000" cy="6858000"/>
   <p:notesSz cx="6858000" cy="9144000"/>
@@ -259,7 +261,7 @@
           <a:p>
             <a:fld id="{9E02D1C3-9151-4578-98B6-998BDAE204F4}" type="datetimeFigureOut">
               <a:rPr lang="zh-CN" altLang="en-US" smtClean="0"/>
-              <a:t>2024/6/7</a:t>
+              <a:t>2024/10/8</a:t>
             </a:fld>
             <a:endParaRPr lang="zh-CN" altLang="en-US"/>
           </a:p>
@@ -457,7 +459,7 @@
           <a:p>
             <a:fld id="{9E02D1C3-9151-4578-98B6-998BDAE204F4}" type="datetimeFigureOut">
               <a:rPr lang="zh-CN" altLang="en-US" smtClean="0"/>
-              <a:t>2024/6/7</a:t>
+              <a:t>2024/10/8</a:t>
             </a:fld>
             <a:endParaRPr lang="zh-CN" altLang="en-US"/>
           </a:p>
@@ -665,7 +667,7 @@
           <a:p>
             <a:fld id="{9E02D1C3-9151-4578-98B6-998BDAE204F4}" type="datetimeFigureOut">
               <a:rPr lang="zh-CN" altLang="en-US" smtClean="0"/>
-              <a:t>2024/6/7</a:t>
+              <a:t>2024/10/8</a:t>
             </a:fld>
             <a:endParaRPr lang="zh-CN" altLang="en-US"/>
           </a:p>
@@ -863,7 +865,7 @@
           <a:p>
             <a:fld id="{9E02D1C3-9151-4578-98B6-998BDAE204F4}" type="datetimeFigureOut">
               <a:rPr lang="zh-CN" altLang="en-US" smtClean="0"/>
-              <a:t>2024/6/7</a:t>
+              <a:t>2024/10/8</a:t>
             </a:fld>
             <a:endParaRPr lang="zh-CN" altLang="en-US"/>
           </a:p>
@@ -1138,7 +1140,7 @@
           <a:p>
             <a:fld id="{9E02D1C3-9151-4578-98B6-998BDAE204F4}" type="datetimeFigureOut">
               <a:rPr lang="zh-CN" altLang="en-US" smtClean="0"/>
-              <a:t>2024/6/7</a:t>
+              <a:t>2024/10/8</a:t>
             </a:fld>
             <a:endParaRPr lang="zh-CN" altLang="en-US"/>
           </a:p>
@@ -1403,7 +1405,7 @@
           <a:p>
             <a:fld id="{9E02D1C3-9151-4578-98B6-998BDAE204F4}" type="datetimeFigureOut">
               <a:rPr lang="zh-CN" altLang="en-US" smtClean="0"/>
-              <a:t>2024/6/7</a:t>
+              <a:t>2024/10/8</a:t>
             </a:fld>
             <a:endParaRPr lang="zh-CN" altLang="en-US"/>
           </a:p>
@@ -1815,7 +1817,7 @@
           <a:p>
             <a:fld id="{9E02D1C3-9151-4578-98B6-998BDAE204F4}" type="datetimeFigureOut">
               <a:rPr lang="zh-CN" altLang="en-US" smtClean="0"/>
-              <a:t>2024/6/7</a:t>
+              <a:t>2024/10/8</a:t>
             </a:fld>
             <a:endParaRPr lang="zh-CN" altLang="en-US"/>
           </a:p>
@@ -1956,7 +1958,7 @@
           <a:p>
             <a:fld id="{9E02D1C3-9151-4578-98B6-998BDAE204F4}" type="datetimeFigureOut">
               <a:rPr lang="zh-CN" altLang="en-US" smtClean="0"/>
-              <a:t>2024/6/7</a:t>
+              <a:t>2024/10/8</a:t>
             </a:fld>
             <a:endParaRPr lang="zh-CN" altLang="en-US"/>
           </a:p>
@@ -2069,7 +2071,7 @@
           <a:p>
             <a:fld id="{9E02D1C3-9151-4578-98B6-998BDAE204F4}" type="datetimeFigureOut">
               <a:rPr lang="zh-CN" altLang="en-US" smtClean="0"/>
-              <a:t>2024/6/7</a:t>
+              <a:t>2024/10/8</a:t>
             </a:fld>
             <a:endParaRPr lang="zh-CN" altLang="en-US"/>
           </a:p>
@@ -2380,7 +2382,7 @@
           <a:p>
             <a:fld id="{9E02D1C3-9151-4578-98B6-998BDAE204F4}" type="datetimeFigureOut">
               <a:rPr lang="zh-CN" altLang="en-US" smtClean="0"/>
-              <a:t>2024/6/7</a:t>
+              <a:t>2024/10/8</a:t>
             </a:fld>
             <a:endParaRPr lang="zh-CN" altLang="en-US"/>
           </a:p>
@@ -2668,7 +2670,7 @@
           <a:p>
             <a:fld id="{9E02D1C3-9151-4578-98B6-998BDAE204F4}" type="datetimeFigureOut">
               <a:rPr lang="zh-CN" altLang="en-US" smtClean="0"/>
-              <a:t>2024/6/7</a:t>
+              <a:t>2024/10/8</a:t>
             </a:fld>
             <a:endParaRPr lang="zh-CN" altLang="en-US"/>
           </a:p>
@@ -2909,7 +2911,7 @@
           <a:p>
             <a:fld id="{9E02D1C3-9151-4578-98B6-998BDAE204F4}" type="datetimeFigureOut">
               <a:rPr lang="zh-CN" altLang="en-US" smtClean="0"/>
-              <a:t>2024/6/7</a:t>
+              <a:t>2024/10/8</a:t>
             </a:fld>
             <a:endParaRPr lang="zh-CN" altLang="en-US"/>
           </a:p>
@@ -8379,6 +8381,5052 @@
 </p:sld>
 </file>
 
+<file path=ppt/slides/slide2.xml><?xml version="1.0" encoding="utf-8"?>
+<p:sld xmlns:a="http://schemas.openxmlformats.org/drawingml/2006/main" xmlns:r="http://schemas.openxmlformats.org/officeDocument/2006/relationships" xmlns:p="http://schemas.openxmlformats.org/presentationml/2006/main">
+  <p:cSld>
+    <p:spTree>
+      <p:nvGrpSpPr>
+        <p:cNvPr id="1" name=""/>
+        <p:cNvGrpSpPr/>
+        <p:nvPr/>
+      </p:nvGrpSpPr>
+      <p:grpSpPr>
+        <a:xfrm>
+          <a:off x="0" y="0"/>
+          <a:ext cx="0" cy="0"/>
+          <a:chOff x="0" y="0"/>
+          <a:chExt cx="0" cy="0"/>
+        </a:xfrm>
+      </p:grpSpPr>
+      <p:graphicFrame>
+        <p:nvGraphicFramePr>
+          <p:cNvPr id="4" name="表格 3">
+            <a:extLst>
+              <a:ext uri="{FF2B5EF4-FFF2-40B4-BE49-F238E27FC236}">
+                <a16:creationId xmlns:a16="http://schemas.microsoft.com/office/drawing/2014/main" id="{54B9675A-7481-42D1-B90F-AB9374796B0A}"/>
+              </a:ext>
+            </a:extLst>
+          </p:cNvPr>
+          <p:cNvGraphicFramePr>
+            <a:graphicFrameLocks noGrp="1"/>
+          </p:cNvGraphicFramePr>
+          <p:nvPr>
+            <p:extLst>
+              <p:ext uri="{D42A27DB-BD31-4B8C-83A1-F6EECF244321}">
+                <p14:modId xmlns:p14="http://schemas.microsoft.com/office/powerpoint/2010/main" val="743265626"/>
+              </p:ext>
+            </p:extLst>
+          </p:nvPr>
+        </p:nvGraphicFramePr>
+        <p:xfrm>
+          <a:off x="1272982" y="2033325"/>
+          <a:ext cx="3123172" cy="2289139"/>
+        </p:xfrm>
+        <a:graphic>
+          <a:graphicData uri="http://schemas.openxmlformats.org/drawingml/2006/table">
+            <a:tbl>
+              <a:tblPr firstRow="1" bandRow="1">
+                <a:tableStyleId>{5C22544A-7EE6-4342-B048-85BDC9FD1C3A}</a:tableStyleId>
+              </a:tblPr>
+              <a:tblGrid>
+                <a:gridCol w="1304850">
+                  <a:extLst>
+                    <a:ext uri="{9D8B030D-6E8A-4147-A177-3AD203B41FA5}">
+                      <a16:colId xmlns:a16="http://schemas.microsoft.com/office/drawing/2014/main" val="4153128983"/>
+                    </a:ext>
+                  </a:extLst>
+                </a:gridCol>
+                <a:gridCol w="909557">
+                  <a:extLst>
+                    <a:ext uri="{9D8B030D-6E8A-4147-A177-3AD203B41FA5}">
+                      <a16:colId xmlns:a16="http://schemas.microsoft.com/office/drawing/2014/main" val="1443865018"/>
+                    </a:ext>
+                  </a:extLst>
+                </a:gridCol>
+                <a:gridCol w="908765">
+                  <a:extLst>
+                    <a:ext uri="{9D8B030D-6E8A-4147-A177-3AD203B41FA5}">
+                      <a16:colId xmlns:a16="http://schemas.microsoft.com/office/drawing/2014/main" val="3374513079"/>
+                    </a:ext>
+                  </a:extLst>
+                </a:gridCol>
+              </a:tblGrid>
+              <a:tr h="168039">
+                <a:tc gridSpan="3">
+                  <a:txBody>
+                    <a:bodyPr/>
+                    <a:lstStyle/>
+                    <a:p>
+                      <a:r>
+                        <a:rPr lang="zh-CN" altLang="en-US" sz="1400">
+                          <a:solidFill>
+                            <a:schemeClr val="tx1"/>
+                          </a:solidFill>
+                          <a:latin typeface="Times New Roman" panose="02020603050405020304" pitchFamily="18" charset="0"/>
+                          <a:cs typeface="Times New Roman" panose="02020603050405020304" pitchFamily="18" charset="0"/>
+                        </a:rPr>
+                        <a:t>依赖表</a:t>
+                      </a:r>
+                    </a:p>
+                  </a:txBody>
+                  <a:tcPr marL="18000" marR="18000" marT="18000" marB="18000">
+                    <a:lnL w="12700" cap="flat" cmpd="sng" algn="ctr">
+                      <a:solidFill>
+                        <a:schemeClr val="tx1"/>
+                      </a:solidFill>
+                      <a:prstDash val="solid"/>
+                      <a:round/>
+                      <a:headEnd type="none" w="med" len="med"/>
+                      <a:tailEnd type="none" w="med" len="med"/>
+                    </a:lnL>
+                    <a:lnR w="12700" cap="flat" cmpd="sng" algn="ctr">
+                      <a:solidFill>
+                        <a:schemeClr val="tx1"/>
+                      </a:solidFill>
+                      <a:prstDash val="solid"/>
+                      <a:round/>
+                      <a:headEnd type="none" w="med" len="med"/>
+                      <a:tailEnd type="none" w="med" len="med"/>
+                    </a:lnR>
+                    <a:lnT w="12700" cap="flat" cmpd="sng" algn="ctr">
+                      <a:solidFill>
+                        <a:schemeClr val="tx1"/>
+                      </a:solidFill>
+                      <a:prstDash val="solid"/>
+                      <a:round/>
+                      <a:headEnd type="none" w="med" len="med"/>
+                      <a:tailEnd type="none" w="med" len="med"/>
+                    </a:lnT>
+                    <a:lnB w="12700" cap="flat" cmpd="sng" algn="ctr">
+                      <a:solidFill>
+                        <a:schemeClr val="tx1"/>
+                      </a:solidFill>
+                      <a:prstDash val="solid"/>
+                      <a:round/>
+                      <a:headEnd type="none" w="med" len="med"/>
+                      <a:tailEnd type="none" w="med" len="med"/>
+                    </a:lnB>
+                    <a:noFill/>
+                  </a:tcPr>
+                </a:tc>
+                <a:tc hMerge="1">
+                  <a:txBody>
+                    <a:bodyPr/>
+                    <a:lstStyle/>
+                    <a:p>
+                      <a:endParaRPr lang="zh-CN" altLang="en-US"/>
+                    </a:p>
+                  </a:txBody>
+                  <a:tcPr>
+                    <a:lnL w="12700" cap="flat" cmpd="sng" algn="ctr">
+                      <a:solidFill>
+                        <a:schemeClr val="tx1"/>
+                      </a:solidFill>
+                      <a:prstDash val="solid"/>
+                      <a:round/>
+                      <a:headEnd type="none" w="med" len="med"/>
+                      <a:tailEnd type="none" w="med" len="med"/>
+                    </a:lnL>
+                    <a:lnR w="12700" cap="flat" cmpd="sng" algn="ctr">
+                      <a:solidFill>
+                        <a:schemeClr val="tx1"/>
+                      </a:solidFill>
+                      <a:prstDash val="solid"/>
+                      <a:round/>
+                      <a:headEnd type="none" w="med" len="med"/>
+                      <a:tailEnd type="none" w="med" len="med"/>
+                    </a:lnR>
+                    <a:lnT w="12700" cap="flat" cmpd="sng" algn="ctr">
+                      <a:solidFill>
+                        <a:schemeClr val="tx1"/>
+                      </a:solidFill>
+                      <a:prstDash val="solid"/>
+                      <a:round/>
+                      <a:headEnd type="none" w="med" len="med"/>
+                      <a:tailEnd type="none" w="med" len="med"/>
+                    </a:lnT>
+                    <a:lnB w="12700" cap="flat" cmpd="sng" algn="ctr">
+                      <a:solidFill>
+                        <a:schemeClr val="tx1"/>
+                      </a:solidFill>
+                      <a:prstDash val="solid"/>
+                      <a:round/>
+                      <a:headEnd type="none" w="med" len="med"/>
+                      <a:tailEnd type="none" w="med" len="med"/>
+                    </a:lnB>
+                    <a:noFill/>
+                  </a:tcPr>
+                </a:tc>
+                <a:tc hMerge="1">
+                  <a:txBody>
+                    <a:bodyPr/>
+                    <a:lstStyle/>
+                    <a:p>
+                      <a:endParaRPr lang="zh-CN" altLang="en-US"/>
+                    </a:p>
+                  </a:txBody>
+                  <a:tcPr>
+                    <a:lnL w="12700" cap="flat" cmpd="sng" algn="ctr">
+                      <a:solidFill>
+                        <a:schemeClr val="tx1"/>
+                      </a:solidFill>
+                      <a:prstDash val="solid"/>
+                      <a:round/>
+                      <a:headEnd type="none" w="med" len="med"/>
+                      <a:tailEnd type="none" w="med" len="med"/>
+                    </a:lnL>
+                    <a:lnR w="12700" cap="flat" cmpd="sng" algn="ctr">
+                      <a:solidFill>
+                        <a:schemeClr val="tx1"/>
+                      </a:solidFill>
+                      <a:prstDash val="solid"/>
+                      <a:round/>
+                      <a:headEnd type="none" w="med" len="med"/>
+                      <a:tailEnd type="none" w="med" len="med"/>
+                    </a:lnR>
+                    <a:lnT w="12700" cap="flat" cmpd="sng" algn="ctr">
+                      <a:solidFill>
+                        <a:schemeClr val="tx1"/>
+                      </a:solidFill>
+                      <a:prstDash val="solid"/>
+                      <a:round/>
+                      <a:headEnd type="none" w="med" len="med"/>
+                      <a:tailEnd type="none" w="med" len="med"/>
+                    </a:lnT>
+                    <a:lnB w="12700" cap="flat" cmpd="sng" algn="ctr">
+                      <a:solidFill>
+                        <a:schemeClr val="tx1"/>
+                      </a:solidFill>
+                      <a:prstDash val="solid"/>
+                      <a:round/>
+                      <a:headEnd type="none" w="med" len="med"/>
+                      <a:tailEnd type="none" w="med" len="med"/>
+                    </a:lnB>
+                    <a:noFill/>
+                  </a:tcPr>
+                </a:tc>
+                <a:extLst>
+                  <a:ext uri="{0D108BD9-81ED-4DB2-BD59-A6C34878D82A}">
+                    <a16:rowId xmlns:a16="http://schemas.microsoft.com/office/drawing/2014/main" val="4251745324"/>
+                  </a:ext>
+                </a:extLst>
+              </a:tr>
+              <a:tr h="270739">
+                <a:tc>
+                  <a:txBody>
+                    <a:bodyPr/>
+                    <a:lstStyle/>
+                    <a:p>
+                      <a:pPr marL="0" algn="ctr" defTabSz="914400" rtl="0" eaLnBrk="1" latinLnBrk="0" hangingPunct="1"/>
+                      <a:r>
+                        <a:rPr lang="zh-CN" altLang="en-US" sz="1200" b="1" kern="1200">
+                          <a:solidFill>
+                            <a:schemeClr val="tx1"/>
+                          </a:solidFill>
+                          <a:latin typeface="Times New Roman" panose="02020603050405020304" pitchFamily="18" charset="0"/>
+                          <a:ea typeface="+mn-ea"/>
+                          <a:cs typeface="Times New Roman" panose="02020603050405020304" pitchFamily="18" charset="0"/>
+                        </a:rPr>
+                        <a:t>应用包</a:t>
+                      </a:r>
+                    </a:p>
+                  </a:txBody>
+                  <a:tcPr marL="18000" marR="18000" marT="18000" marB="18000" anchor="ctr">
+                    <a:lnL w="12700" cap="flat" cmpd="sng" algn="ctr">
+                      <a:solidFill>
+                        <a:schemeClr val="tx1"/>
+                      </a:solidFill>
+                      <a:prstDash val="solid"/>
+                      <a:round/>
+                      <a:headEnd type="none" w="med" len="med"/>
+                      <a:tailEnd type="none" w="med" len="med"/>
+                    </a:lnL>
+                    <a:lnR w="12700" cap="flat" cmpd="sng" algn="ctr">
+                      <a:solidFill>
+                        <a:schemeClr val="tx1"/>
+                      </a:solidFill>
+                      <a:prstDash val="solid"/>
+                      <a:round/>
+                      <a:headEnd type="none" w="med" len="med"/>
+                      <a:tailEnd type="none" w="med" len="med"/>
+                    </a:lnR>
+                    <a:lnT w="12700" cap="flat" cmpd="sng" algn="ctr">
+                      <a:solidFill>
+                        <a:schemeClr val="tx1"/>
+                      </a:solidFill>
+                      <a:prstDash val="solid"/>
+                      <a:round/>
+                      <a:headEnd type="none" w="med" len="med"/>
+                      <a:tailEnd type="none" w="med" len="med"/>
+                    </a:lnT>
+                    <a:lnB w="12700" cap="flat" cmpd="sng" algn="ctr">
+                      <a:solidFill>
+                        <a:schemeClr val="tx1"/>
+                      </a:solidFill>
+                      <a:prstDash val="solid"/>
+                      <a:round/>
+                      <a:headEnd type="none" w="med" len="med"/>
+                      <a:tailEnd type="none" w="med" len="med"/>
+                    </a:lnB>
+                    <a:noFill/>
+                  </a:tcPr>
+                </a:tc>
+                <a:tc>
+                  <a:txBody>
+                    <a:bodyPr/>
+                    <a:lstStyle/>
+                    <a:p>
+                      <a:pPr marL="0" algn="ctr" defTabSz="914400" rtl="0" eaLnBrk="1" latinLnBrk="0" hangingPunct="1"/>
+                      <a:r>
+                        <a:rPr lang="zh-CN" altLang="en-US" sz="1200" b="1" kern="1200">
+                          <a:solidFill>
+                            <a:schemeClr val="tx1"/>
+                          </a:solidFill>
+                          <a:latin typeface="Times New Roman" panose="02020603050405020304" pitchFamily="18" charset="0"/>
+                          <a:ea typeface="+mn-ea"/>
+                          <a:cs typeface="Times New Roman" panose="02020603050405020304" pitchFamily="18" charset="0"/>
+                        </a:rPr>
+                        <a:t>库包</a:t>
+                      </a:r>
+                    </a:p>
+                  </a:txBody>
+                  <a:tcPr marL="18000" marR="18000" marT="18000" marB="18000" anchor="ctr">
+                    <a:lnL w="12700" cap="flat" cmpd="sng" algn="ctr">
+                      <a:solidFill>
+                        <a:schemeClr val="tx1"/>
+                      </a:solidFill>
+                      <a:prstDash val="solid"/>
+                      <a:round/>
+                      <a:headEnd type="none" w="med" len="med"/>
+                      <a:tailEnd type="none" w="med" len="med"/>
+                    </a:lnL>
+                    <a:lnR w="12700" cap="flat" cmpd="sng" algn="ctr">
+                      <a:solidFill>
+                        <a:schemeClr val="tx1"/>
+                      </a:solidFill>
+                      <a:prstDash val="solid"/>
+                      <a:round/>
+                      <a:headEnd type="none" w="med" len="med"/>
+                      <a:tailEnd type="none" w="med" len="med"/>
+                    </a:lnR>
+                    <a:lnT w="12700" cap="flat" cmpd="sng" algn="ctr">
+                      <a:solidFill>
+                        <a:schemeClr val="tx1"/>
+                      </a:solidFill>
+                      <a:prstDash val="solid"/>
+                      <a:round/>
+                      <a:headEnd type="none" w="med" len="med"/>
+                      <a:tailEnd type="none" w="med" len="med"/>
+                    </a:lnT>
+                    <a:lnB w="12700" cap="flat" cmpd="sng" algn="ctr">
+                      <a:solidFill>
+                        <a:schemeClr val="tx1"/>
+                      </a:solidFill>
+                      <a:prstDash val="solid"/>
+                      <a:round/>
+                      <a:headEnd type="none" w="med" len="med"/>
+                      <a:tailEnd type="none" w="med" len="med"/>
+                    </a:lnB>
+                    <a:noFill/>
+                  </a:tcPr>
+                </a:tc>
+                <a:tc>
+                  <a:txBody>
+                    <a:bodyPr/>
+                    <a:lstStyle/>
+                    <a:p>
+                      <a:pPr algn="ctr"/>
+                      <a:r>
+                        <a:rPr lang="en-US" altLang="zh-CN" sz="1200" b="1">
+                          <a:solidFill>
+                            <a:schemeClr val="tx1"/>
+                          </a:solidFill>
+                          <a:latin typeface="Times New Roman" panose="02020603050405020304" pitchFamily="18" charset="0"/>
+                          <a:cs typeface="Times New Roman" panose="02020603050405020304" pitchFamily="18" charset="0"/>
+                        </a:rPr>
+                        <a:t>API </a:t>
+                      </a:r>
+                      <a:r>
+                        <a:rPr lang="zh-CN" altLang="en-US" sz="1200" b="1">
+                          <a:solidFill>
+                            <a:schemeClr val="tx1"/>
+                          </a:solidFill>
+                          <a:latin typeface="Times New Roman" panose="02020603050405020304" pitchFamily="18" charset="0"/>
+                          <a:cs typeface="Times New Roman" panose="02020603050405020304" pitchFamily="18" charset="0"/>
+                        </a:rPr>
+                        <a:t>使用</a:t>
+                      </a:r>
+                    </a:p>
+                  </a:txBody>
+                  <a:tcPr marL="18000" marR="18000" marT="18000" marB="18000" anchor="ctr">
+                    <a:lnL w="12700" cap="flat" cmpd="sng" algn="ctr">
+                      <a:solidFill>
+                        <a:schemeClr val="tx1"/>
+                      </a:solidFill>
+                      <a:prstDash val="solid"/>
+                      <a:round/>
+                      <a:headEnd type="none" w="med" len="med"/>
+                      <a:tailEnd type="none" w="med" len="med"/>
+                    </a:lnL>
+                    <a:lnR w="12700" cap="flat" cmpd="sng" algn="ctr">
+                      <a:solidFill>
+                        <a:schemeClr val="tx1"/>
+                      </a:solidFill>
+                      <a:prstDash val="solid"/>
+                      <a:round/>
+                      <a:headEnd type="none" w="med" len="med"/>
+                      <a:tailEnd type="none" w="med" len="med"/>
+                    </a:lnR>
+                    <a:lnT w="12700" cap="flat" cmpd="sng" algn="ctr">
+                      <a:solidFill>
+                        <a:schemeClr val="tx1"/>
+                      </a:solidFill>
+                      <a:prstDash val="solid"/>
+                      <a:round/>
+                      <a:headEnd type="none" w="med" len="med"/>
+                      <a:tailEnd type="none" w="med" len="med"/>
+                    </a:lnT>
+                    <a:lnB w="12700" cap="flat" cmpd="sng" algn="ctr">
+                      <a:solidFill>
+                        <a:schemeClr val="tx1"/>
+                      </a:solidFill>
+                      <a:prstDash val="solid"/>
+                      <a:round/>
+                      <a:headEnd type="none" w="med" len="med"/>
+                      <a:tailEnd type="none" w="med" len="med"/>
+                    </a:lnB>
+                    <a:noFill/>
+                  </a:tcPr>
+                </a:tc>
+                <a:extLst>
+                  <a:ext uri="{0D108BD9-81ED-4DB2-BD59-A6C34878D82A}">
+                    <a16:rowId xmlns:a16="http://schemas.microsoft.com/office/drawing/2014/main" val="2223560042"/>
+                  </a:ext>
+                </a:extLst>
+              </a:tr>
+              <a:tr h="147499">
+                <a:tc rowSpan="2">
+                  <a:txBody>
+                    <a:bodyPr/>
+                    <a:lstStyle/>
+                    <a:p>
+                      <a:pPr marL="0" algn="ctr" defTabSz="914400" rtl="0" eaLnBrk="1" latinLnBrk="0" hangingPunct="1"/>
+                      <a:r>
+                        <a:rPr lang="en-US" altLang="zh-CN" sz="1200" kern="1200">
+                          <a:solidFill>
+                            <a:schemeClr val="tx1"/>
+                          </a:solidFill>
+                          <a:latin typeface="Times New Roman" panose="02020603050405020304" pitchFamily="18" charset="0"/>
+                          <a:ea typeface="+mn-ea"/>
+                          <a:cs typeface="Times New Roman" panose="02020603050405020304" pitchFamily="18" charset="0"/>
+                        </a:rPr>
+                        <a:t>ase</a:t>
+                      </a:r>
+                      <a:endParaRPr lang="zh-CN" altLang="en-US" sz="1200" kern="1200">
+                        <a:solidFill>
+                          <a:schemeClr val="tx1"/>
+                        </a:solidFill>
+                        <a:latin typeface="Times New Roman" panose="02020603050405020304" pitchFamily="18" charset="0"/>
+                        <a:ea typeface="+mn-ea"/>
+                        <a:cs typeface="Times New Roman" panose="02020603050405020304" pitchFamily="18" charset="0"/>
+                      </a:endParaRPr>
+                    </a:p>
+                  </a:txBody>
+                  <a:tcPr marL="18000" marR="18000" marT="18000" marB="18000" anchor="ctr">
+                    <a:lnL w="12700" cap="flat" cmpd="sng" algn="ctr">
+                      <a:solidFill>
+                        <a:schemeClr val="tx1"/>
+                      </a:solidFill>
+                      <a:prstDash val="solid"/>
+                      <a:round/>
+                      <a:headEnd type="none" w="med" len="med"/>
+                      <a:tailEnd type="none" w="med" len="med"/>
+                    </a:lnL>
+                    <a:lnR w="12700" cap="flat" cmpd="sng" algn="ctr">
+                      <a:solidFill>
+                        <a:schemeClr val="tx1"/>
+                      </a:solidFill>
+                      <a:prstDash val="solid"/>
+                      <a:round/>
+                      <a:headEnd type="none" w="med" len="med"/>
+                      <a:tailEnd type="none" w="med" len="med"/>
+                    </a:lnR>
+                    <a:lnT w="12700" cap="flat" cmpd="sng" algn="ctr">
+                      <a:solidFill>
+                        <a:schemeClr val="tx1"/>
+                      </a:solidFill>
+                      <a:prstDash val="solid"/>
+                      <a:round/>
+                      <a:headEnd type="none" w="med" len="med"/>
+                      <a:tailEnd type="none" w="med" len="med"/>
+                    </a:lnT>
+                    <a:lnB w="12700" cap="flat" cmpd="sng" algn="ctr">
+                      <a:solidFill>
+                        <a:schemeClr val="tx1"/>
+                      </a:solidFill>
+                      <a:prstDash val="solid"/>
+                      <a:round/>
+                      <a:headEnd type="none" w="med" len="med"/>
+                      <a:tailEnd type="none" w="med" len="med"/>
+                    </a:lnB>
+                    <a:noFill/>
+                  </a:tcPr>
+                </a:tc>
+                <a:tc>
+                  <a:txBody>
+                    <a:bodyPr/>
+                    <a:lstStyle/>
+                    <a:p>
+                      <a:pPr marL="0" marR="0" lvl="0" indent="0" algn="ctr" defTabSz="914400" rtl="0" eaLnBrk="1" fontAlgn="auto" latinLnBrk="0" hangingPunct="1">
+                        <a:lnSpc>
+                          <a:spcPct val="100000"/>
+                        </a:lnSpc>
+                        <a:spcBef>
+                          <a:spcPts val="0"/>
+                        </a:spcBef>
+                        <a:spcAft>
+                          <a:spcPts val="0"/>
+                        </a:spcAft>
+                        <a:buClrTx/>
+                        <a:buSzTx/>
+                        <a:buFontTx/>
+                        <a:buNone/>
+                        <a:tabLst/>
+                        <a:defRPr/>
+                      </a:pPr>
+                      <a:r>
+                        <a:rPr lang="en-US" altLang="zh-CN" sz="1200" kern="1200">
+                          <a:solidFill>
+                            <a:schemeClr val="tx1"/>
+                          </a:solidFill>
+                          <a:latin typeface="Times New Roman" panose="02020603050405020304" pitchFamily="18" charset="0"/>
+                          <a:ea typeface="+mn-ea"/>
+                          <a:cs typeface="Times New Roman" panose="02020603050405020304" pitchFamily="18" charset="0"/>
+                        </a:rPr>
+                        <a:t>scipy</a:t>
+                      </a:r>
+                    </a:p>
+                  </a:txBody>
+                  <a:tcPr marL="18000" marR="18000" marT="18000" marB="18000" anchor="ctr">
+                    <a:lnL w="12700" cap="flat" cmpd="sng" algn="ctr">
+                      <a:solidFill>
+                        <a:schemeClr val="tx1"/>
+                      </a:solidFill>
+                      <a:prstDash val="solid"/>
+                      <a:round/>
+                      <a:headEnd type="none" w="med" len="med"/>
+                      <a:tailEnd type="none" w="med" len="med"/>
+                    </a:lnL>
+                    <a:lnR w="12700" cap="flat" cmpd="sng" algn="ctr">
+                      <a:solidFill>
+                        <a:schemeClr val="tx1"/>
+                      </a:solidFill>
+                      <a:prstDash val="solid"/>
+                      <a:round/>
+                      <a:headEnd type="none" w="med" len="med"/>
+                      <a:tailEnd type="none" w="med" len="med"/>
+                    </a:lnR>
+                    <a:lnT w="12700" cap="flat" cmpd="sng" algn="ctr">
+                      <a:solidFill>
+                        <a:schemeClr val="tx1"/>
+                      </a:solidFill>
+                      <a:prstDash val="solid"/>
+                      <a:round/>
+                      <a:headEnd type="none" w="med" len="med"/>
+                      <a:tailEnd type="none" w="med" len="med"/>
+                    </a:lnT>
+                    <a:lnB w="12700" cap="flat" cmpd="sng" algn="ctr">
+                      <a:solidFill>
+                        <a:schemeClr val="tx1"/>
+                      </a:solidFill>
+                      <a:prstDash val="solid"/>
+                      <a:round/>
+                      <a:headEnd type="none" w="med" len="med"/>
+                      <a:tailEnd type="none" w="med" len="med"/>
+                    </a:lnB>
+                    <a:noFill/>
+                  </a:tcPr>
+                </a:tc>
+                <a:tc>
+                  <a:txBody>
+                    <a:bodyPr/>
+                    <a:lstStyle/>
+                    <a:p>
+                      <a:pPr marL="0" marR="0" lvl="0" indent="0" algn="ctr" defTabSz="914400" rtl="0" eaLnBrk="1" fontAlgn="auto" latinLnBrk="0" hangingPunct="1">
+                        <a:lnSpc>
+                          <a:spcPct val="100000"/>
+                        </a:lnSpc>
+                        <a:spcBef>
+                          <a:spcPts val="0"/>
+                        </a:spcBef>
+                        <a:spcAft>
+                          <a:spcPts val="0"/>
+                        </a:spcAft>
+                        <a:buClrTx/>
+                        <a:buSzTx/>
+                        <a:buFontTx/>
+                        <a:buNone/>
+                        <a:tabLst/>
+                        <a:defRPr/>
+                      </a:pPr>
+                      <a:r>
+                        <a:rPr lang="en-US" altLang="zh-CN" sz="1200" kern="1200">
+                          <a:solidFill>
+                            <a:schemeClr val="tx1"/>
+                          </a:solidFill>
+                          <a:latin typeface="Times New Roman" panose="02020603050405020304" pitchFamily="18" charset="0"/>
+                          <a:ea typeface="+mn-ea"/>
+                          <a:cs typeface="Times New Roman" panose="02020603050405020304" pitchFamily="18" charset="0"/>
+                        </a:rPr>
+                        <a:t>······</a:t>
+                      </a:r>
+                      <a:endParaRPr lang="zh-CN" altLang="en-US" sz="1200" kern="1200">
+                        <a:solidFill>
+                          <a:schemeClr val="tx1"/>
+                        </a:solidFill>
+                        <a:latin typeface="Times New Roman" panose="02020603050405020304" pitchFamily="18" charset="0"/>
+                        <a:ea typeface="+mn-ea"/>
+                        <a:cs typeface="Times New Roman" panose="02020603050405020304" pitchFamily="18" charset="0"/>
+                      </a:endParaRPr>
+                    </a:p>
+                  </a:txBody>
+                  <a:tcPr marL="18000" marR="18000" marT="18000" marB="18000" anchor="ctr">
+                    <a:lnL w="12700" cap="flat" cmpd="sng" algn="ctr">
+                      <a:solidFill>
+                        <a:schemeClr val="tx1"/>
+                      </a:solidFill>
+                      <a:prstDash val="solid"/>
+                      <a:round/>
+                      <a:headEnd type="none" w="med" len="med"/>
+                      <a:tailEnd type="none" w="med" len="med"/>
+                    </a:lnL>
+                    <a:lnR w="12700" cap="flat" cmpd="sng" algn="ctr">
+                      <a:solidFill>
+                        <a:schemeClr val="tx1"/>
+                      </a:solidFill>
+                      <a:prstDash val="solid"/>
+                      <a:round/>
+                      <a:headEnd type="none" w="med" len="med"/>
+                      <a:tailEnd type="none" w="med" len="med"/>
+                    </a:lnR>
+                    <a:lnT w="12700" cap="flat" cmpd="sng" algn="ctr">
+                      <a:solidFill>
+                        <a:schemeClr val="tx1"/>
+                      </a:solidFill>
+                      <a:prstDash val="solid"/>
+                      <a:round/>
+                      <a:headEnd type="none" w="med" len="med"/>
+                      <a:tailEnd type="none" w="med" len="med"/>
+                    </a:lnT>
+                    <a:lnB w="12700" cap="flat" cmpd="sng" algn="ctr">
+                      <a:solidFill>
+                        <a:schemeClr val="tx1"/>
+                      </a:solidFill>
+                      <a:prstDash val="solid"/>
+                      <a:round/>
+                      <a:headEnd type="none" w="med" len="med"/>
+                      <a:tailEnd type="none" w="med" len="med"/>
+                    </a:lnB>
+                    <a:noFill/>
+                  </a:tcPr>
+                </a:tc>
+                <a:extLst>
+                  <a:ext uri="{0D108BD9-81ED-4DB2-BD59-A6C34878D82A}">
+                    <a16:rowId xmlns:a16="http://schemas.microsoft.com/office/drawing/2014/main" val="3732623296"/>
+                  </a:ext>
+                </a:extLst>
+              </a:tr>
+              <a:tr h="147499">
+                <a:tc vMerge="1">
+                  <a:txBody>
+                    <a:bodyPr/>
+                    <a:lstStyle/>
+                    <a:p>
+                      <a:endParaRPr lang="zh-CN" altLang="en-US"/>
+                    </a:p>
+                  </a:txBody>
+                  <a:tcPr/>
+                </a:tc>
+                <a:tc>
+                  <a:txBody>
+                    <a:bodyPr/>
+                    <a:lstStyle/>
+                    <a:p>
+                      <a:pPr marL="0" marR="0" lvl="0" indent="0" algn="ctr" defTabSz="914400" rtl="0" eaLnBrk="1" fontAlgn="auto" latinLnBrk="0" hangingPunct="1">
+                        <a:lnSpc>
+                          <a:spcPct val="100000"/>
+                        </a:lnSpc>
+                        <a:spcBef>
+                          <a:spcPts val="0"/>
+                        </a:spcBef>
+                        <a:spcAft>
+                          <a:spcPts val="0"/>
+                        </a:spcAft>
+                        <a:buClrTx/>
+                        <a:buSzTx/>
+                        <a:buFontTx/>
+                        <a:buNone/>
+                        <a:tabLst/>
+                        <a:defRPr/>
+                      </a:pPr>
+                      <a:r>
+                        <a:rPr lang="en-US" altLang="zh-CN" sz="1200" kern="1200">
+                          <a:solidFill>
+                            <a:schemeClr val="tx1"/>
+                          </a:solidFill>
+                          <a:latin typeface="Times New Roman" panose="02020603050405020304" pitchFamily="18" charset="0"/>
+                          <a:ea typeface="+mn-ea"/>
+                          <a:cs typeface="Times New Roman" panose="02020603050405020304" pitchFamily="18" charset="0"/>
+                        </a:rPr>
+                        <a:t>numpy</a:t>
+                      </a:r>
+                    </a:p>
+                  </a:txBody>
+                  <a:tcPr marL="18000" marR="18000" marT="18000" marB="18000" anchor="ctr">
+                    <a:lnL w="12700" cap="flat" cmpd="sng" algn="ctr">
+                      <a:solidFill>
+                        <a:schemeClr val="tx1"/>
+                      </a:solidFill>
+                      <a:prstDash val="solid"/>
+                      <a:round/>
+                      <a:headEnd type="none" w="med" len="med"/>
+                      <a:tailEnd type="none" w="med" len="med"/>
+                    </a:lnL>
+                    <a:lnR w="12700" cap="flat" cmpd="sng" algn="ctr">
+                      <a:solidFill>
+                        <a:schemeClr val="tx1"/>
+                      </a:solidFill>
+                      <a:prstDash val="solid"/>
+                      <a:round/>
+                      <a:headEnd type="none" w="med" len="med"/>
+                      <a:tailEnd type="none" w="med" len="med"/>
+                    </a:lnR>
+                    <a:lnT w="12700" cap="flat" cmpd="sng" algn="ctr">
+                      <a:solidFill>
+                        <a:schemeClr val="tx1"/>
+                      </a:solidFill>
+                      <a:prstDash val="solid"/>
+                      <a:round/>
+                      <a:headEnd type="none" w="med" len="med"/>
+                      <a:tailEnd type="none" w="med" len="med"/>
+                    </a:lnT>
+                    <a:lnB w="12700" cap="flat" cmpd="sng" algn="ctr">
+                      <a:solidFill>
+                        <a:schemeClr val="tx1"/>
+                      </a:solidFill>
+                      <a:prstDash val="solid"/>
+                      <a:round/>
+                      <a:headEnd type="none" w="med" len="med"/>
+                      <a:tailEnd type="none" w="med" len="med"/>
+                    </a:lnB>
+                    <a:noFill/>
+                  </a:tcPr>
+                </a:tc>
+                <a:tc>
+                  <a:txBody>
+                    <a:bodyPr/>
+                    <a:lstStyle/>
+                    <a:p>
+                      <a:pPr marL="0" marR="0" lvl="0" indent="0" algn="ctr" defTabSz="914400" rtl="0" eaLnBrk="1" fontAlgn="auto" latinLnBrk="0" hangingPunct="1">
+                        <a:lnSpc>
+                          <a:spcPct val="100000"/>
+                        </a:lnSpc>
+                        <a:spcBef>
+                          <a:spcPts val="0"/>
+                        </a:spcBef>
+                        <a:spcAft>
+                          <a:spcPts val="0"/>
+                        </a:spcAft>
+                        <a:buClrTx/>
+                        <a:buSzTx/>
+                        <a:buFontTx/>
+                        <a:buNone/>
+                        <a:tabLst/>
+                        <a:defRPr/>
+                      </a:pPr>
+                      <a:r>
+                        <a:rPr lang="en-US" altLang="zh-CN" sz="1200" kern="1200">
+                          <a:solidFill>
+                            <a:schemeClr val="tx1"/>
+                          </a:solidFill>
+                          <a:latin typeface="Times New Roman" panose="02020603050405020304" pitchFamily="18" charset="0"/>
+                          <a:ea typeface="+mn-ea"/>
+                          <a:cs typeface="Times New Roman" panose="02020603050405020304" pitchFamily="18" charset="0"/>
+                        </a:rPr>
+                        <a:t>······</a:t>
+                      </a:r>
+                      <a:endParaRPr lang="zh-CN" altLang="en-US" sz="1200" kern="1200">
+                        <a:solidFill>
+                          <a:schemeClr val="tx1"/>
+                        </a:solidFill>
+                        <a:latin typeface="Times New Roman" panose="02020603050405020304" pitchFamily="18" charset="0"/>
+                        <a:ea typeface="+mn-ea"/>
+                        <a:cs typeface="Times New Roman" panose="02020603050405020304" pitchFamily="18" charset="0"/>
+                      </a:endParaRPr>
+                    </a:p>
+                  </a:txBody>
+                  <a:tcPr marL="18000" marR="18000" marT="18000" marB="18000" anchor="ctr">
+                    <a:lnL w="12700" cap="flat" cmpd="sng" algn="ctr">
+                      <a:solidFill>
+                        <a:schemeClr val="tx1"/>
+                      </a:solidFill>
+                      <a:prstDash val="solid"/>
+                      <a:round/>
+                      <a:headEnd type="none" w="med" len="med"/>
+                      <a:tailEnd type="none" w="med" len="med"/>
+                    </a:lnL>
+                    <a:lnR w="12700" cap="flat" cmpd="sng" algn="ctr">
+                      <a:solidFill>
+                        <a:schemeClr val="tx1"/>
+                      </a:solidFill>
+                      <a:prstDash val="solid"/>
+                      <a:round/>
+                      <a:headEnd type="none" w="med" len="med"/>
+                      <a:tailEnd type="none" w="med" len="med"/>
+                    </a:lnR>
+                    <a:lnT w="12700" cap="flat" cmpd="sng" algn="ctr">
+                      <a:solidFill>
+                        <a:schemeClr val="tx1"/>
+                      </a:solidFill>
+                      <a:prstDash val="solid"/>
+                      <a:round/>
+                      <a:headEnd type="none" w="med" len="med"/>
+                      <a:tailEnd type="none" w="med" len="med"/>
+                    </a:lnT>
+                    <a:lnB w="12700" cap="flat" cmpd="sng" algn="ctr">
+                      <a:solidFill>
+                        <a:schemeClr val="tx1"/>
+                      </a:solidFill>
+                      <a:prstDash val="solid"/>
+                      <a:round/>
+                      <a:headEnd type="none" w="med" len="med"/>
+                      <a:tailEnd type="none" w="med" len="med"/>
+                    </a:lnB>
+                    <a:noFill/>
+                  </a:tcPr>
+                </a:tc>
+                <a:extLst>
+                  <a:ext uri="{0D108BD9-81ED-4DB2-BD59-A6C34878D82A}">
+                    <a16:rowId xmlns:a16="http://schemas.microsoft.com/office/drawing/2014/main" val="2382348608"/>
+                  </a:ext>
+                </a:extLst>
+              </a:tr>
+              <a:tr h="147499">
+                <a:tc rowSpan="3">
+                  <a:txBody>
+                    <a:bodyPr/>
+                    <a:lstStyle/>
+                    <a:p>
+                      <a:pPr marL="0" algn="ctr" defTabSz="914400" rtl="0" eaLnBrk="1" latinLnBrk="0" hangingPunct="1"/>
+                      <a:r>
+                        <a:rPr lang="en-US" altLang="zh-CN" sz="1200" kern="1200">
+                          <a:solidFill>
+                            <a:schemeClr val="tx1"/>
+                          </a:solidFill>
+                          <a:latin typeface="Times New Roman" panose="02020603050405020304" pitchFamily="18" charset="0"/>
+                          <a:ea typeface="+mn-ea"/>
+                          <a:cs typeface="Times New Roman" panose="02020603050405020304" pitchFamily="18" charset="0"/>
+                        </a:rPr>
+                        <a:t>amp</a:t>
+                      </a:r>
+                    </a:p>
+                  </a:txBody>
+                  <a:tcPr marL="18000" marR="18000" marT="18000" marB="18000" anchor="ctr">
+                    <a:lnL w="12700" cap="flat" cmpd="sng" algn="ctr">
+                      <a:solidFill>
+                        <a:schemeClr val="tx1"/>
+                      </a:solidFill>
+                      <a:prstDash val="solid"/>
+                      <a:round/>
+                      <a:headEnd type="none" w="med" len="med"/>
+                      <a:tailEnd type="none" w="med" len="med"/>
+                    </a:lnL>
+                    <a:lnR w="12700" cap="flat" cmpd="sng" algn="ctr">
+                      <a:solidFill>
+                        <a:schemeClr val="tx1"/>
+                      </a:solidFill>
+                      <a:prstDash val="solid"/>
+                      <a:round/>
+                      <a:headEnd type="none" w="med" len="med"/>
+                      <a:tailEnd type="none" w="med" len="med"/>
+                    </a:lnR>
+                    <a:lnT w="12700" cap="flat" cmpd="sng" algn="ctr">
+                      <a:solidFill>
+                        <a:schemeClr val="tx1"/>
+                      </a:solidFill>
+                      <a:prstDash val="solid"/>
+                      <a:round/>
+                      <a:headEnd type="none" w="med" len="med"/>
+                      <a:tailEnd type="none" w="med" len="med"/>
+                    </a:lnT>
+                    <a:lnB w="12700" cap="flat" cmpd="sng" algn="ctr">
+                      <a:solidFill>
+                        <a:schemeClr val="tx1"/>
+                      </a:solidFill>
+                      <a:prstDash val="solid"/>
+                      <a:round/>
+                      <a:headEnd type="none" w="med" len="med"/>
+                      <a:tailEnd type="none" w="med" len="med"/>
+                    </a:lnB>
+                    <a:noFill/>
+                  </a:tcPr>
+                </a:tc>
+                <a:tc>
+                  <a:txBody>
+                    <a:bodyPr/>
+                    <a:lstStyle/>
+                    <a:p>
+                      <a:pPr marL="0" algn="ctr" defTabSz="914400" rtl="0" eaLnBrk="1" latinLnBrk="0" hangingPunct="1"/>
+                      <a:r>
+                        <a:rPr lang="en-US" altLang="zh-CN" sz="1200" kern="1200">
+                          <a:solidFill>
+                            <a:schemeClr val="tx1"/>
+                          </a:solidFill>
+                          <a:latin typeface="Times New Roman" panose="02020603050405020304" pitchFamily="18" charset="0"/>
+                          <a:ea typeface="+mn-ea"/>
+                          <a:cs typeface="Times New Roman" panose="02020603050405020304" pitchFamily="18" charset="0"/>
+                        </a:rPr>
+                        <a:t>ase</a:t>
+                      </a:r>
+                      <a:endParaRPr lang="zh-CN" altLang="en-US" sz="1200" kern="1200">
+                        <a:solidFill>
+                          <a:schemeClr val="tx1"/>
+                        </a:solidFill>
+                        <a:latin typeface="Times New Roman" panose="02020603050405020304" pitchFamily="18" charset="0"/>
+                        <a:ea typeface="+mn-ea"/>
+                        <a:cs typeface="Times New Roman" panose="02020603050405020304" pitchFamily="18" charset="0"/>
+                      </a:endParaRPr>
+                    </a:p>
+                  </a:txBody>
+                  <a:tcPr marL="18000" marR="18000" marT="18000" marB="18000" anchor="ctr">
+                    <a:lnL w="12700" cap="flat" cmpd="sng" algn="ctr">
+                      <a:solidFill>
+                        <a:schemeClr val="tx1"/>
+                      </a:solidFill>
+                      <a:prstDash val="solid"/>
+                      <a:round/>
+                      <a:headEnd type="none" w="med" len="med"/>
+                      <a:tailEnd type="none" w="med" len="med"/>
+                    </a:lnL>
+                    <a:lnR w="12700" cap="flat" cmpd="sng" algn="ctr">
+                      <a:solidFill>
+                        <a:schemeClr val="tx1"/>
+                      </a:solidFill>
+                      <a:prstDash val="solid"/>
+                      <a:round/>
+                      <a:headEnd type="none" w="med" len="med"/>
+                      <a:tailEnd type="none" w="med" len="med"/>
+                    </a:lnR>
+                    <a:lnT w="12700" cap="flat" cmpd="sng" algn="ctr">
+                      <a:solidFill>
+                        <a:schemeClr val="tx1"/>
+                      </a:solidFill>
+                      <a:prstDash val="solid"/>
+                      <a:round/>
+                      <a:headEnd type="none" w="med" len="med"/>
+                      <a:tailEnd type="none" w="med" len="med"/>
+                    </a:lnT>
+                    <a:lnB w="12700" cap="flat" cmpd="sng" algn="ctr">
+                      <a:solidFill>
+                        <a:schemeClr val="tx1"/>
+                      </a:solidFill>
+                      <a:prstDash val="solid"/>
+                      <a:round/>
+                      <a:headEnd type="none" w="med" len="med"/>
+                      <a:tailEnd type="none" w="med" len="med"/>
+                    </a:lnB>
+                    <a:noFill/>
+                  </a:tcPr>
+                </a:tc>
+                <a:tc>
+                  <a:txBody>
+                    <a:bodyPr/>
+                    <a:lstStyle/>
+                    <a:p>
+                      <a:pPr marL="0" marR="0" lvl="0" indent="0" algn="ctr" defTabSz="914400" rtl="0" eaLnBrk="1" fontAlgn="auto" latinLnBrk="0" hangingPunct="1">
+                        <a:lnSpc>
+                          <a:spcPct val="100000"/>
+                        </a:lnSpc>
+                        <a:spcBef>
+                          <a:spcPts val="0"/>
+                        </a:spcBef>
+                        <a:spcAft>
+                          <a:spcPts val="0"/>
+                        </a:spcAft>
+                        <a:buClrTx/>
+                        <a:buSzTx/>
+                        <a:buFontTx/>
+                        <a:buNone/>
+                        <a:tabLst/>
+                        <a:defRPr/>
+                      </a:pPr>
+                      <a:r>
+                        <a:rPr lang="en-US" altLang="zh-CN" sz="1200" kern="1200">
+                          <a:solidFill>
+                            <a:schemeClr val="tx1"/>
+                          </a:solidFill>
+                          <a:latin typeface="Times New Roman" panose="02020603050405020304" pitchFamily="18" charset="0"/>
+                          <a:ea typeface="+mn-ea"/>
+                          <a:cs typeface="Times New Roman" panose="02020603050405020304" pitchFamily="18" charset="0"/>
+                        </a:rPr>
+                        <a:t>······</a:t>
+                      </a:r>
+                      <a:endParaRPr lang="zh-CN" altLang="en-US" sz="1200" kern="1200">
+                        <a:solidFill>
+                          <a:schemeClr val="tx1"/>
+                        </a:solidFill>
+                        <a:latin typeface="Times New Roman" panose="02020603050405020304" pitchFamily="18" charset="0"/>
+                        <a:ea typeface="+mn-ea"/>
+                        <a:cs typeface="Times New Roman" panose="02020603050405020304" pitchFamily="18" charset="0"/>
+                      </a:endParaRPr>
+                    </a:p>
+                  </a:txBody>
+                  <a:tcPr marL="18000" marR="18000" marT="18000" marB="18000" anchor="ctr">
+                    <a:lnL w="12700" cap="flat" cmpd="sng" algn="ctr">
+                      <a:solidFill>
+                        <a:schemeClr val="tx1"/>
+                      </a:solidFill>
+                      <a:prstDash val="solid"/>
+                      <a:round/>
+                      <a:headEnd type="none" w="med" len="med"/>
+                      <a:tailEnd type="none" w="med" len="med"/>
+                    </a:lnL>
+                    <a:lnR w="12700" cap="flat" cmpd="sng" algn="ctr">
+                      <a:solidFill>
+                        <a:schemeClr val="tx1"/>
+                      </a:solidFill>
+                      <a:prstDash val="solid"/>
+                      <a:round/>
+                      <a:headEnd type="none" w="med" len="med"/>
+                      <a:tailEnd type="none" w="med" len="med"/>
+                    </a:lnR>
+                    <a:lnT w="12700" cap="flat" cmpd="sng" algn="ctr">
+                      <a:solidFill>
+                        <a:schemeClr val="tx1"/>
+                      </a:solidFill>
+                      <a:prstDash val="solid"/>
+                      <a:round/>
+                      <a:headEnd type="none" w="med" len="med"/>
+                      <a:tailEnd type="none" w="med" len="med"/>
+                    </a:lnT>
+                    <a:lnB w="12700" cap="flat" cmpd="sng" algn="ctr">
+                      <a:solidFill>
+                        <a:schemeClr val="tx1"/>
+                      </a:solidFill>
+                      <a:prstDash val="solid"/>
+                      <a:round/>
+                      <a:headEnd type="none" w="med" len="med"/>
+                      <a:tailEnd type="none" w="med" len="med"/>
+                    </a:lnB>
+                    <a:noFill/>
+                  </a:tcPr>
+                </a:tc>
+                <a:extLst>
+                  <a:ext uri="{0D108BD9-81ED-4DB2-BD59-A6C34878D82A}">
+                    <a16:rowId xmlns:a16="http://schemas.microsoft.com/office/drawing/2014/main" val="3554137488"/>
+                  </a:ext>
+                </a:extLst>
+              </a:tr>
+              <a:tr h="147499">
+                <a:tc vMerge="1">
+                  <a:txBody>
+                    <a:bodyPr/>
+                    <a:lstStyle/>
+                    <a:p>
+                      <a:endParaRPr lang="zh-CN" altLang="en-US"/>
+                    </a:p>
+                  </a:txBody>
+                  <a:tcPr/>
+                </a:tc>
+                <a:tc>
+                  <a:txBody>
+                    <a:bodyPr/>
+                    <a:lstStyle/>
+                    <a:p>
+                      <a:pPr marL="0" algn="ctr" defTabSz="914400" rtl="0" eaLnBrk="1" latinLnBrk="0" hangingPunct="1"/>
+                      <a:r>
+                        <a:rPr lang="en-US" altLang="zh-CN" sz="1200" kern="1200">
+                          <a:solidFill>
+                            <a:schemeClr val="tx1"/>
+                          </a:solidFill>
+                          <a:latin typeface="Times New Roman" panose="02020603050405020304" pitchFamily="18" charset="0"/>
+                          <a:ea typeface="+mn-ea"/>
+                          <a:cs typeface="Times New Roman" panose="02020603050405020304" pitchFamily="18" charset="0"/>
+                        </a:rPr>
+                        <a:t>numpy</a:t>
+                      </a:r>
+                      <a:endParaRPr lang="zh-CN" altLang="en-US" sz="1200" kern="1200">
+                        <a:solidFill>
+                          <a:schemeClr val="tx1"/>
+                        </a:solidFill>
+                        <a:latin typeface="Times New Roman" panose="02020603050405020304" pitchFamily="18" charset="0"/>
+                        <a:ea typeface="+mn-ea"/>
+                        <a:cs typeface="Times New Roman" panose="02020603050405020304" pitchFamily="18" charset="0"/>
+                      </a:endParaRPr>
+                    </a:p>
+                  </a:txBody>
+                  <a:tcPr marL="18000" marR="18000" marT="18000" marB="18000" anchor="ctr">
+                    <a:lnL w="12700" cap="flat" cmpd="sng" algn="ctr">
+                      <a:solidFill>
+                        <a:schemeClr val="tx1"/>
+                      </a:solidFill>
+                      <a:prstDash val="solid"/>
+                      <a:round/>
+                      <a:headEnd type="none" w="med" len="med"/>
+                      <a:tailEnd type="none" w="med" len="med"/>
+                    </a:lnL>
+                    <a:lnR w="12700" cap="flat" cmpd="sng" algn="ctr">
+                      <a:solidFill>
+                        <a:schemeClr val="tx1"/>
+                      </a:solidFill>
+                      <a:prstDash val="solid"/>
+                      <a:round/>
+                      <a:headEnd type="none" w="med" len="med"/>
+                      <a:tailEnd type="none" w="med" len="med"/>
+                    </a:lnR>
+                    <a:lnT w="12700" cap="flat" cmpd="sng" algn="ctr">
+                      <a:solidFill>
+                        <a:schemeClr val="tx1"/>
+                      </a:solidFill>
+                      <a:prstDash val="solid"/>
+                      <a:round/>
+                      <a:headEnd type="none" w="med" len="med"/>
+                      <a:tailEnd type="none" w="med" len="med"/>
+                    </a:lnT>
+                    <a:lnB w="12700" cap="flat" cmpd="sng" algn="ctr">
+                      <a:solidFill>
+                        <a:schemeClr val="tx1"/>
+                      </a:solidFill>
+                      <a:prstDash val="solid"/>
+                      <a:round/>
+                      <a:headEnd type="none" w="med" len="med"/>
+                      <a:tailEnd type="none" w="med" len="med"/>
+                    </a:lnB>
+                    <a:noFill/>
+                  </a:tcPr>
+                </a:tc>
+                <a:tc>
+                  <a:txBody>
+                    <a:bodyPr/>
+                    <a:lstStyle/>
+                    <a:p>
+                      <a:pPr marL="0" marR="0" lvl="0" indent="0" algn="ctr" defTabSz="914400" rtl="0" eaLnBrk="1" fontAlgn="auto" latinLnBrk="0" hangingPunct="1">
+                        <a:lnSpc>
+                          <a:spcPct val="100000"/>
+                        </a:lnSpc>
+                        <a:spcBef>
+                          <a:spcPts val="0"/>
+                        </a:spcBef>
+                        <a:spcAft>
+                          <a:spcPts val="0"/>
+                        </a:spcAft>
+                        <a:buClrTx/>
+                        <a:buSzTx/>
+                        <a:buFontTx/>
+                        <a:buNone/>
+                        <a:tabLst/>
+                        <a:defRPr/>
+                      </a:pPr>
+                      <a:r>
+                        <a:rPr lang="en-US" altLang="zh-CN" sz="1200" kern="1200">
+                          <a:solidFill>
+                            <a:schemeClr val="tx1"/>
+                          </a:solidFill>
+                          <a:latin typeface="Times New Roman" panose="02020603050405020304" pitchFamily="18" charset="0"/>
+                          <a:ea typeface="+mn-ea"/>
+                          <a:cs typeface="Times New Roman" panose="02020603050405020304" pitchFamily="18" charset="0"/>
+                        </a:rPr>
+                        <a:t>······</a:t>
+                      </a:r>
+                    </a:p>
+                  </a:txBody>
+                  <a:tcPr marL="18000" marR="18000" marT="18000" marB="18000" anchor="ctr">
+                    <a:lnL w="12700" cap="flat" cmpd="sng" algn="ctr">
+                      <a:solidFill>
+                        <a:schemeClr val="tx1"/>
+                      </a:solidFill>
+                      <a:prstDash val="solid"/>
+                      <a:round/>
+                      <a:headEnd type="none" w="med" len="med"/>
+                      <a:tailEnd type="none" w="med" len="med"/>
+                    </a:lnL>
+                    <a:lnR w="12700" cap="flat" cmpd="sng" algn="ctr">
+                      <a:solidFill>
+                        <a:schemeClr val="tx1"/>
+                      </a:solidFill>
+                      <a:prstDash val="solid"/>
+                      <a:round/>
+                      <a:headEnd type="none" w="med" len="med"/>
+                      <a:tailEnd type="none" w="med" len="med"/>
+                    </a:lnR>
+                    <a:lnT w="12700" cap="flat" cmpd="sng" algn="ctr">
+                      <a:solidFill>
+                        <a:schemeClr val="tx1"/>
+                      </a:solidFill>
+                      <a:prstDash val="solid"/>
+                      <a:round/>
+                      <a:headEnd type="none" w="med" len="med"/>
+                      <a:tailEnd type="none" w="med" len="med"/>
+                    </a:lnT>
+                    <a:lnB w="12700" cap="flat" cmpd="sng" algn="ctr">
+                      <a:solidFill>
+                        <a:schemeClr val="tx1"/>
+                      </a:solidFill>
+                      <a:prstDash val="solid"/>
+                      <a:round/>
+                      <a:headEnd type="none" w="med" len="med"/>
+                      <a:tailEnd type="none" w="med" len="med"/>
+                    </a:lnB>
+                    <a:noFill/>
+                  </a:tcPr>
+                </a:tc>
+                <a:extLst>
+                  <a:ext uri="{0D108BD9-81ED-4DB2-BD59-A6C34878D82A}">
+                    <a16:rowId xmlns:a16="http://schemas.microsoft.com/office/drawing/2014/main" val="1645072618"/>
+                  </a:ext>
+                </a:extLst>
+              </a:tr>
+              <a:tr h="147499">
+                <a:tc vMerge="1">
+                  <a:txBody>
+                    <a:bodyPr/>
+                    <a:lstStyle/>
+                    <a:p>
+                      <a:endParaRPr lang="zh-CN" altLang="en-US"/>
+                    </a:p>
+                  </a:txBody>
+                  <a:tcPr>
+                    <a:lnT w="12700" cap="flat" cmpd="sng" algn="ctr">
+                      <a:solidFill>
+                        <a:schemeClr val="tx1"/>
+                      </a:solidFill>
+                      <a:prstDash val="solid"/>
+                      <a:round/>
+                      <a:headEnd type="none" w="med" len="med"/>
+                      <a:tailEnd type="none" w="med" len="med"/>
+                    </a:lnT>
+                  </a:tcPr>
+                </a:tc>
+                <a:tc>
+                  <a:txBody>
+                    <a:bodyPr/>
+                    <a:lstStyle/>
+                    <a:p>
+                      <a:pPr marL="0" algn="ctr" defTabSz="914400" rtl="0" eaLnBrk="1" latinLnBrk="0" hangingPunct="1"/>
+                      <a:r>
+                        <a:rPr lang="en-US" altLang="zh-CN" sz="1200" kern="1200">
+                          <a:solidFill>
+                            <a:schemeClr val="tx1"/>
+                          </a:solidFill>
+                          <a:latin typeface="Times New Roman" panose="02020603050405020304" pitchFamily="18" charset="0"/>
+                          <a:ea typeface="+mn-ea"/>
+                          <a:cs typeface="Times New Roman" panose="02020603050405020304" pitchFamily="18" charset="0"/>
+                        </a:rPr>
+                        <a:t>scipy</a:t>
+                      </a:r>
+                      <a:endParaRPr lang="zh-CN" altLang="en-US" sz="1200" kern="1200">
+                        <a:solidFill>
+                          <a:schemeClr val="tx1"/>
+                        </a:solidFill>
+                        <a:latin typeface="Times New Roman" panose="02020603050405020304" pitchFamily="18" charset="0"/>
+                        <a:ea typeface="+mn-ea"/>
+                        <a:cs typeface="Times New Roman" panose="02020603050405020304" pitchFamily="18" charset="0"/>
+                      </a:endParaRPr>
+                    </a:p>
+                  </a:txBody>
+                  <a:tcPr marL="18000" marR="18000" marT="18000" marB="18000" anchor="ctr">
+                    <a:lnL w="12700" cap="flat" cmpd="sng" algn="ctr">
+                      <a:solidFill>
+                        <a:schemeClr val="tx1"/>
+                      </a:solidFill>
+                      <a:prstDash val="solid"/>
+                      <a:round/>
+                      <a:headEnd type="none" w="med" len="med"/>
+                      <a:tailEnd type="none" w="med" len="med"/>
+                    </a:lnL>
+                    <a:lnR w="12700" cap="flat" cmpd="sng" algn="ctr">
+                      <a:solidFill>
+                        <a:schemeClr val="tx1"/>
+                      </a:solidFill>
+                      <a:prstDash val="solid"/>
+                      <a:round/>
+                      <a:headEnd type="none" w="med" len="med"/>
+                      <a:tailEnd type="none" w="med" len="med"/>
+                    </a:lnR>
+                    <a:lnT w="12700" cap="flat" cmpd="sng" algn="ctr">
+                      <a:solidFill>
+                        <a:schemeClr val="tx1"/>
+                      </a:solidFill>
+                      <a:prstDash val="solid"/>
+                      <a:round/>
+                      <a:headEnd type="none" w="med" len="med"/>
+                      <a:tailEnd type="none" w="med" len="med"/>
+                    </a:lnT>
+                    <a:lnB w="12700" cap="flat" cmpd="sng" algn="ctr">
+                      <a:solidFill>
+                        <a:schemeClr val="tx1"/>
+                      </a:solidFill>
+                      <a:prstDash val="solid"/>
+                      <a:round/>
+                      <a:headEnd type="none" w="med" len="med"/>
+                      <a:tailEnd type="none" w="med" len="med"/>
+                    </a:lnB>
+                    <a:noFill/>
+                  </a:tcPr>
+                </a:tc>
+                <a:tc>
+                  <a:txBody>
+                    <a:bodyPr/>
+                    <a:lstStyle/>
+                    <a:p>
+                      <a:pPr marL="0" marR="0" lvl="0" indent="0" algn="ctr" defTabSz="914400" rtl="0" eaLnBrk="1" fontAlgn="auto" latinLnBrk="0" hangingPunct="1">
+                        <a:lnSpc>
+                          <a:spcPct val="100000"/>
+                        </a:lnSpc>
+                        <a:spcBef>
+                          <a:spcPts val="0"/>
+                        </a:spcBef>
+                        <a:spcAft>
+                          <a:spcPts val="0"/>
+                        </a:spcAft>
+                        <a:buClrTx/>
+                        <a:buSzTx/>
+                        <a:buFontTx/>
+                        <a:buNone/>
+                        <a:tabLst/>
+                        <a:defRPr/>
+                      </a:pPr>
+                      <a:r>
+                        <a:rPr lang="en-US" altLang="zh-CN" sz="1200" kern="1200">
+                          <a:solidFill>
+                            <a:schemeClr val="tx1"/>
+                          </a:solidFill>
+                          <a:latin typeface="Times New Roman" panose="02020603050405020304" pitchFamily="18" charset="0"/>
+                          <a:ea typeface="+mn-ea"/>
+                          <a:cs typeface="Times New Roman" panose="02020603050405020304" pitchFamily="18" charset="0"/>
+                        </a:rPr>
+                        <a:t>······</a:t>
+                      </a:r>
+                      <a:endParaRPr lang="zh-CN" altLang="en-US" sz="1200" kern="1200">
+                        <a:solidFill>
+                          <a:schemeClr val="tx1"/>
+                        </a:solidFill>
+                        <a:latin typeface="Times New Roman" panose="02020603050405020304" pitchFamily="18" charset="0"/>
+                        <a:ea typeface="+mn-ea"/>
+                        <a:cs typeface="Times New Roman" panose="02020603050405020304" pitchFamily="18" charset="0"/>
+                      </a:endParaRPr>
+                    </a:p>
+                  </a:txBody>
+                  <a:tcPr marL="18000" marR="18000" marT="18000" marB="18000" anchor="ctr">
+                    <a:lnL w="12700" cap="flat" cmpd="sng" algn="ctr">
+                      <a:solidFill>
+                        <a:schemeClr val="tx1"/>
+                      </a:solidFill>
+                      <a:prstDash val="solid"/>
+                      <a:round/>
+                      <a:headEnd type="none" w="med" len="med"/>
+                      <a:tailEnd type="none" w="med" len="med"/>
+                    </a:lnL>
+                    <a:lnR w="12700" cap="flat" cmpd="sng" algn="ctr">
+                      <a:solidFill>
+                        <a:schemeClr val="tx1"/>
+                      </a:solidFill>
+                      <a:prstDash val="solid"/>
+                      <a:round/>
+                      <a:headEnd type="none" w="med" len="med"/>
+                      <a:tailEnd type="none" w="med" len="med"/>
+                    </a:lnR>
+                    <a:lnT w="12700" cap="flat" cmpd="sng" algn="ctr">
+                      <a:solidFill>
+                        <a:schemeClr val="tx1"/>
+                      </a:solidFill>
+                      <a:prstDash val="solid"/>
+                      <a:round/>
+                      <a:headEnd type="none" w="med" len="med"/>
+                      <a:tailEnd type="none" w="med" len="med"/>
+                    </a:lnT>
+                    <a:lnB w="12700" cap="flat" cmpd="sng" algn="ctr">
+                      <a:solidFill>
+                        <a:schemeClr val="tx1"/>
+                      </a:solidFill>
+                      <a:prstDash val="solid"/>
+                      <a:round/>
+                      <a:headEnd type="none" w="med" len="med"/>
+                      <a:tailEnd type="none" w="med" len="med"/>
+                    </a:lnB>
+                    <a:noFill/>
+                  </a:tcPr>
+                </a:tc>
+                <a:extLst>
+                  <a:ext uri="{0D108BD9-81ED-4DB2-BD59-A6C34878D82A}">
+                    <a16:rowId xmlns:a16="http://schemas.microsoft.com/office/drawing/2014/main" val="2917839400"/>
+                  </a:ext>
+                </a:extLst>
+              </a:tr>
+              <a:tr h="159629">
+                <a:tc rowSpan="2">
+                  <a:txBody>
+                    <a:bodyPr/>
+                    <a:lstStyle/>
+                    <a:p>
+                      <a:pPr marL="0" algn="ctr" defTabSz="914400" rtl="0" eaLnBrk="1" latinLnBrk="0" hangingPunct="1"/>
+                      <a:r>
+                        <a:rPr lang="en-US" altLang="zh-CN" sz="1200" kern="1200">
+                          <a:solidFill>
+                            <a:schemeClr val="tx1"/>
+                          </a:solidFill>
+                          <a:latin typeface="Times New Roman" panose="02020603050405020304" pitchFamily="18" charset="0"/>
+                          <a:ea typeface="+mn-ea"/>
+                          <a:cs typeface="Times New Roman" panose="02020603050405020304" pitchFamily="18" charset="0"/>
+                        </a:rPr>
+                        <a:t>scipy</a:t>
+                      </a:r>
+                      <a:endParaRPr lang="zh-CN" altLang="en-US" sz="1200" kern="1200">
+                        <a:solidFill>
+                          <a:schemeClr val="tx1"/>
+                        </a:solidFill>
+                        <a:latin typeface="Times New Roman" panose="02020603050405020304" pitchFamily="18" charset="0"/>
+                        <a:ea typeface="+mn-ea"/>
+                        <a:cs typeface="Times New Roman" panose="02020603050405020304" pitchFamily="18" charset="0"/>
+                      </a:endParaRPr>
+                    </a:p>
+                  </a:txBody>
+                  <a:tcPr marL="18000" marR="18000" marT="18000" marB="18000" anchor="ctr">
+                    <a:lnL w="12700" cap="flat" cmpd="sng" algn="ctr">
+                      <a:solidFill>
+                        <a:schemeClr val="tx1"/>
+                      </a:solidFill>
+                      <a:prstDash val="solid"/>
+                      <a:round/>
+                      <a:headEnd type="none" w="med" len="med"/>
+                      <a:tailEnd type="none" w="med" len="med"/>
+                    </a:lnL>
+                    <a:lnR w="12700" cap="flat" cmpd="sng" algn="ctr">
+                      <a:solidFill>
+                        <a:schemeClr val="tx1"/>
+                      </a:solidFill>
+                      <a:prstDash val="solid"/>
+                      <a:round/>
+                      <a:headEnd type="none" w="med" len="med"/>
+                      <a:tailEnd type="none" w="med" len="med"/>
+                    </a:lnR>
+                    <a:lnT w="12700" cap="flat" cmpd="sng" algn="ctr">
+                      <a:solidFill>
+                        <a:schemeClr val="tx1"/>
+                      </a:solidFill>
+                      <a:prstDash val="solid"/>
+                      <a:round/>
+                      <a:headEnd type="none" w="med" len="med"/>
+                      <a:tailEnd type="none" w="med" len="med"/>
+                    </a:lnT>
+                    <a:lnB w="12700" cap="flat" cmpd="sng" algn="ctr">
+                      <a:solidFill>
+                        <a:schemeClr val="tx1"/>
+                      </a:solidFill>
+                      <a:prstDash val="solid"/>
+                      <a:round/>
+                      <a:headEnd type="none" w="med" len="med"/>
+                      <a:tailEnd type="none" w="med" len="med"/>
+                    </a:lnB>
+                    <a:noFill/>
+                  </a:tcPr>
+                </a:tc>
+                <a:tc rowSpan="2">
+                  <a:txBody>
+                    <a:bodyPr/>
+                    <a:lstStyle/>
+                    <a:p>
+                      <a:pPr marL="0" algn="ctr" defTabSz="914400" rtl="0" eaLnBrk="1" latinLnBrk="0" hangingPunct="1"/>
+                      <a:r>
+                        <a:rPr lang="en-US" altLang="zh-CN" sz="1200" kern="1200">
+                          <a:solidFill>
+                            <a:schemeClr val="tx1"/>
+                          </a:solidFill>
+                          <a:latin typeface="Times New Roman" panose="02020603050405020304" pitchFamily="18" charset="0"/>
+                          <a:ea typeface="+mn-ea"/>
+                          <a:cs typeface="Times New Roman" panose="02020603050405020304" pitchFamily="18" charset="0"/>
+                        </a:rPr>
+                        <a:t>numpy</a:t>
+                      </a:r>
+                    </a:p>
+                  </a:txBody>
+                  <a:tcPr marL="18000" marR="18000" marT="18000" marB="18000" anchor="ctr">
+                    <a:lnL w="12700" cap="flat" cmpd="sng" algn="ctr">
+                      <a:solidFill>
+                        <a:schemeClr val="tx1"/>
+                      </a:solidFill>
+                      <a:prstDash val="solid"/>
+                      <a:round/>
+                      <a:headEnd type="none" w="med" len="med"/>
+                      <a:tailEnd type="none" w="med" len="med"/>
+                    </a:lnL>
+                    <a:lnR w="12700" cap="flat" cmpd="sng" algn="ctr">
+                      <a:solidFill>
+                        <a:schemeClr val="tx1"/>
+                      </a:solidFill>
+                      <a:prstDash val="solid"/>
+                      <a:round/>
+                      <a:headEnd type="none" w="med" len="med"/>
+                      <a:tailEnd type="none" w="med" len="med"/>
+                    </a:lnR>
+                    <a:lnT w="12700" cap="flat" cmpd="sng" algn="ctr">
+                      <a:solidFill>
+                        <a:schemeClr val="tx1"/>
+                      </a:solidFill>
+                      <a:prstDash val="solid"/>
+                      <a:round/>
+                      <a:headEnd type="none" w="med" len="med"/>
+                      <a:tailEnd type="none" w="med" len="med"/>
+                    </a:lnT>
+                    <a:lnB w="12700" cap="flat" cmpd="sng" algn="ctr">
+                      <a:solidFill>
+                        <a:schemeClr val="tx1"/>
+                      </a:solidFill>
+                      <a:prstDash val="solid"/>
+                      <a:round/>
+                      <a:headEnd type="none" w="med" len="med"/>
+                      <a:tailEnd type="none" w="med" len="med"/>
+                    </a:lnB>
+                    <a:noFill/>
+                  </a:tcPr>
+                </a:tc>
+                <a:tc>
+                  <a:txBody>
+                    <a:bodyPr/>
+                    <a:lstStyle/>
+                    <a:p>
+                      <a:pPr marL="0" marR="0" lvl="0" indent="0" algn="ctr" defTabSz="914400" rtl="0" eaLnBrk="1" fontAlgn="auto" latinLnBrk="0" hangingPunct="1">
+                        <a:lnSpc>
+                          <a:spcPct val="100000"/>
+                        </a:lnSpc>
+                        <a:spcBef>
+                          <a:spcPts val="0"/>
+                        </a:spcBef>
+                        <a:spcAft>
+                          <a:spcPts val="0"/>
+                        </a:spcAft>
+                        <a:buClrTx/>
+                        <a:buSzTx/>
+                        <a:buFontTx/>
+                        <a:buNone/>
+                        <a:tabLst/>
+                        <a:defRPr/>
+                      </a:pPr>
+                      <a:r>
+                        <a:rPr lang="en-US" altLang="zh-CN" sz="1200" kern="1200">
+                          <a:solidFill>
+                            <a:schemeClr val="tx1"/>
+                          </a:solidFill>
+                          <a:latin typeface="Times New Roman" panose="02020603050405020304" pitchFamily="18" charset="0"/>
+                          <a:ea typeface="+mn-ea"/>
+                          <a:cs typeface="Times New Roman" panose="02020603050405020304" pitchFamily="18" charset="0"/>
+                        </a:rPr>
+                        <a:t>typeDict</a:t>
+                      </a:r>
+                      <a:endParaRPr lang="zh-CN" altLang="en-US" sz="1200" kern="1200">
+                        <a:solidFill>
+                          <a:schemeClr val="tx1"/>
+                        </a:solidFill>
+                        <a:latin typeface="Times New Roman" panose="02020603050405020304" pitchFamily="18" charset="0"/>
+                        <a:ea typeface="+mn-ea"/>
+                        <a:cs typeface="Times New Roman" panose="02020603050405020304" pitchFamily="18" charset="0"/>
+                      </a:endParaRPr>
+                    </a:p>
+                  </a:txBody>
+                  <a:tcPr marL="18000" marR="18000" marT="18000" marB="36000" anchor="ctr">
+                    <a:lnL w="12700" cap="flat" cmpd="sng" algn="ctr">
+                      <a:solidFill>
+                        <a:schemeClr val="tx1"/>
+                      </a:solidFill>
+                      <a:prstDash val="solid"/>
+                      <a:round/>
+                      <a:headEnd type="none" w="med" len="med"/>
+                      <a:tailEnd type="none" w="med" len="med"/>
+                    </a:lnL>
+                    <a:lnR w="12700" cap="flat" cmpd="sng" algn="ctr">
+                      <a:solidFill>
+                        <a:schemeClr val="tx1"/>
+                      </a:solidFill>
+                      <a:prstDash val="solid"/>
+                      <a:round/>
+                      <a:headEnd type="none" w="med" len="med"/>
+                      <a:tailEnd type="none" w="med" len="med"/>
+                    </a:lnR>
+                    <a:lnT w="12700" cap="flat" cmpd="sng" algn="ctr">
+                      <a:solidFill>
+                        <a:schemeClr val="tx1"/>
+                      </a:solidFill>
+                      <a:prstDash val="solid"/>
+                      <a:round/>
+                      <a:headEnd type="none" w="med" len="med"/>
+                      <a:tailEnd type="none" w="med" len="med"/>
+                    </a:lnT>
+                    <a:lnB w="12700" cap="flat" cmpd="sng" algn="ctr">
+                      <a:solidFill>
+                        <a:schemeClr val="tx1"/>
+                      </a:solidFill>
+                      <a:prstDash val="solid"/>
+                      <a:round/>
+                      <a:headEnd type="none" w="med" len="med"/>
+                      <a:tailEnd type="none" w="med" len="med"/>
+                    </a:lnB>
+                    <a:noFill/>
+                  </a:tcPr>
+                </a:tc>
+                <a:extLst>
+                  <a:ext uri="{0D108BD9-81ED-4DB2-BD59-A6C34878D82A}">
+                    <a16:rowId xmlns:a16="http://schemas.microsoft.com/office/drawing/2014/main" val="915292608"/>
+                  </a:ext>
+                </a:extLst>
+              </a:tr>
+              <a:tr h="147499">
+                <a:tc vMerge="1">
+                  <a:txBody>
+                    <a:bodyPr/>
+                    <a:lstStyle/>
+                    <a:p>
+                      <a:endParaRPr lang="zh-CN" altLang="en-US"/>
+                    </a:p>
+                  </a:txBody>
+                  <a:tcPr/>
+                </a:tc>
+                <a:tc vMerge="1">
+                  <a:txBody>
+                    <a:bodyPr/>
+                    <a:lstStyle/>
+                    <a:p>
+                      <a:endParaRPr lang="zh-CN" altLang="en-US"/>
+                    </a:p>
+                  </a:txBody>
+                  <a:tcPr/>
+                </a:tc>
+                <a:tc>
+                  <a:txBody>
+                    <a:bodyPr/>
+                    <a:lstStyle/>
+                    <a:p>
+                      <a:pPr marL="0" marR="0" lvl="0" indent="0" algn="ctr" defTabSz="914400" rtl="0" eaLnBrk="1" fontAlgn="auto" latinLnBrk="0" hangingPunct="1">
+                        <a:lnSpc>
+                          <a:spcPct val="100000"/>
+                        </a:lnSpc>
+                        <a:spcBef>
+                          <a:spcPts val="0"/>
+                        </a:spcBef>
+                        <a:spcAft>
+                          <a:spcPts val="0"/>
+                        </a:spcAft>
+                        <a:buClrTx/>
+                        <a:buSzTx/>
+                        <a:buFontTx/>
+                        <a:buNone/>
+                        <a:tabLst/>
+                        <a:defRPr/>
+                      </a:pPr>
+                      <a:r>
+                        <a:rPr lang="en-US" altLang="zh-CN" sz="1200" kern="1200">
+                          <a:solidFill>
+                            <a:schemeClr val="tx1"/>
+                          </a:solidFill>
+                          <a:latin typeface="Times New Roman" panose="02020603050405020304" pitchFamily="18" charset="0"/>
+                          <a:ea typeface="+mn-ea"/>
+                          <a:cs typeface="Times New Roman" panose="02020603050405020304" pitchFamily="18" charset="0"/>
+                        </a:rPr>
+                        <a:t>······</a:t>
+                      </a:r>
+                      <a:endParaRPr lang="zh-CN" altLang="en-US" sz="1200" kern="1200">
+                        <a:solidFill>
+                          <a:schemeClr val="tx1"/>
+                        </a:solidFill>
+                        <a:latin typeface="Times New Roman" panose="02020603050405020304" pitchFamily="18" charset="0"/>
+                        <a:ea typeface="+mn-ea"/>
+                        <a:cs typeface="Times New Roman" panose="02020603050405020304" pitchFamily="18" charset="0"/>
+                      </a:endParaRPr>
+                    </a:p>
+                  </a:txBody>
+                  <a:tcPr marL="18000" marR="18000" marT="18000" marB="18000" anchor="ctr">
+                    <a:lnL w="12700" cap="flat" cmpd="sng" algn="ctr">
+                      <a:solidFill>
+                        <a:schemeClr val="tx1"/>
+                      </a:solidFill>
+                      <a:prstDash val="solid"/>
+                      <a:round/>
+                      <a:headEnd type="none" w="med" len="med"/>
+                      <a:tailEnd type="none" w="med" len="med"/>
+                    </a:lnL>
+                    <a:lnR w="12700" cap="flat" cmpd="sng" algn="ctr">
+                      <a:solidFill>
+                        <a:schemeClr val="tx1"/>
+                      </a:solidFill>
+                      <a:prstDash val="solid"/>
+                      <a:round/>
+                      <a:headEnd type="none" w="med" len="med"/>
+                      <a:tailEnd type="none" w="med" len="med"/>
+                    </a:lnR>
+                    <a:lnT w="12700" cap="flat" cmpd="sng" algn="ctr">
+                      <a:solidFill>
+                        <a:schemeClr val="tx1"/>
+                      </a:solidFill>
+                      <a:prstDash val="solid"/>
+                      <a:round/>
+                      <a:headEnd type="none" w="med" len="med"/>
+                      <a:tailEnd type="none" w="med" len="med"/>
+                    </a:lnT>
+                    <a:lnB w="12700" cap="flat" cmpd="sng" algn="ctr">
+                      <a:solidFill>
+                        <a:schemeClr val="tx1"/>
+                      </a:solidFill>
+                      <a:prstDash val="solid"/>
+                      <a:round/>
+                      <a:headEnd type="none" w="med" len="med"/>
+                      <a:tailEnd type="none" w="med" len="med"/>
+                    </a:lnB>
+                    <a:noFill/>
+                  </a:tcPr>
+                </a:tc>
+                <a:extLst>
+                  <a:ext uri="{0D108BD9-81ED-4DB2-BD59-A6C34878D82A}">
+                    <a16:rowId xmlns:a16="http://schemas.microsoft.com/office/drawing/2014/main" val="3404094825"/>
+                  </a:ext>
+                </a:extLst>
+              </a:tr>
+              <a:tr h="147499">
+                <a:tc>
+                  <a:txBody>
+                    <a:bodyPr/>
+                    <a:lstStyle/>
+                    <a:p>
+                      <a:pPr marL="0" marR="0" lvl="0" indent="0" algn="ctr" defTabSz="914400" rtl="0" eaLnBrk="1" fontAlgn="auto" latinLnBrk="0" hangingPunct="1">
+                        <a:lnSpc>
+                          <a:spcPct val="100000"/>
+                        </a:lnSpc>
+                        <a:spcBef>
+                          <a:spcPts val="0"/>
+                        </a:spcBef>
+                        <a:spcAft>
+                          <a:spcPts val="0"/>
+                        </a:spcAft>
+                        <a:buClrTx/>
+                        <a:buSzTx/>
+                        <a:buFontTx/>
+                        <a:buNone/>
+                        <a:tabLst/>
+                        <a:defRPr/>
+                      </a:pPr>
+                      <a:r>
+                        <a:rPr lang="en-US" altLang="zh-CN" sz="1200" kern="1200">
+                          <a:solidFill>
+                            <a:schemeClr val="tx1"/>
+                          </a:solidFill>
+                          <a:latin typeface="Times New Roman" panose="02020603050405020304" pitchFamily="18" charset="0"/>
+                          <a:ea typeface="+mn-ea"/>
+                          <a:cs typeface="Times New Roman" panose="02020603050405020304" pitchFamily="18" charset="0"/>
+                        </a:rPr>
+                        <a:t>······</a:t>
+                      </a:r>
+                      <a:endParaRPr lang="zh-CN" altLang="en-US" sz="1200" kern="1200">
+                        <a:solidFill>
+                          <a:schemeClr val="tx1"/>
+                        </a:solidFill>
+                        <a:latin typeface="Times New Roman" panose="02020603050405020304" pitchFamily="18" charset="0"/>
+                        <a:ea typeface="+mn-ea"/>
+                        <a:cs typeface="Times New Roman" panose="02020603050405020304" pitchFamily="18" charset="0"/>
+                      </a:endParaRPr>
+                    </a:p>
+                  </a:txBody>
+                  <a:tcPr marL="18000" marR="18000" marT="18000" marB="18000" anchor="ctr">
+                    <a:lnL w="12700" cap="flat" cmpd="sng" algn="ctr">
+                      <a:solidFill>
+                        <a:schemeClr val="tx1"/>
+                      </a:solidFill>
+                      <a:prstDash val="solid"/>
+                      <a:round/>
+                      <a:headEnd type="none" w="med" len="med"/>
+                      <a:tailEnd type="none" w="med" len="med"/>
+                    </a:lnL>
+                    <a:lnR w="12700" cap="flat" cmpd="sng" algn="ctr">
+                      <a:solidFill>
+                        <a:schemeClr val="tx1"/>
+                      </a:solidFill>
+                      <a:prstDash val="solid"/>
+                      <a:round/>
+                      <a:headEnd type="none" w="med" len="med"/>
+                      <a:tailEnd type="none" w="med" len="med"/>
+                    </a:lnR>
+                    <a:lnT w="12700" cap="flat" cmpd="sng" algn="ctr">
+                      <a:solidFill>
+                        <a:schemeClr val="tx1"/>
+                      </a:solidFill>
+                      <a:prstDash val="solid"/>
+                      <a:round/>
+                      <a:headEnd type="none" w="med" len="med"/>
+                      <a:tailEnd type="none" w="med" len="med"/>
+                    </a:lnT>
+                    <a:lnB w="12700" cap="flat" cmpd="sng" algn="ctr">
+                      <a:solidFill>
+                        <a:schemeClr val="tx1"/>
+                      </a:solidFill>
+                      <a:prstDash val="solid"/>
+                      <a:round/>
+                      <a:headEnd type="none" w="med" len="med"/>
+                      <a:tailEnd type="none" w="med" len="med"/>
+                    </a:lnB>
+                    <a:noFill/>
+                  </a:tcPr>
+                </a:tc>
+                <a:tc>
+                  <a:txBody>
+                    <a:bodyPr/>
+                    <a:lstStyle/>
+                    <a:p>
+                      <a:pPr marL="0" marR="0" lvl="0" indent="0" algn="ctr" defTabSz="914400" rtl="0" eaLnBrk="1" fontAlgn="auto" latinLnBrk="0" hangingPunct="1">
+                        <a:lnSpc>
+                          <a:spcPct val="100000"/>
+                        </a:lnSpc>
+                        <a:spcBef>
+                          <a:spcPts val="0"/>
+                        </a:spcBef>
+                        <a:spcAft>
+                          <a:spcPts val="0"/>
+                        </a:spcAft>
+                        <a:buClrTx/>
+                        <a:buSzTx/>
+                        <a:buFontTx/>
+                        <a:buNone/>
+                        <a:tabLst/>
+                        <a:defRPr/>
+                      </a:pPr>
+                      <a:endParaRPr lang="en-US" altLang="zh-CN" sz="1200" kern="1200">
+                        <a:solidFill>
+                          <a:schemeClr val="tx1"/>
+                        </a:solidFill>
+                        <a:latin typeface="Times New Roman" panose="02020603050405020304" pitchFamily="18" charset="0"/>
+                        <a:ea typeface="+mn-ea"/>
+                        <a:cs typeface="Times New Roman" panose="02020603050405020304" pitchFamily="18" charset="0"/>
+                      </a:endParaRPr>
+                    </a:p>
+                  </a:txBody>
+                  <a:tcPr marL="18000" marR="18000" marT="18000" marB="18000" anchor="ctr">
+                    <a:lnL w="12700" cap="flat" cmpd="sng" algn="ctr">
+                      <a:solidFill>
+                        <a:schemeClr val="tx1"/>
+                      </a:solidFill>
+                      <a:prstDash val="solid"/>
+                      <a:round/>
+                      <a:headEnd type="none" w="med" len="med"/>
+                      <a:tailEnd type="none" w="med" len="med"/>
+                    </a:lnL>
+                    <a:lnR w="12700" cap="flat" cmpd="sng" algn="ctr">
+                      <a:solidFill>
+                        <a:schemeClr val="tx1"/>
+                      </a:solidFill>
+                      <a:prstDash val="solid"/>
+                      <a:round/>
+                      <a:headEnd type="none" w="med" len="med"/>
+                      <a:tailEnd type="none" w="med" len="med"/>
+                    </a:lnR>
+                    <a:lnT w="12700" cap="flat" cmpd="sng" algn="ctr">
+                      <a:solidFill>
+                        <a:schemeClr val="tx1"/>
+                      </a:solidFill>
+                      <a:prstDash val="solid"/>
+                      <a:round/>
+                      <a:headEnd type="none" w="med" len="med"/>
+                      <a:tailEnd type="none" w="med" len="med"/>
+                    </a:lnT>
+                    <a:lnB w="12700" cap="flat" cmpd="sng" algn="ctr">
+                      <a:solidFill>
+                        <a:schemeClr val="tx1"/>
+                      </a:solidFill>
+                      <a:prstDash val="solid"/>
+                      <a:round/>
+                      <a:headEnd type="none" w="med" len="med"/>
+                      <a:tailEnd type="none" w="med" len="med"/>
+                    </a:lnB>
+                    <a:noFill/>
+                  </a:tcPr>
+                </a:tc>
+                <a:tc>
+                  <a:txBody>
+                    <a:bodyPr/>
+                    <a:lstStyle/>
+                    <a:p>
+                      <a:pPr marL="0" marR="0" lvl="0" indent="0" algn="ctr" defTabSz="914400" rtl="0" eaLnBrk="1" fontAlgn="auto" latinLnBrk="0" hangingPunct="1">
+                        <a:lnSpc>
+                          <a:spcPct val="100000"/>
+                        </a:lnSpc>
+                        <a:spcBef>
+                          <a:spcPts val="0"/>
+                        </a:spcBef>
+                        <a:spcAft>
+                          <a:spcPts val="0"/>
+                        </a:spcAft>
+                        <a:buClrTx/>
+                        <a:buSzTx/>
+                        <a:buFontTx/>
+                        <a:buNone/>
+                        <a:tabLst/>
+                        <a:defRPr/>
+                      </a:pPr>
+                      <a:endParaRPr lang="zh-CN" altLang="en-US" sz="1200" kern="1200">
+                        <a:solidFill>
+                          <a:schemeClr val="tx1"/>
+                        </a:solidFill>
+                        <a:latin typeface="Times New Roman" panose="02020603050405020304" pitchFamily="18" charset="0"/>
+                        <a:ea typeface="+mn-ea"/>
+                        <a:cs typeface="Times New Roman" panose="02020603050405020304" pitchFamily="18" charset="0"/>
+                      </a:endParaRPr>
+                    </a:p>
+                  </a:txBody>
+                  <a:tcPr marL="18000" marR="18000" marT="18000" marB="18000" anchor="ctr">
+                    <a:lnL w="12700" cap="flat" cmpd="sng" algn="ctr">
+                      <a:solidFill>
+                        <a:schemeClr val="tx1"/>
+                      </a:solidFill>
+                      <a:prstDash val="solid"/>
+                      <a:round/>
+                      <a:headEnd type="none" w="med" len="med"/>
+                      <a:tailEnd type="none" w="med" len="med"/>
+                    </a:lnL>
+                    <a:lnR w="12700" cap="flat" cmpd="sng" algn="ctr">
+                      <a:solidFill>
+                        <a:schemeClr val="tx1"/>
+                      </a:solidFill>
+                      <a:prstDash val="solid"/>
+                      <a:round/>
+                      <a:headEnd type="none" w="med" len="med"/>
+                      <a:tailEnd type="none" w="med" len="med"/>
+                    </a:lnR>
+                    <a:lnT w="12700" cap="flat" cmpd="sng" algn="ctr">
+                      <a:solidFill>
+                        <a:schemeClr val="tx1"/>
+                      </a:solidFill>
+                      <a:prstDash val="solid"/>
+                      <a:round/>
+                      <a:headEnd type="none" w="med" len="med"/>
+                      <a:tailEnd type="none" w="med" len="med"/>
+                    </a:lnT>
+                    <a:lnB w="12700" cap="flat" cmpd="sng" algn="ctr">
+                      <a:solidFill>
+                        <a:schemeClr val="tx1"/>
+                      </a:solidFill>
+                      <a:prstDash val="solid"/>
+                      <a:round/>
+                      <a:headEnd type="none" w="med" len="med"/>
+                      <a:tailEnd type="none" w="med" len="med"/>
+                    </a:lnB>
+                    <a:noFill/>
+                  </a:tcPr>
+                </a:tc>
+                <a:extLst>
+                  <a:ext uri="{0D108BD9-81ED-4DB2-BD59-A6C34878D82A}">
+                    <a16:rowId xmlns:a16="http://schemas.microsoft.com/office/drawing/2014/main" val="2768111981"/>
+                  </a:ext>
+                </a:extLst>
+              </a:tr>
+            </a:tbl>
+          </a:graphicData>
+        </a:graphic>
+      </p:graphicFrame>
+    </p:spTree>
+    <p:extLst>
+      <p:ext uri="{BB962C8B-B14F-4D97-AF65-F5344CB8AC3E}">
+        <p14:creationId xmlns:p14="http://schemas.microsoft.com/office/powerpoint/2010/main" val="2286822596"/>
+      </p:ext>
+    </p:extLst>
+  </p:cSld>
+  <p:clrMapOvr>
+    <a:masterClrMapping/>
+  </p:clrMapOvr>
+</p:sld>
+</file>
+
+<file path=ppt/slides/slide3.xml><?xml version="1.0" encoding="utf-8"?>
+<p:sld xmlns:a="http://schemas.openxmlformats.org/drawingml/2006/main" xmlns:r="http://schemas.openxmlformats.org/officeDocument/2006/relationships" xmlns:p="http://schemas.openxmlformats.org/presentationml/2006/main">
+  <p:cSld>
+    <p:spTree>
+      <p:nvGrpSpPr>
+        <p:cNvPr id="1" name=""/>
+        <p:cNvGrpSpPr/>
+        <p:nvPr/>
+      </p:nvGrpSpPr>
+      <p:grpSpPr>
+        <a:xfrm>
+          <a:off x="0" y="0"/>
+          <a:ext cx="0" cy="0"/>
+          <a:chOff x="0" y="0"/>
+          <a:chExt cx="0" cy="0"/>
+        </a:xfrm>
+      </p:grpSpPr>
+      <p:graphicFrame>
+        <p:nvGraphicFramePr>
+          <p:cNvPr id="4" name="表格 3">
+            <a:extLst>
+              <a:ext uri="{FF2B5EF4-FFF2-40B4-BE49-F238E27FC236}">
+                <a16:creationId xmlns:a16="http://schemas.microsoft.com/office/drawing/2014/main" id="{44625D40-53FD-38AF-C4CC-06FF6A506A8F}"/>
+              </a:ext>
+            </a:extLst>
+          </p:cNvPr>
+          <p:cNvGraphicFramePr>
+            <a:graphicFrameLocks noGrp="1"/>
+          </p:cNvGraphicFramePr>
+          <p:nvPr>
+            <p:extLst>
+              <p:ext uri="{D42A27DB-BD31-4B8C-83A1-F6EECF244321}">
+                <p14:modId xmlns:p14="http://schemas.microsoft.com/office/powerpoint/2010/main" val="1822706668"/>
+              </p:ext>
+            </p:extLst>
+          </p:nvPr>
+        </p:nvGraphicFramePr>
+        <p:xfrm>
+          <a:off x="3343970" y="2033325"/>
+          <a:ext cx="5138849" cy="2420160"/>
+        </p:xfrm>
+        <a:graphic>
+          <a:graphicData uri="http://schemas.openxmlformats.org/drawingml/2006/table">
+            <a:tbl>
+              <a:tblPr firstRow="1" bandRow="1">
+                <a:tableStyleId>{5C22544A-7EE6-4342-B048-85BDC9FD1C3A}</a:tableStyleId>
+              </a:tblPr>
+              <a:tblGrid>
+                <a:gridCol w="820011">
+                  <a:extLst>
+                    <a:ext uri="{9D8B030D-6E8A-4147-A177-3AD203B41FA5}">
+                      <a16:colId xmlns:a16="http://schemas.microsoft.com/office/drawing/2014/main" val="4153128983"/>
+                    </a:ext>
+                  </a:extLst>
+                </a:gridCol>
+                <a:gridCol w="706797">
+                  <a:extLst>
+                    <a:ext uri="{9D8B030D-6E8A-4147-A177-3AD203B41FA5}">
+                      <a16:colId xmlns:a16="http://schemas.microsoft.com/office/drawing/2014/main" val="1443865018"/>
+                    </a:ext>
+                  </a:extLst>
+                </a:gridCol>
+                <a:gridCol w="681102">
+                  <a:extLst>
+                    <a:ext uri="{9D8B030D-6E8A-4147-A177-3AD203B41FA5}">
+                      <a16:colId xmlns:a16="http://schemas.microsoft.com/office/drawing/2014/main" val="3374513079"/>
+                    </a:ext>
+                  </a:extLst>
+                </a:gridCol>
+                <a:gridCol w="1229495">
+                  <a:extLst>
+                    <a:ext uri="{9D8B030D-6E8A-4147-A177-3AD203B41FA5}">
+                      <a16:colId xmlns:a16="http://schemas.microsoft.com/office/drawing/2014/main" val="1875077932"/>
+                    </a:ext>
+                  </a:extLst>
+                </a:gridCol>
+                <a:gridCol w="976158">
+                  <a:extLst>
+                    <a:ext uri="{9D8B030D-6E8A-4147-A177-3AD203B41FA5}">
+                      <a16:colId xmlns:a16="http://schemas.microsoft.com/office/drawing/2014/main" val="4098213931"/>
+                    </a:ext>
+                  </a:extLst>
+                </a:gridCol>
+                <a:gridCol w="725286">
+                  <a:extLst>
+                    <a:ext uri="{9D8B030D-6E8A-4147-A177-3AD203B41FA5}">
+                      <a16:colId xmlns:a16="http://schemas.microsoft.com/office/drawing/2014/main" val="1141703525"/>
+                    </a:ext>
+                  </a:extLst>
+                </a:gridCol>
+              </a:tblGrid>
+              <a:tr h="269743">
+                <a:tc gridSpan="6">
+                  <a:txBody>
+                    <a:bodyPr/>
+                    <a:lstStyle/>
+                    <a:p>
+                      <a:r>
+                        <a:rPr lang="en-US" altLang="zh-CN" sz="1400">
+                          <a:solidFill>
+                            <a:schemeClr val="tx1"/>
+                          </a:solidFill>
+                          <a:latin typeface="Times New Roman" panose="02020603050405020304" pitchFamily="18" charset="0"/>
+                          <a:cs typeface="Times New Roman" panose="02020603050405020304" pitchFamily="18" charset="0"/>
+                        </a:rPr>
+                        <a:t> </a:t>
+                      </a:r>
+                      <a:r>
+                        <a:rPr lang="zh-CN" altLang="en-US" sz="1400">
+                          <a:solidFill>
+                            <a:schemeClr val="tx1"/>
+                          </a:solidFill>
+                          <a:latin typeface="Times New Roman" panose="02020603050405020304" pitchFamily="18" charset="0"/>
+                          <a:cs typeface="Times New Roman" panose="02020603050405020304" pitchFamily="18" charset="0"/>
+                        </a:rPr>
+                        <a:t>兼容性表</a:t>
+                      </a:r>
+                    </a:p>
+                  </a:txBody>
+                  <a:tcPr marL="18000" marR="18000" marT="18000" marB="18000">
+                    <a:lnL w="12700" cap="flat" cmpd="sng" algn="ctr">
+                      <a:solidFill>
+                        <a:schemeClr val="tx1"/>
+                      </a:solidFill>
+                      <a:prstDash val="solid"/>
+                      <a:round/>
+                      <a:headEnd type="none" w="med" len="med"/>
+                      <a:tailEnd type="none" w="med" len="med"/>
+                    </a:lnL>
+                    <a:lnR w="12700" cap="flat" cmpd="sng" algn="ctr">
+                      <a:solidFill>
+                        <a:schemeClr val="tx1"/>
+                      </a:solidFill>
+                      <a:prstDash val="solid"/>
+                      <a:round/>
+                      <a:headEnd type="none" w="med" len="med"/>
+                      <a:tailEnd type="none" w="med" len="med"/>
+                    </a:lnR>
+                    <a:lnT w="12700" cap="flat" cmpd="sng" algn="ctr">
+                      <a:solidFill>
+                        <a:schemeClr val="tx1"/>
+                      </a:solidFill>
+                      <a:prstDash val="solid"/>
+                      <a:round/>
+                      <a:headEnd type="none" w="med" len="med"/>
+                      <a:tailEnd type="none" w="med" len="med"/>
+                    </a:lnT>
+                    <a:lnB w="12700" cap="flat" cmpd="sng" algn="ctr">
+                      <a:solidFill>
+                        <a:schemeClr val="tx1"/>
+                      </a:solidFill>
+                      <a:prstDash val="solid"/>
+                      <a:round/>
+                      <a:headEnd type="none" w="med" len="med"/>
+                      <a:tailEnd type="none" w="med" len="med"/>
+                    </a:lnB>
+                    <a:noFill/>
+                  </a:tcPr>
+                </a:tc>
+                <a:tc hMerge="1">
+                  <a:txBody>
+                    <a:bodyPr/>
+                    <a:lstStyle/>
+                    <a:p>
+                      <a:endParaRPr lang="zh-CN" altLang="en-US"/>
+                    </a:p>
+                  </a:txBody>
+                  <a:tcPr>
+                    <a:lnL w="12700" cap="flat" cmpd="sng" algn="ctr">
+                      <a:solidFill>
+                        <a:schemeClr val="tx1"/>
+                      </a:solidFill>
+                      <a:prstDash val="solid"/>
+                      <a:round/>
+                      <a:headEnd type="none" w="med" len="med"/>
+                      <a:tailEnd type="none" w="med" len="med"/>
+                    </a:lnL>
+                    <a:lnR w="12700" cap="flat" cmpd="sng" algn="ctr">
+                      <a:solidFill>
+                        <a:schemeClr val="tx1"/>
+                      </a:solidFill>
+                      <a:prstDash val="solid"/>
+                      <a:round/>
+                      <a:headEnd type="none" w="med" len="med"/>
+                      <a:tailEnd type="none" w="med" len="med"/>
+                    </a:lnR>
+                    <a:lnT w="12700" cap="flat" cmpd="sng" algn="ctr">
+                      <a:solidFill>
+                        <a:schemeClr val="tx1"/>
+                      </a:solidFill>
+                      <a:prstDash val="solid"/>
+                      <a:round/>
+                      <a:headEnd type="none" w="med" len="med"/>
+                      <a:tailEnd type="none" w="med" len="med"/>
+                    </a:lnT>
+                    <a:lnB w="12700" cap="flat" cmpd="sng" algn="ctr">
+                      <a:solidFill>
+                        <a:schemeClr val="tx1"/>
+                      </a:solidFill>
+                      <a:prstDash val="solid"/>
+                      <a:round/>
+                      <a:headEnd type="none" w="med" len="med"/>
+                      <a:tailEnd type="none" w="med" len="med"/>
+                    </a:lnB>
+                    <a:noFill/>
+                  </a:tcPr>
+                </a:tc>
+                <a:tc hMerge="1">
+                  <a:txBody>
+                    <a:bodyPr/>
+                    <a:lstStyle/>
+                    <a:p>
+                      <a:endParaRPr lang="zh-CN" altLang="en-US"/>
+                    </a:p>
+                  </a:txBody>
+                  <a:tcPr>
+                    <a:lnL w="12700" cap="flat" cmpd="sng" algn="ctr">
+                      <a:solidFill>
+                        <a:schemeClr val="tx1"/>
+                      </a:solidFill>
+                      <a:prstDash val="solid"/>
+                      <a:round/>
+                      <a:headEnd type="none" w="med" len="med"/>
+                      <a:tailEnd type="none" w="med" len="med"/>
+                    </a:lnL>
+                    <a:lnR w="12700" cap="flat" cmpd="sng" algn="ctr">
+                      <a:solidFill>
+                        <a:schemeClr val="tx1"/>
+                      </a:solidFill>
+                      <a:prstDash val="solid"/>
+                      <a:round/>
+                      <a:headEnd type="none" w="med" len="med"/>
+                      <a:tailEnd type="none" w="med" len="med"/>
+                    </a:lnR>
+                    <a:lnT w="12700" cap="flat" cmpd="sng" algn="ctr">
+                      <a:solidFill>
+                        <a:schemeClr val="tx1"/>
+                      </a:solidFill>
+                      <a:prstDash val="solid"/>
+                      <a:round/>
+                      <a:headEnd type="none" w="med" len="med"/>
+                      <a:tailEnd type="none" w="med" len="med"/>
+                    </a:lnT>
+                    <a:lnB w="12700" cap="flat" cmpd="sng" algn="ctr">
+                      <a:solidFill>
+                        <a:schemeClr val="tx1"/>
+                      </a:solidFill>
+                      <a:prstDash val="solid"/>
+                      <a:round/>
+                      <a:headEnd type="none" w="med" len="med"/>
+                      <a:tailEnd type="none" w="med" len="med"/>
+                    </a:lnB>
+                    <a:noFill/>
+                  </a:tcPr>
+                </a:tc>
+                <a:tc hMerge="1">
+                  <a:txBody>
+                    <a:bodyPr/>
+                    <a:lstStyle/>
+                    <a:p>
+                      <a:endParaRPr lang="zh-CN" altLang="en-US"/>
+                    </a:p>
+                  </a:txBody>
+                  <a:tcPr>
+                    <a:lnR w="12700" cap="flat" cmpd="sng" algn="ctr">
+                      <a:solidFill>
+                        <a:schemeClr val="tx1"/>
+                      </a:solidFill>
+                      <a:prstDash val="solid"/>
+                      <a:round/>
+                      <a:headEnd type="none" w="med" len="med"/>
+                      <a:tailEnd type="none" w="med" len="med"/>
+                    </a:lnR>
+                    <a:lnT w="12700" cap="flat" cmpd="sng" algn="ctr">
+                      <a:solidFill>
+                        <a:schemeClr val="tx1"/>
+                      </a:solidFill>
+                      <a:prstDash val="solid"/>
+                      <a:round/>
+                      <a:headEnd type="none" w="med" len="med"/>
+                      <a:tailEnd type="none" w="med" len="med"/>
+                    </a:lnT>
+                    <a:lnB w="12700" cap="flat" cmpd="sng" algn="ctr">
+                      <a:solidFill>
+                        <a:schemeClr val="tx1"/>
+                      </a:solidFill>
+                      <a:prstDash val="solid"/>
+                      <a:round/>
+                      <a:headEnd type="none" w="med" len="med"/>
+                      <a:tailEnd type="none" w="med" len="med"/>
+                    </a:lnB>
+                    <a:noFill/>
+                  </a:tcPr>
+                </a:tc>
+                <a:tc hMerge="1">
+                  <a:txBody>
+                    <a:bodyPr/>
+                    <a:lstStyle/>
+                    <a:p>
+                      <a:endParaRPr lang="zh-CN" altLang="en-US" sz="1400">
+                        <a:solidFill>
+                          <a:schemeClr val="tx1"/>
+                        </a:solidFill>
+                        <a:latin typeface="Times New Roman" panose="02020603050405020304" pitchFamily="18" charset="0"/>
+                        <a:cs typeface="Times New Roman" panose="02020603050405020304" pitchFamily="18" charset="0"/>
+                      </a:endParaRPr>
+                    </a:p>
+                  </a:txBody>
+                  <a:tcPr marL="18000" marR="18000" marT="18000" marB="18000">
+                    <a:lnL w="12700" cap="flat" cmpd="sng" algn="ctr">
+                      <a:solidFill>
+                        <a:schemeClr val="tx1"/>
+                      </a:solidFill>
+                      <a:prstDash val="solid"/>
+                      <a:round/>
+                      <a:headEnd type="none" w="med" len="med"/>
+                      <a:tailEnd type="none" w="med" len="med"/>
+                    </a:lnL>
+                    <a:lnR w="12700" cap="flat" cmpd="sng" algn="ctr">
+                      <a:solidFill>
+                        <a:schemeClr val="tx1"/>
+                      </a:solidFill>
+                      <a:prstDash val="solid"/>
+                      <a:round/>
+                      <a:headEnd type="none" w="med" len="med"/>
+                      <a:tailEnd type="none" w="med" len="med"/>
+                    </a:lnR>
+                    <a:lnT w="12700" cap="flat" cmpd="sng" algn="ctr">
+                      <a:solidFill>
+                        <a:schemeClr val="tx1"/>
+                      </a:solidFill>
+                      <a:prstDash val="solid"/>
+                      <a:round/>
+                      <a:headEnd type="none" w="med" len="med"/>
+                      <a:tailEnd type="none" w="med" len="med"/>
+                    </a:lnT>
+                    <a:lnB w="12700" cap="flat" cmpd="sng" algn="ctr">
+                      <a:solidFill>
+                        <a:schemeClr val="tx1"/>
+                      </a:solidFill>
+                      <a:prstDash val="solid"/>
+                      <a:round/>
+                      <a:headEnd type="none" w="med" len="med"/>
+                      <a:tailEnd type="none" w="med" len="med"/>
+                    </a:lnB>
+                    <a:noFill/>
+                  </a:tcPr>
+                </a:tc>
+                <a:tc hMerge="1">
+                  <a:txBody>
+                    <a:bodyPr/>
+                    <a:lstStyle/>
+                    <a:p>
+                      <a:endParaRPr lang="zh-CN" altLang="en-US" sz="1400">
+                        <a:solidFill>
+                          <a:schemeClr val="tx1"/>
+                        </a:solidFill>
+                        <a:latin typeface="Times New Roman" panose="02020603050405020304" pitchFamily="18" charset="0"/>
+                        <a:cs typeface="Times New Roman" panose="02020603050405020304" pitchFamily="18" charset="0"/>
+                      </a:endParaRPr>
+                    </a:p>
+                  </a:txBody>
+                  <a:tcPr marL="18000" marR="18000" marT="18000" marB="18000">
+                    <a:lnL w="12700" cap="flat" cmpd="sng" algn="ctr">
+                      <a:solidFill>
+                        <a:schemeClr val="tx1"/>
+                      </a:solidFill>
+                      <a:prstDash val="solid"/>
+                      <a:round/>
+                      <a:headEnd type="none" w="med" len="med"/>
+                      <a:tailEnd type="none" w="med" len="med"/>
+                    </a:lnL>
+                    <a:lnR w="12700" cap="flat" cmpd="sng" algn="ctr">
+                      <a:solidFill>
+                        <a:schemeClr val="tx1"/>
+                      </a:solidFill>
+                      <a:prstDash val="solid"/>
+                      <a:round/>
+                      <a:headEnd type="none" w="med" len="med"/>
+                      <a:tailEnd type="none" w="med" len="med"/>
+                    </a:lnR>
+                    <a:lnT w="12700" cap="flat" cmpd="sng" algn="ctr">
+                      <a:solidFill>
+                        <a:schemeClr val="tx1"/>
+                      </a:solidFill>
+                      <a:prstDash val="solid"/>
+                      <a:round/>
+                      <a:headEnd type="none" w="med" len="med"/>
+                      <a:tailEnd type="none" w="med" len="med"/>
+                    </a:lnT>
+                    <a:lnB w="12700" cap="flat" cmpd="sng" algn="ctr">
+                      <a:solidFill>
+                        <a:schemeClr val="tx1"/>
+                      </a:solidFill>
+                      <a:prstDash val="solid"/>
+                      <a:round/>
+                      <a:headEnd type="none" w="med" len="med"/>
+                      <a:tailEnd type="none" w="med" len="med"/>
+                    </a:lnB>
+                    <a:noFill/>
+                  </a:tcPr>
+                </a:tc>
+                <a:extLst>
+                  <a:ext uri="{0D108BD9-81ED-4DB2-BD59-A6C34878D82A}">
+                    <a16:rowId xmlns:a16="http://schemas.microsoft.com/office/drawing/2014/main" val="4251745324"/>
+                  </a:ext>
+                </a:extLst>
+              </a:tr>
+              <a:tr h="434601">
+                <a:tc>
+                  <a:txBody>
+                    <a:bodyPr/>
+                    <a:lstStyle/>
+                    <a:p>
+                      <a:pPr marL="0" algn="ctr" defTabSz="914400" rtl="0" eaLnBrk="1" latinLnBrk="0" hangingPunct="1"/>
+                      <a:r>
+                        <a:rPr lang="zh-CN" altLang="en-US" sz="1200" b="1" kern="1200">
+                          <a:solidFill>
+                            <a:schemeClr val="tx1"/>
+                          </a:solidFill>
+                          <a:latin typeface="Times New Roman" panose="02020603050405020304" pitchFamily="18" charset="0"/>
+                          <a:ea typeface="+mn-ea"/>
+                          <a:cs typeface="Times New Roman" panose="02020603050405020304" pitchFamily="18" charset="0"/>
+                        </a:rPr>
+                        <a:t>库包</a:t>
+                      </a:r>
+                    </a:p>
+                  </a:txBody>
+                  <a:tcPr marL="18000" marR="18000" marT="18000" marB="18000" anchor="ctr">
+                    <a:lnL w="12700" cap="flat" cmpd="sng" algn="ctr">
+                      <a:solidFill>
+                        <a:schemeClr val="tx1"/>
+                      </a:solidFill>
+                      <a:prstDash val="solid"/>
+                      <a:round/>
+                      <a:headEnd type="none" w="med" len="med"/>
+                      <a:tailEnd type="none" w="med" len="med"/>
+                    </a:lnL>
+                    <a:lnR w="12700" cap="flat" cmpd="sng" algn="ctr">
+                      <a:solidFill>
+                        <a:schemeClr val="tx1"/>
+                      </a:solidFill>
+                      <a:prstDash val="solid"/>
+                      <a:round/>
+                      <a:headEnd type="none" w="med" len="med"/>
+                      <a:tailEnd type="none" w="med" len="med"/>
+                    </a:lnR>
+                    <a:lnT w="12700" cap="flat" cmpd="sng" algn="ctr">
+                      <a:solidFill>
+                        <a:schemeClr val="tx1"/>
+                      </a:solidFill>
+                      <a:prstDash val="solid"/>
+                      <a:round/>
+                      <a:headEnd type="none" w="med" len="med"/>
+                      <a:tailEnd type="none" w="med" len="med"/>
+                    </a:lnT>
+                    <a:lnB w="12700" cap="flat" cmpd="sng" algn="ctr">
+                      <a:solidFill>
+                        <a:schemeClr val="tx1"/>
+                      </a:solidFill>
+                      <a:prstDash val="solid"/>
+                      <a:round/>
+                      <a:headEnd type="none" w="med" len="med"/>
+                      <a:tailEnd type="none" w="med" len="med"/>
+                    </a:lnB>
+                    <a:noFill/>
+                  </a:tcPr>
+                </a:tc>
+                <a:tc>
+                  <a:txBody>
+                    <a:bodyPr/>
+                    <a:lstStyle/>
+                    <a:p>
+                      <a:pPr marL="0" algn="ctr" defTabSz="914400" rtl="0" eaLnBrk="1" latinLnBrk="0" hangingPunct="1"/>
+                      <a:r>
+                        <a:rPr lang="en-US" altLang="zh-CN" sz="1200" b="1" i="1" kern="1200">
+                          <a:solidFill>
+                            <a:schemeClr val="tx1"/>
+                          </a:solidFill>
+                          <a:latin typeface="Times New Roman" panose="02020603050405020304" pitchFamily="18" charset="0"/>
+                          <a:ea typeface="+mn-ea"/>
+                          <a:cs typeface="Times New Roman" panose="02020603050405020304" pitchFamily="18" charset="0"/>
+                        </a:rPr>
+                        <a:t>apt</a:t>
+                      </a:r>
+                      <a:r>
+                        <a:rPr lang="en-US" altLang="zh-CN" sz="1200" b="1" kern="1200">
+                          <a:solidFill>
+                            <a:schemeClr val="tx1"/>
+                          </a:solidFill>
+                          <a:latin typeface="Times New Roman" panose="02020603050405020304" pitchFamily="18" charset="0"/>
+                          <a:ea typeface="+mn-ea"/>
+                          <a:cs typeface="Times New Roman" panose="02020603050405020304" pitchFamily="18" charset="0"/>
+                        </a:rPr>
+                        <a:t> </a:t>
+                      </a:r>
+                      <a:r>
+                        <a:rPr lang="zh-CN" altLang="en-US" sz="1200" b="1" kern="1200">
+                          <a:solidFill>
+                            <a:schemeClr val="tx1"/>
+                          </a:solidFill>
+                          <a:latin typeface="Times New Roman" panose="02020603050405020304" pitchFamily="18" charset="0"/>
+                          <a:ea typeface="+mn-ea"/>
+                          <a:cs typeface="Times New Roman" panose="02020603050405020304" pitchFamily="18" charset="0"/>
+                        </a:rPr>
+                        <a:t>版本</a:t>
+                      </a:r>
+                    </a:p>
+                  </a:txBody>
+                  <a:tcPr marL="18000" marR="18000" marT="18000" marB="18000" anchor="ctr">
+                    <a:lnL w="12700" cap="flat" cmpd="sng" algn="ctr">
+                      <a:solidFill>
+                        <a:schemeClr val="tx1"/>
+                      </a:solidFill>
+                      <a:prstDash val="solid"/>
+                      <a:round/>
+                      <a:headEnd type="none" w="med" len="med"/>
+                      <a:tailEnd type="none" w="med" len="med"/>
+                    </a:lnL>
+                    <a:lnR w="12700" cap="flat" cmpd="sng" algn="ctr">
+                      <a:solidFill>
+                        <a:schemeClr val="tx1"/>
+                      </a:solidFill>
+                      <a:prstDash val="solid"/>
+                      <a:round/>
+                      <a:headEnd type="none" w="med" len="med"/>
+                      <a:tailEnd type="none" w="med" len="med"/>
+                    </a:lnR>
+                    <a:lnT w="12700" cap="flat" cmpd="sng" algn="ctr">
+                      <a:solidFill>
+                        <a:schemeClr val="tx1"/>
+                      </a:solidFill>
+                      <a:prstDash val="solid"/>
+                      <a:round/>
+                      <a:headEnd type="none" w="med" len="med"/>
+                      <a:tailEnd type="none" w="med" len="med"/>
+                    </a:lnT>
+                    <a:lnB w="12700" cap="flat" cmpd="sng" algn="ctr">
+                      <a:solidFill>
+                        <a:schemeClr val="tx1"/>
+                      </a:solidFill>
+                      <a:prstDash val="solid"/>
+                      <a:round/>
+                      <a:headEnd type="none" w="med" len="med"/>
+                      <a:tailEnd type="none" w="med" len="med"/>
+                    </a:lnB>
+                    <a:noFill/>
+                  </a:tcPr>
+                </a:tc>
+                <a:tc>
+                  <a:txBody>
+                    <a:bodyPr/>
+                    <a:lstStyle/>
+                    <a:p>
+                      <a:pPr algn="ctr"/>
+                      <a:r>
+                        <a:rPr lang="en-US" altLang="zh-CN" sz="1200" b="1" i="1">
+                          <a:solidFill>
+                            <a:schemeClr val="tx1"/>
+                          </a:solidFill>
+                          <a:latin typeface="Times New Roman" panose="02020603050405020304" pitchFamily="18" charset="0"/>
+                          <a:cs typeface="Times New Roman" panose="02020603050405020304" pitchFamily="18" charset="0"/>
+                        </a:rPr>
+                        <a:t>pip</a:t>
+                      </a:r>
+                      <a:r>
+                        <a:rPr lang="en-US" altLang="zh-CN" sz="1200" b="1">
+                          <a:solidFill>
+                            <a:schemeClr val="tx1"/>
+                          </a:solidFill>
+                          <a:latin typeface="Times New Roman" panose="02020603050405020304" pitchFamily="18" charset="0"/>
+                          <a:cs typeface="Times New Roman" panose="02020603050405020304" pitchFamily="18" charset="0"/>
+                        </a:rPr>
+                        <a:t> </a:t>
+                      </a:r>
+                      <a:r>
+                        <a:rPr lang="zh-CN" altLang="en-US" sz="1200" b="1">
+                          <a:solidFill>
+                            <a:schemeClr val="tx1"/>
+                          </a:solidFill>
+                          <a:latin typeface="Times New Roman" panose="02020603050405020304" pitchFamily="18" charset="0"/>
+                          <a:cs typeface="Times New Roman" panose="02020603050405020304" pitchFamily="18" charset="0"/>
+                        </a:rPr>
+                        <a:t>版本</a:t>
+                      </a:r>
+                      <a:endParaRPr lang="en-US" altLang="zh-CN" sz="1200" b="1">
+                        <a:solidFill>
+                          <a:schemeClr val="tx1"/>
+                        </a:solidFill>
+                        <a:latin typeface="Times New Roman" panose="02020603050405020304" pitchFamily="18" charset="0"/>
+                        <a:cs typeface="Times New Roman" panose="02020603050405020304" pitchFamily="18" charset="0"/>
+                      </a:endParaRPr>
+                    </a:p>
+                  </a:txBody>
+                  <a:tcPr marL="18000" marR="18000" marT="18000" marB="18000" anchor="ctr">
+                    <a:lnL w="12700" cap="flat" cmpd="sng" algn="ctr">
+                      <a:solidFill>
+                        <a:schemeClr val="tx1"/>
+                      </a:solidFill>
+                      <a:prstDash val="solid"/>
+                      <a:round/>
+                      <a:headEnd type="none" w="med" len="med"/>
+                      <a:tailEnd type="none" w="med" len="med"/>
+                    </a:lnL>
+                    <a:lnR w="12700" cap="flat" cmpd="sng" algn="ctr">
+                      <a:solidFill>
+                        <a:schemeClr val="tx1"/>
+                      </a:solidFill>
+                      <a:prstDash val="solid"/>
+                      <a:round/>
+                      <a:headEnd type="none" w="med" len="med"/>
+                      <a:tailEnd type="none" w="med" len="med"/>
+                    </a:lnR>
+                    <a:lnT w="12700" cap="flat" cmpd="sng" algn="ctr">
+                      <a:solidFill>
+                        <a:schemeClr val="tx1"/>
+                      </a:solidFill>
+                      <a:prstDash val="solid"/>
+                      <a:round/>
+                      <a:headEnd type="none" w="med" len="med"/>
+                      <a:tailEnd type="none" w="med" len="med"/>
+                    </a:lnT>
+                    <a:lnB w="12700" cap="flat" cmpd="sng" algn="ctr">
+                      <a:solidFill>
+                        <a:schemeClr val="tx1"/>
+                      </a:solidFill>
+                      <a:prstDash val="solid"/>
+                      <a:round/>
+                      <a:headEnd type="none" w="med" len="med"/>
+                      <a:tailEnd type="none" w="med" len="med"/>
+                    </a:lnB>
+                    <a:noFill/>
+                  </a:tcPr>
+                </a:tc>
+                <a:tc>
+                  <a:txBody>
+                    <a:bodyPr/>
+                    <a:lstStyle/>
+                    <a:p>
+                      <a:pPr algn="ctr"/>
+                      <a:r>
+                        <a:rPr lang="zh-CN" altLang="en-US" sz="1200" b="1">
+                          <a:solidFill>
+                            <a:schemeClr val="tx1"/>
+                          </a:solidFill>
+                          <a:latin typeface="Times New Roman" panose="02020603050405020304" pitchFamily="18" charset="0"/>
+                          <a:cs typeface="Times New Roman" panose="02020603050405020304" pitchFamily="18" charset="0"/>
+                        </a:rPr>
+                        <a:t>兼容性</a:t>
+                      </a:r>
+                    </a:p>
+                  </a:txBody>
+                  <a:tcPr marL="18000" marR="18000" marT="18000" marB="18000" anchor="ctr">
+                    <a:lnL w="12700" cap="flat" cmpd="sng" algn="ctr">
+                      <a:solidFill>
+                        <a:schemeClr val="tx1"/>
+                      </a:solidFill>
+                      <a:prstDash val="solid"/>
+                      <a:round/>
+                      <a:headEnd type="none" w="med" len="med"/>
+                      <a:tailEnd type="none" w="med" len="med"/>
+                    </a:lnL>
+                    <a:lnR w="12700" cap="flat" cmpd="sng" algn="ctr">
+                      <a:solidFill>
+                        <a:schemeClr val="tx1"/>
+                      </a:solidFill>
+                      <a:prstDash val="solid"/>
+                      <a:round/>
+                      <a:headEnd type="none" w="med" len="med"/>
+                      <a:tailEnd type="none" w="med" len="med"/>
+                    </a:lnR>
+                    <a:lnT w="12700" cap="flat" cmpd="sng" algn="ctr">
+                      <a:solidFill>
+                        <a:schemeClr val="tx1"/>
+                      </a:solidFill>
+                      <a:prstDash val="solid"/>
+                      <a:round/>
+                      <a:headEnd type="none" w="med" len="med"/>
+                      <a:tailEnd type="none" w="med" len="med"/>
+                    </a:lnT>
+                    <a:lnB w="12700" cap="flat" cmpd="sng" algn="ctr">
+                      <a:solidFill>
+                        <a:schemeClr val="tx1"/>
+                      </a:solidFill>
+                      <a:prstDash val="solid"/>
+                      <a:round/>
+                      <a:headEnd type="none" w="med" len="med"/>
+                      <a:tailEnd type="none" w="med" len="med"/>
+                    </a:lnB>
+                    <a:noFill/>
+                  </a:tcPr>
+                </a:tc>
+                <a:tc>
+                  <a:txBody>
+                    <a:bodyPr/>
+                    <a:lstStyle/>
+                    <a:p>
+                      <a:pPr marL="0" algn="ctr" defTabSz="914400" rtl="0" eaLnBrk="1" latinLnBrk="0" hangingPunct="1"/>
+                      <a:r>
+                        <a:rPr lang="zh-CN" altLang="en-US" sz="1200" b="1" kern="1200">
+                          <a:solidFill>
+                            <a:schemeClr val="tx1"/>
+                          </a:solidFill>
+                          <a:latin typeface="Times New Roman" panose="02020603050405020304" pitchFamily="18" charset="0"/>
+                          <a:ea typeface="+mn-ea"/>
+                          <a:cs typeface="Times New Roman" panose="02020603050405020304" pitchFamily="18" charset="0"/>
+                        </a:rPr>
+                        <a:t>破坏性</a:t>
+                      </a:r>
+                      <a:r>
+                        <a:rPr lang="en-US" altLang="zh-CN" sz="1200" b="1" kern="1200">
+                          <a:solidFill>
+                            <a:schemeClr val="tx1"/>
+                          </a:solidFill>
+                          <a:latin typeface="Times New Roman" panose="02020603050405020304" pitchFamily="18" charset="0"/>
+                          <a:ea typeface="+mn-ea"/>
+                          <a:cs typeface="Times New Roman" panose="02020603050405020304" pitchFamily="18" charset="0"/>
+                        </a:rPr>
+                        <a:t>API</a:t>
+                      </a:r>
+                    </a:p>
+                  </a:txBody>
+                  <a:tcPr marL="18000" marR="18000" marT="18000" marB="18000" anchor="ctr">
+                    <a:lnL w="12700" cap="flat" cmpd="sng" algn="ctr">
+                      <a:solidFill>
+                        <a:schemeClr val="tx1"/>
+                      </a:solidFill>
+                      <a:prstDash val="solid"/>
+                      <a:round/>
+                      <a:headEnd type="none" w="med" len="med"/>
+                      <a:tailEnd type="none" w="med" len="med"/>
+                    </a:lnL>
+                    <a:lnR w="12700" cap="flat" cmpd="sng" algn="ctr">
+                      <a:solidFill>
+                        <a:schemeClr val="tx1"/>
+                      </a:solidFill>
+                      <a:prstDash val="solid"/>
+                      <a:round/>
+                      <a:headEnd type="none" w="med" len="med"/>
+                      <a:tailEnd type="none" w="med" len="med"/>
+                    </a:lnR>
+                    <a:lnT w="12700" cap="flat" cmpd="sng" algn="ctr">
+                      <a:solidFill>
+                        <a:schemeClr val="tx1"/>
+                      </a:solidFill>
+                      <a:prstDash val="solid"/>
+                      <a:round/>
+                      <a:headEnd type="none" w="med" len="med"/>
+                      <a:tailEnd type="none" w="med" len="med"/>
+                    </a:lnT>
+                    <a:lnB w="12700" cap="flat" cmpd="sng" algn="ctr">
+                      <a:solidFill>
+                        <a:schemeClr val="tx1"/>
+                      </a:solidFill>
+                      <a:prstDash val="solid"/>
+                      <a:round/>
+                      <a:headEnd type="none" w="med" len="med"/>
+                      <a:tailEnd type="none" w="med" len="med"/>
+                    </a:lnB>
+                    <a:noFill/>
+                  </a:tcPr>
+                </a:tc>
+                <a:tc>
+                  <a:txBody>
+                    <a:bodyPr/>
+                    <a:lstStyle/>
+                    <a:p>
+                      <a:pPr marL="0" algn="ctr" defTabSz="914400" rtl="0" eaLnBrk="1" latinLnBrk="0" hangingPunct="1"/>
+                      <a:r>
+                        <a:rPr lang="zh-CN" altLang="en-US" sz="1200" b="1" kern="1200">
+                          <a:solidFill>
+                            <a:schemeClr val="tx1"/>
+                          </a:solidFill>
+                          <a:latin typeface="Times New Roman" panose="02020603050405020304" pitchFamily="18" charset="0"/>
+                          <a:ea typeface="+mn-ea"/>
+                          <a:cs typeface="Times New Roman" panose="02020603050405020304" pitchFamily="18" charset="0"/>
+                        </a:rPr>
+                        <a:t>模式</a:t>
+                      </a:r>
+                      <a:endParaRPr lang="en-US" altLang="zh-CN" sz="1200" b="1" kern="1200">
+                        <a:solidFill>
+                          <a:schemeClr val="tx1"/>
+                        </a:solidFill>
+                        <a:latin typeface="Times New Roman" panose="02020603050405020304" pitchFamily="18" charset="0"/>
+                        <a:ea typeface="+mn-ea"/>
+                        <a:cs typeface="Times New Roman" panose="02020603050405020304" pitchFamily="18" charset="0"/>
+                      </a:endParaRPr>
+                    </a:p>
+                  </a:txBody>
+                  <a:tcPr marL="18000" marR="18000" marT="18000" marB="18000" anchor="ctr">
+                    <a:lnL w="12700" cap="flat" cmpd="sng" algn="ctr">
+                      <a:solidFill>
+                        <a:schemeClr val="tx1"/>
+                      </a:solidFill>
+                      <a:prstDash val="solid"/>
+                      <a:round/>
+                      <a:headEnd type="none" w="med" len="med"/>
+                      <a:tailEnd type="none" w="med" len="med"/>
+                    </a:lnL>
+                    <a:lnR w="12700" cap="flat" cmpd="sng" algn="ctr">
+                      <a:solidFill>
+                        <a:schemeClr val="tx1"/>
+                      </a:solidFill>
+                      <a:prstDash val="solid"/>
+                      <a:round/>
+                      <a:headEnd type="none" w="med" len="med"/>
+                      <a:tailEnd type="none" w="med" len="med"/>
+                    </a:lnR>
+                    <a:lnT w="12700" cap="flat" cmpd="sng" algn="ctr">
+                      <a:solidFill>
+                        <a:schemeClr val="tx1"/>
+                      </a:solidFill>
+                      <a:prstDash val="solid"/>
+                      <a:round/>
+                      <a:headEnd type="none" w="med" len="med"/>
+                      <a:tailEnd type="none" w="med" len="med"/>
+                    </a:lnT>
+                    <a:lnB w="12700" cap="flat" cmpd="sng" algn="ctr">
+                      <a:solidFill>
+                        <a:schemeClr val="tx1"/>
+                      </a:solidFill>
+                      <a:prstDash val="solid"/>
+                      <a:round/>
+                      <a:headEnd type="none" w="med" len="med"/>
+                      <a:tailEnd type="none" w="med" len="med"/>
+                    </a:lnB>
+                    <a:noFill/>
+                  </a:tcPr>
+                </a:tc>
+                <a:extLst>
+                  <a:ext uri="{0D108BD9-81ED-4DB2-BD59-A6C34878D82A}">
+                    <a16:rowId xmlns:a16="http://schemas.microsoft.com/office/drawing/2014/main" val="2223560042"/>
+                  </a:ext>
+                </a:extLst>
+              </a:tr>
+              <a:tr h="256243">
+                <a:tc rowSpan="5">
+                  <a:txBody>
+                    <a:bodyPr/>
+                    <a:lstStyle/>
+                    <a:p>
+                      <a:pPr marL="0" algn="ctr" defTabSz="914400" rtl="0" eaLnBrk="1" latinLnBrk="0" hangingPunct="1"/>
+                      <a:r>
+                        <a:rPr lang="en-US" altLang="zh-CN" sz="1200" kern="1200">
+                          <a:solidFill>
+                            <a:schemeClr val="tx1"/>
+                          </a:solidFill>
+                          <a:latin typeface="Times New Roman" panose="02020603050405020304" pitchFamily="18" charset="0"/>
+                          <a:ea typeface="+mn-ea"/>
+                          <a:cs typeface="Times New Roman" panose="02020603050405020304" pitchFamily="18" charset="0"/>
+                        </a:rPr>
+                        <a:t>numpy</a:t>
+                      </a:r>
+                    </a:p>
+                  </a:txBody>
+                  <a:tcPr marL="18000" marR="18000" marT="18000" marB="18000" anchor="ctr">
+                    <a:lnL w="12700" cap="flat" cmpd="sng" algn="ctr">
+                      <a:solidFill>
+                        <a:schemeClr val="tx1"/>
+                      </a:solidFill>
+                      <a:prstDash val="solid"/>
+                      <a:round/>
+                      <a:headEnd type="none" w="med" len="med"/>
+                      <a:tailEnd type="none" w="med" len="med"/>
+                    </a:lnL>
+                    <a:lnR w="12700" cap="flat" cmpd="sng" algn="ctr">
+                      <a:solidFill>
+                        <a:schemeClr val="tx1"/>
+                      </a:solidFill>
+                      <a:prstDash val="solid"/>
+                      <a:round/>
+                      <a:headEnd type="none" w="med" len="med"/>
+                      <a:tailEnd type="none" w="med" len="med"/>
+                    </a:lnR>
+                    <a:lnT w="12700" cap="flat" cmpd="sng" algn="ctr">
+                      <a:solidFill>
+                        <a:schemeClr val="tx1"/>
+                      </a:solidFill>
+                      <a:prstDash val="solid"/>
+                      <a:round/>
+                      <a:headEnd type="none" w="med" len="med"/>
+                      <a:tailEnd type="none" w="med" len="med"/>
+                    </a:lnT>
+                    <a:lnB w="12700" cap="flat" cmpd="sng" algn="ctr">
+                      <a:solidFill>
+                        <a:schemeClr val="tx1"/>
+                      </a:solidFill>
+                      <a:prstDash val="solid"/>
+                      <a:round/>
+                      <a:headEnd type="none" w="med" len="med"/>
+                      <a:tailEnd type="none" w="med" len="med"/>
+                    </a:lnB>
+                    <a:noFill/>
+                  </a:tcPr>
+                </a:tc>
+                <a:tc rowSpan="5">
+                  <a:txBody>
+                    <a:bodyPr/>
+                    <a:lstStyle/>
+                    <a:p>
+                      <a:pPr marL="0" algn="ctr" defTabSz="914400" rtl="0" eaLnBrk="1" latinLnBrk="0" hangingPunct="1"/>
+                      <a:r>
+                        <a:rPr lang="en-US" altLang="zh-CN" sz="1200" kern="1200">
+                          <a:solidFill>
+                            <a:schemeClr val="tx1"/>
+                          </a:solidFill>
+                          <a:latin typeface="Times New Roman" panose="02020603050405020304" pitchFamily="18" charset="0"/>
+                          <a:ea typeface="+mn-ea"/>
+                          <a:cs typeface="Times New Roman" panose="02020603050405020304" pitchFamily="18" charset="0"/>
+                        </a:rPr>
+                        <a:t>1:1.17.4-5ubun</a:t>
+                      </a:r>
+                    </a:p>
+                    <a:p>
+                      <a:pPr marL="0" algn="ctr" defTabSz="914400" rtl="0" eaLnBrk="1" latinLnBrk="0" hangingPunct="1"/>
+                      <a:r>
+                        <a:rPr lang="en-US" altLang="zh-CN" sz="1200" kern="1200">
+                          <a:solidFill>
+                            <a:schemeClr val="tx1"/>
+                          </a:solidFill>
+                          <a:latin typeface="Times New Roman" panose="02020603050405020304" pitchFamily="18" charset="0"/>
+                          <a:ea typeface="+mn-ea"/>
+                          <a:cs typeface="Times New Roman" panose="02020603050405020304" pitchFamily="18" charset="0"/>
+                        </a:rPr>
+                        <a:t>tu3</a:t>
+                      </a:r>
+                      <a:endParaRPr lang="zh-CN" altLang="en-US" sz="1200" kern="1200">
+                        <a:solidFill>
+                          <a:schemeClr val="tx1"/>
+                        </a:solidFill>
+                        <a:latin typeface="Times New Roman" panose="02020603050405020304" pitchFamily="18" charset="0"/>
+                        <a:ea typeface="+mn-ea"/>
+                        <a:cs typeface="Times New Roman" panose="02020603050405020304" pitchFamily="18" charset="0"/>
+                      </a:endParaRPr>
+                    </a:p>
+                  </a:txBody>
+                  <a:tcPr marL="18000" marR="18000" marT="18000" marB="18000" anchor="ctr">
+                    <a:lnL w="12700" cap="flat" cmpd="sng" algn="ctr">
+                      <a:solidFill>
+                        <a:schemeClr val="tx1"/>
+                      </a:solidFill>
+                      <a:prstDash val="solid"/>
+                      <a:round/>
+                      <a:headEnd type="none" w="med" len="med"/>
+                      <a:tailEnd type="none" w="med" len="med"/>
+                    </a:lnL>
+                    <a:lnR w="12700" cap="flat" cmpd="sng" algn="ctr">
+                      <a:solidFill>
+                        <a:schemeClr val="tx1"/>
+                      </a:solidFill>
+                      <a:prstDash val="solid"/>
+                      <a:round/>
+                      <a:headEnd type="none" w="med" len="med"/>
+                      <a:tailEnd type="none" w="med" len="med"/>
+                    </a:lnR>
+                    <a:lnT w="12700" cap="flat" cmpd="sng" algn="ctr">
+                      <a:solidFill>
+                        <a:schemeClr val="tx1"/>
+                      </a:solidFill>
+                      <a:prstDash val="solid"/>
+                      <a:round/>
+                      <a:headEnd type="none" w="med" len="med"/>
+                      <a:tailEnd type="none" w="med" len="med"/>
+                    </a:lnT>
+                    <a:lnB w="12700" cap="flat" cmpd="sng" algn="ctr">
+                      <a:solidFill>
+                        <a:schemeClr val="tx1"/>
+                      </a:solidFill>
+                      <a:prstDash val="solid"/>
+                      <a:round/>
+                      <a:headEnd type="none" w="med" len="med"/>
+                      <a:tailEnd type="none" w="med" len="med"/>
+                    </a:lnB>
+                    <a:noFill/>
+                  </a:tcPr>
+                </a:tc>
+                <a:tc>
+                  <a:txBody>
+                    <a:bodyPr/>
+                    <a:lstStyle/>
+                    <a:p>
+                      <a:pPr marL="0" marR="0" lvl="0" indent="0" algn="ctr" defTabSz="914400" rtl="0" eaLnBrk="1" fontAlgn="auto" latinLnBrk="0" hangingPunct="1">
+                        <a:lnSpc>
+                          <a:spcPct val="100000"/>
+                        </a:lnSpc>
+                        <a:spcBef>
+                          <a:spcPts val="0"/>
+                        </a:spcBef>
+                        <a:spcAft>
+                          <a:spcPts val="0"/>
+                        </a:spcAft>
+                        <a:buClrTx/>
+                        <a:buSzTx/>
+                        <a:buFontTx/>
+                        <a:buNone/>
+                        <a:tabLst/>
+                        <a:defRPr/>
+                      </a:pPr>
+                      <a:r>
+                        <a:rPr lang="en-US" altLang="zh-CN" sz="1200" kern="1200">
+                          <a:solidFill>
+                            <a:schemeClr val="tx1"/>
+                          </a:solidFill>
+                          <a:latin typeface="Times New Roman" panose="02020603050405020304" pitchFamily="18" charset="0"/>
+                          <a:ea typeface="+mn-ea"/>
+                          <a:cs typeface="Times New Roman" panose="02020603050405020304" pitchFamily="18" charset="0"/>
+                        </a:rPr>
+                        <a:t>······</a:t>
+                      </a:r>
+                    </a:p>
+                  </a:txBody>
+                  <a:tcPr marL="18000" marR="18000" marT="18000" marB="18000" anchor="ctr">
+                    <a:lnL w="12700" cap="flat" cmpd="sng" algn="ctr">
+                      <a:solidFill>
+                        <a:schemeClr val="tx1"/>
+                      </a:solidFill>
+                      <a:prstDash val="solid"/>
+                      <a:round/>
+                      <a:headEnd type="none" w="med" len="med"/>
+                      <a:tailEnd type="none" w="med" len="med"/>
+                    </a:lnL>
+                    <a:lnR w="12700" cap="flat" cmpd="sng" algn="ctr">
+                      <a:solidFill>
+                        <a:schemeClr val="tx1"/>
+                      </a:solidFill>
+                      <a:prstDash val="solid"/>
+                      <a:round/>
+                      <a:headEnd type="none" w="med" len="med"/>
+                      <a:tailEnd type="none" w="med" len="med"/>
+                    </a:lnR>
+                    <a:lnT w="12700" cap="flat" cmpd="sng" algn="ctr">
+                      <a:solidFill>
+                        <a:schemeClr val="tx1"/>
+                      </a:solidFill>
+                      <a:prstDash val="solid"/>
+                      <a:round/>
+                      <a:headEnd type="none" w="med" len="med"/>
+                      <a:tailEnd type="none" w="med" len="med"/>
+                    </a:lnT>
+                    <a:lnB w="12700" cap="flat" cmpd="sng" algn="ctr">
+                      <a:solidFill>
+                        <a:schemeClr val="tx1"/>
+                      </a:solidFill>
+                      <a:prstDash val="solid"/>
+                      <a:round/>
+                      <a:headEnd type="none" w="med" len="med"/>
+                      <a:tailEnd type="none" w="med" len="med"/>
+                    </a:lnB>
+                    <a:noFill/>
+                  </a:tcPr>
+                </a:tc>
+                <a:tc>
+                  <a:txBody>
+                    <a:bodyPr/>
+                    <a:lstStyle/>
+                    <a:p>
+                      <a:pPr marL="0" marR="0" lvl="0" indent="0" algn="ctr" defTabSz="914400" rtl="0" eaLnBrk="1" fontAlgn="auto" latinLnBrk="0" hangingPunct="1">
+                        <a:lnSpc>
+                          <a:spcPct val="100000"/>
+                        </a:lnSpc>
+                        <a:spcBef>
+                          <a:spcPts val="0"/>
+                        </a:spcBef>
+                        <a:spcAft>
+                          <a:spcPts val="0"/>
+                        </a:spcAft>
+                        <a:buClrTx/>
+                        <a:buSzTx/>
+                        <a:buFontTx/>
+                        <a:buNone/>
+                        <a:tabLst/>
+                        <a:defRPr/>
+                      </a:pPr>
+                      <a:endParaRPr lang="zh-CN" altLang="en-US" sz="1200" kern="1200">
+                        <a:solidFill>
+                          <a:schemeClr val="tx1"/>
+                        </a:solidFill>
+                        <a:latin typeface="Times New Roman" panose="02020603050405020304" pitchFamily="18" charset="0"/>
+                        <a:ea typeface="+mn-ea"/>
+                        <a:cs typeface="Times New Roman" panose="02020603050405020304" pitchFamily="18" charset="0"/>
+                      </a:endParaRPr>
+                    </a:p>
+                  </a:txBody>
+                  <a:tcPr marL="18000" marR="18000" marT="18000" marB="18000" anchor="ctr">
+                    <a:lnL w="12700" cap="flat" cmpd="sng" algn="ctr">
+                      <a:solidFill>
+                        <a:schemeClr val="tx1"/>
+                      </a:solidFill>
+                      <a:prstDash val="solid"/>
+                      <a:round/>
+                      <a:headEnd type="none" w="med" len="med"/>
+                      <a:tailEnd type="none" w="med" len="med"/>
+                    </a:lnL>
+                    <a:lnR w="12700" cap="flat" cmpd="sng" algn="ctr">
+                      <a:solidFill>
+                        <a:schemeClr val="tx1"/>
+                      </a:solidFill>
+                      <a:prstDash val="solid"/>
+                      <a:round/>
+                      <a:headEnd type="none" w="med" len="med"/>
+                      <a:tailEnd type="none" w="med" len="med"/>
+                    </a:lnR>
+                    <a:lnT w="12700" cap="flat" cmpd="sng" algn="ctr">
+                      <a:solidFill>
+                        <a:schemeClr val="tx1"/>
+                      </a:solidFill>
+                      <a:prstDash val="solid"/>
+                      <a:round/>
+                      <a:headEnd type="none" w="med" len="med"/>
+                      <a:tailEnd type="none" w="med" len="med"/>
+                    </a:lnT>
+                    <a:lnB w="12700" cap="flat" cmpd="sng" algn="ctr">
+                      <a:solidFill>
+                        <a:schemeClr val="tx1"/>
+                      </a:solidFill>
+                      <a:prstDash val="solid"/>
+                      <a:round/>
+                      <a:headEnd type="none" w="med" len="med"/>
+                      <a:tailEnd type="none" w="med" len="med"/>
+                    </a:lnB>
+                    <a:noFill/>
+                  </a:tcPr>
+                </a:tc>
+                <a:tc>
+                  <a:txBody>
+                    <a:bodyPr/>
+                    <a:lstStyle/>
+                    <a:p>
+                      <a:pPr marL="0" marR="0" lvl="0" indent="0" algn="ctr" defTabSz="914400" rtl="0" eaLnBrk="1" fontAlgn="auto" latinLnBrk="0" hangingPunct="1">
+                        <a:lnSpc>
+                          <a:spcPct val="100000"/>
+                        </a:lnSpc>
+                        <a:spcBef>
+                          <a:spcPts val="0"/>
+                        </a:spcBef>
+                        <a:spcAft>
+                          <a:spcPts val="0"/>
+                        </a:spcAft>
+                        <a:buClrTx/>
+                        <a:buSzTx/>
+                        <a:buFontTx/>
+                        <a:buNone/>
+                        <a:tabLst/>
+                        <a:defRPr/>
+                      </a:pPr>
+                      <a:endParaRPr lang="zh-CN" altLang="en-US" sz="1200" kern="1200">
+                        <a:solidFill>
+                          <a:schemeClr val="tx1"/>
+                        </a:solidFill>
+                        <a:latin typeface="Times New Roman" panose="02020603050405020304" pitchFamily="18" charset="0"/>
+                        <a:ea typeface="+mn-ea"/>
+                        <a:cs typeface="Times New Roman" panose="02020603050405020304" pitchFamily="18" charset="0"/>
+                      </a:endParaRPr>
+                    </a:p>
+                  </a:txBody>
+                  <a:tcPr marL="18000" marR="18000" marT="18000" marB="36000" anchor="ctr">
+                    <a:lnL w="12700" cap="flat" cmpd="sng" algn="ctr">
+                      <a:solidFill>
+                        <a:schemeClr val="tx1"/>
+                      </a:solidFill>
+                      <a:prstDash val="solid"/>
+                      <a:round/>
+                      <a:headEnd type="none" w="med" len="med"/>
+                      <a:tailEnd type="none" w="med" len="med"/>
+                    </a:lnL>
+                    <a:lnR w="12700" cap="flat" cmpd="sng" algn="ctr">
+                      <a:solidFill>
+                        <a:schemeClr val="tx1"/>
+                      </a:solidFill>
+                      <a:prstDash val="solid"/>
+                      <a:round/>
+                      <a:headEnd type="none" w="med" len="med"/>
+                      <a:tailEnd type="none" w="med" len="med"/>
+                    </a:lnR>
+                    <a:lnT w="12700" cap="flat" cmpd="sng" algn="ctr">
+                      <a:solidFill>
+                        <a:schemeClr val="tx1"/>
+                      </a:solidFill>
+                      <a:prstDash val="solid"/>
+                      <a:round/>
+                      <a:headEnd type="none" w="med" len="med"/>
+                      <a:tailEnd type="none" w="med" len="med"/>
+                    </a:lnT>
+                    <a:lnB w="12700" cap="flat" cmpd="sng" algn="ctr">
+                      <a:solidFill>
+                        <a:schemeClr val="tx1"/>
+                      </a:solidFill>
+                      <a:prstDash val="solid"/>
+                      <a:round/>
+                      <a:headEnd type="none" w="med" len="med"/>
+                      <a:tailEnd type="none" w="med" len="med"/>
+                    </a:lnB>
+                    <a:noFill/>
+                  </a:tcPr>
+                </a:tc>
+                <a:tc rowSpan="3">
+                  <a:txBody>
+                    <a:bodyPr/>
+                    <a:lstStyle/>
+                    <a:p>
+                      <a:pPr marL="0" marR="0" lvl="0" indent="0" algn="ctr" defTabSz="914400" rtl="0" eaLnBrk="1" fontAlgn="auto" latinLnBrk="0" hangingPunct="1">
+                        <a:lnSpc>
+                          <a:spcPct val="100000"/>
+                        </a:lnSpc>
+                        <a:spcBef>
+                          <a:spcPts val="0"/>
+                        </a:spcBef>
+                        <a:spcAft>
+                          <a:spcPts val="0"/>
+                        </a:spcAft>
+                        <a:buClrTx/>
+                        <a:buSzTx/>
+                        <a:buFontTx/>
+                        <a:buNone/>
+                        <a:tabLst/>
+                        <a:defRPr/>
+                      </a:pPr>
+                      <a:endParaRPr lang="zh-CN" altLang="en-US" sz="1200" kern="1200">
+                        <a:solidFill>
+                          <a:schemeClr val="tx1"/>
+                        </a:solidFill>
+                        <a:latin typeface="Times New Roman" panose="02020603050405020304" pitchFamily="18" charset="0"/>
+                        <a:ea typeface="+mn-ea"/>
+                        <a:cs typeface="Times New Roman" panose="02020603050405020304" pitchFamily="18" charset="0"/>
+                      </a:endParaRPr>
+                    </a:p>
+                  </a:txBody>
+                  <a:tcPr marL="18000" marR="18000" marT="18000" marB="36000" anchor="ctr">
+                    <a:lnL w="12700" cap="flat" cmpd="sng" algn="ctr">
+                      <a:solidFill>
+                        <a:schemeClr val="tx1"/>
+                      </a:solidFill>
+                      <a:prstDash val="solid"/>
+                      <a:round/>
+                      <a:headEnd type="none" w="med" len="med"/>
+                      <a:tailEnd type="none" w="med" len="med"/>
+                    </a:lnL>
+                    <a:lnR w="12700" cap="flat" cmpd="sng" algn="ctr">
+                      <a:solidFill>
+                        <a:schemeClr val="tx1"/>
+                      </a:solidFill>
+                      <a:prstDash val="solid"/>
+                      <a:round/>
+                      <a:headEnd type="none" w="med" len="med"/>
+                      <a:tailEnd type="none" w="med" len="med"/>
+                    </a:lnR>
+                    <a:lnT w="12700" cap="flat" cmpd="sng" algn="ctr">
+                      <a:solidFill>
+                        <a:schemeClr val="tx1"/>
+                      </a:solidFill>
+                      <a:prstDash val="solid"/>
+                      <a:round/>
+                      <a:headEnd type="none" w="med" len="med"/>
+                      <a:tailEnd type="none" w="med" len="med"/>
+                    </a:lnT>
+                    <a:lnB w="12700" cap="flat" cmpd="sng" algn="ctr">
+                      <a:solidFill>
+                        <a:schemeClr val="tx1"/>
+                      </a:solidFill>
+                      <a:prstDash val="solid"/>
+                      <a:round/>
+                      <a:headEnd type="none" w="med" len="med"/>
+                      <a:tailEnd type="none" w="med" len="med"/>
+                    </a:lnB>
+                    <a:noFill/>
+                  </a:tcPr>
+                </a:tc>
+                <a:extLst>
+                  <a:ext uri="{0D108BD9-81ED-4DB2-BD59-A6C34878D82A}">
+                    <a16:rowId xmlns:a16="http://schemas.microsoft.com/office/drawing/2014/main" val="3554137488"/>
+                  </a:ext>
+                </a:extLst>
+              </a:tr>
+              <a:tr h="256243">
+                <a:tc vMerge="1">
+                  <a:txBody>
+                    <a:bodyPr/>
+                    <a:lstStyle/>
+                    <a:p>
+                      <a:endParaRPr lang="zh-CN" altLang="en-US"/>
+                    </a:p>
+                  </a:txBody>
+                  <a:tcPr/>
+                </a:tc>
+                <a:tc vMerge="1">
+                  <a:txBody>
+                    <a:bodyPr/>
+                    <a:lstStyle/>
+                    <a:p>
+                      <a:endParaRPr/>
+                    </a:p>
+                  </a:txBody>
+                  <a:tcPr marL="18000" marR="18000" marT="18000" marB="18000" anchor="ctr">
+                    <a:lnL w="12700" cap="flat" cmpd="sng" algn="ctr">
+                      <a:solidFill>
+                        <a:schemeClr val="tx1"/>
+                      </a:solidFill>
+                      <a:prstDash val="solid"/>
+                      <a:round/>
+                      <a:headEnd type="none" w="med" len="med"/>
+                      <a:tailEnd type="none" w="med" len="med"/>
+                    </a:lnL>
+                    <a:lnR w="12700" cap="flat" cmpd="sng" algn="ctr">
+                      <a:solidFill>
+                        <a:schemeClr val="tx1"/>
+                      </a:solidFill>
+                      <a:prstDash val="solid"/>
+                      <a:round/>
+                      <a:headEnd type="none" w="med" len="med"/>
+                      <a:tailEnd type="none" w="med" len="med"/>
+                    </a:lnR>
+                    <a:lnT w="12700" cap="flat" cmpd="sng" algn="ctr">
+                      <a:solidFill>
+                        <a:schemeClr val="tx1"/>
+                      </a:solidFill>
+                      <a:prstDash val="solid"/>
+                      <a:round/>
+                      <a:headEnd type="none" w="med" len="med"/>
+                      <a:tailEnd type="none" w="med" len="med"/>
+                    </a:lnT>
+                    <a:lnB w="12700" cap="flat" cmpd="sng" algn="ctr">
+                      <a:solidFill>
+                        <a:schemeClr val="tx1"/>
+                      </a:solidFill>
+                      <a:prstDash val="solid"/>
+                      <a:round/>
+                      <a:headEnd type="none" w="med" len="med"/>
+                      <a:tailEnd type="none" w="med" len="med"/>
+                    </a:lnB>
+                    <a:noFill/>
+                  </a:tcPr>
+                </a:tc>
+                <a:tc>
+                  <a:txBody>
+                    <a:bodyPr/>
+                    <a:lstStyle/>
+                    <a:p>
+                      <a:pPr marL="0" marR="0" lvl="0" indent="0" algn="ctr" defTabSz="914400" rtl="0" eaLnBrk="1" fontAlgn="auto" latinLnBrk="0" hangingPunct="1">
+                        <a:lnSpc>
+                          <a:spcPct val="100000"/>
+                        </a:lnSpc>
+                        <a:spcBef>
+                          <a:spcPts val="0"/>
+                        </a:spcBef>
+                        <a:spcAft>
+                          <a:spcPts val="0"/>
+                        </a:spcAft>
+                        <a:buClrTx/>
+                        <a:buSzTx/>
+                        <a:buFontTx/>
+                        <a:buNone/>
+                        <a:tabLst/>
+                        <a:defRPr/>
+                      </a:pPr>
+                      <a:r>
+                        <a:rPr lang="en-US" altLang="zh-CN" sz="1200" kern="1200">
+                          <a:solidFill>
+                            <a:schemeClr val="tx1"/>
+                          </a:solidFill>
+                          <a:latin typeface="Times New Roman" panose="02020603050405020304" pitchFamily="18" charset="0"/>
+                          <a:ea typeface="+mn-ea"/>
+                          <a:cs typeface="Times New Roman" panose="02020603050405020304" pitchFamily="18" charset="0"/>
+                        </a:rPr>
+                        <a:t>1.17.4</a:t>
+                      </a:r>
+                      <a:endParaRPr lang="zh-CN" altLang="en-US" sz="1200" kern="1200">
+                        <a:solidFill>
+                          <a:schemeClr val="tx1"/>
+                        </a:solidFill>
+                        <a:latin typeface="Times New Roman" panose="02020603050405020304" pitchFamily="18" charset="0"/>
+                        <a:ea typeface="+mn-ea"/>
+                        <a:cs typeface="Times New Roman" panose="02020603050405020304" pitchFamily="18" charset="0"/>
+                      </a:endParaRPr>
+                    </a:p>
+                  </a:txBody>
+                  <a:tcPr marL="18000" marR="18000" marT="18000" marB="18000" anchor="ctr">
+                    <a:lnL w="12700" cap="flat" cmpd="sng" algn="ctr">
+                      <a:solidFill>
+                        <a:schemeClr val="tx1"/>
+                      </a:solidFill>
+                      <a:prstDash val="solid"/>
+                      <a:round/>
+                      <a:headEnd type="none" w="med" len="med"/>
+                      <a:tailEnd type="none" w="med" len="med"/>
+                    </a:lnL>
+                    <a:lnR w="12700" cap="flat" cmpd="sng" algn="ctr">
+                      <a:solidFill>
+                        <a:schemeClr val="tx1"/>
+                      </a:solidFill>
+                      <a:prstDash val="solid"/>
+                      <a:round/>
+                      <a:headEnd type="none" w="med" len="med"/>
+                      <a:tailEnd type="none" w="med" len="med"/>
+                    </a:lnR>
+                    <a:lnT w="12700" cap="flat" cmpd="sng" algn="ctr">
+                      <a:solidFill>
+                        <a:schemeClr val="tx1"/>
+                      </a:solidFill>
+                      <a:prstDash val="solid"/>
+                      <a:round/>
+                      <a:headEnd type="none" w="med" len="med"/>
+                      <a:tailEnd type="none" w="med" len="med"/>
+                    </a:lnT>
+                    <a:lnB w="12700" cap="flat" cmpd="sng" algn="ctr">
+                      <a:solidFill>
+                        <a:schemeClr val="tx1"/>
+                      </a:solidFill>
+                      <a:prstDash val="solid"/>
+                      <a:round/>
+                      <a:headEnd type="none" w="med" len="med"/>
+                      <a:tailEnd type="none" w="med" len="med"/>
+                    </a:lnB>
+                    <a:noFill/>
+                  </a:tcPr>
+                </a:tc>
+                <a:tc>
+                  <a:txBody>
+                    <a:bodyPr/>
+                    <a:lstStyle/>
+                    <a:p>
+                      <a:pPr marL="0" marR="0" lvl="0" indent="0" algn="ctr" defTabSz="914400" rtl="0" eaLnBrk="1" fontAlgn="auto" latinLnBrk="0" hangingPunct="1">
+                        <a:lnSpc>
+                          <a:spcPct val="100000"/>
+                        </a:lnSpc>
+                        <a:spcBef>
+                          <a:spcPts val="0"/>
+                        </a:spcBef>
+                        <a:spcAft>
+                          <a:spcPts val="0"/>
+                        </a:spcAft>
+                        <a:buClrTx/>
+                        <a:buSzTx/>
+                        <a:buFontTx/>
+                        <a:buNone/>
+                        <a:tabLst/>
+                        <a:defRPr/>
+                      </a:pPr>
+                      <a:r>
+                        <a:rPr lang="en-US" altLang="zh-CN" sz="1200" kern="1200">
+                          <a:solidFill>
+                            <a:schemeClr val="tx1"/>
+                          </a:solidFill>
+                          <a:latin typeface="Times New Roman" panose="02020603050405020304" pitchFamily="18" charset="0"/>
+                          <a:ea typeface="+mn-ea"/>
+                          <a:cs typeface="Times New Roman" panose="02020603050405020304" pitchFamily="18" charset="0"/>
+                        </a:rPr>
+                        <a:t>True</a:t>
+                      </a:r>
+                      <a:endParaRPr lang="zh-CN" altLang="en-US" sz="1200" kern="1200">
+                        <a:solidFill>
+                          <a:schemeClr val="tx1"/>
+                        </a:solidFill>
+                        <a:latin typeface="Times New Roman" panose="02020603050405020304" pitchFamily="18" charset="0"/>
+                        <a:ea typeface="+mn-ea"/>
+                        <a:cs typeface="Times New Roman" panose="02020603050405020304" pitchFamily="18" charset="0"/>
+                      </a:endParaRPr>
+                    </a:p>
+                  </a:txBody>
+                  <a:tcPr marL="18000" marR="18000" marT="18000" marB="18000" anchor="ctr">
+                    <a:lnL w="12700" cap="flat" cmpd="sng" algn="ctr">
+                      <a:solidFill>
+                        <a:schemeClr val="tx1"/>
+                      </a:solidFill>
+                      <a:prstDash val="solid"/>
+                      <a:round/>
+                      <a:headEnd type="none" w="med" len="med"/>
+                      <a:tailEnd type="none" w="med" len="med"/>
+                    </a:lnL>
+                    <a:lnR w="12700" cap="flat" cmpd="sng" algn="ctr">
+                      <a:solidFill>
+                        <a:schemeClr val="tx1"/>
+                      </a:solidFill>
+                      <a:prstDash val="solid"/>
+                      <a:round/>
+                      <a:headEnd type="none" w="med" len="med"/>
+                      <a:tailEnd type="none" w="med" len="med"/>
+                    </a:lnR>
+                    <a:lnT w="12700" cap="flat" cmpd="sng" algn="ctr">
+                      <a:solidFill>
+                        <a:schemeClr val="tx1"/>
+                      </a:solidFill>
+                      <a:prstDash val="solid"/>
+                      <a:round/>
+                      <a:headEnd type="none" w="med" len="med"/>
+                      <a:tailEnd type="none" w="med" len="med"/>
+                    </a:lnT>
+                    <a:lnB w="12700" cap="flat" cmpd="sng" algn="ctr">
+                      <a:solidFill>
+                        <a:schemeClr val="tx1"/>
+                      </a:solidFill>
+                      <a:prstDash val="solid"/>
+                      <a:round/>
+                      <a:headEnd type="none" w="med" len="med"/>
+                      <a:tailEnd type="none" w="med" len="med"/>
+                    </a:lnB>
+                    <a:noFill/>
+                  </a:tcPr>
+                </a:tc>
+                <a:tc>
+                  <a:txBody>
+                    <a:bodyPr/>
+                    <a:lstStyle/>
+                    <a:p>
+                      <a:pPr marL="0" marR="0" lvl="0" indent="0" algn="ctr" defTabSz="914400" rtl="0" eaLnBrk="1" fontAlgn="auto" latinLnBrk="0" hangingPunct="1">
+                        <a:lnSpc>
+                          <a:spcPct val="100000"/>
+                        </a:lnSpc>
+                        <a:spcBef>
+                          <a:spcPts val="0"/>
+                        </a:spcBef>
+                        <a:spcAft>
+                          <a:spcPts val="0"/>
+                        </a:spcAft>
+                        <a:buClrTx/>
+                        <a:buSzTx/>
+                        <a:buFontTx/>
+                        <a:buNone/>
+                        <a:tabLst/>
+                        <a:defRPr/>
+                      </a:pPr>
+                      <a:r>
+                        <a:rPr lang="en-US" altLang="zh-CN" sz="1200" kern="1200">
+                          <a:solidFill>
+                            <a:schemeClr val="tx1"/>
+                          </a:solidFill>
+                          <a:latin typeface="Times New Roman" panose="02020603050405020304" pitchFamily="18" charset="0"/>
+                          <a:ea typeface="+mn-ea"/>
+                          <a:cs typeface="Times New Roman" panose="02020603050405020304" pitchFamily="18" charset="0"/>
+                        </a:rPr>
+                        <a:t>None</a:t>
+                      </a:r>
+                      <a:endParaRPr lang="zh-CN" altLang="en-US" sz="1200" kern="1200">
+                        <a:solidFill>
+                          <a:schemeClr val="tx1"/>
+                        </a:solidFill>
+                        <a:latin typeface="Times New Roman" panose="02020603050405020304" pitchFamily="18" charset="0"/>
+                        <a:ea typeface="+mn-ea"/>
+                        <a:cs typeface="Times New Roman" panose="02020603050405020304" pitchFamily="18" charset="0"/>
+                      </a:endParaRPr>
+                    </a:p>
+                  </a:txBody>
+                  <a:tcPr marL="18000" marR="18000" marT="18000" marB="36000" anchor="ctr">
+                    <a:lnL w="12700" cap="flat" cmpd="sng" algn="ctr">
+                      <a:solidFill>
+                        <a:schemeClr val="tx1"/>
+                      </a:solidFill>
+                      <a:prstDash val="solid"/>
+                      <a:round/>
+                      <a:headEnd type="none" w="med" len="med"/>
+                      <a:tailEnd type="none" w="med" len="med"/>
+                    </a:lnL>
+                    <a:lnR w="12700" cap="flat" cmpd="sng" algn="ctr">
+                      <a:solidFill>
+                        <a:schemeClr val="tx1"/>
+                      </a:solidFill>
+                      <a:prstDash val="solid"/>
+                      <a:round/>
+                      <a:headEnd type="none" w="med" len="med"/>
+                      <a:tailEnd type="none" w="med" len="med"/>
+                    </a:lnR>
+                    <a:lnT w="12700" cap="flat" cmpd="sng" algn="ctr">
+                      <a:solidFill>
+                        <a:schemeClr val="tx1"/>
+                      </a:solidFill>
+                      <a:prstDash val="solid"/>
+                      <a:round/>
+                      <a:headEnd type="none" w="med" len="med"/>
+                      <a:tailEnd type="none" w="med" len="med"/>
+                    </a:lnT>
+                    <a:lnB w="12700" cap="flat" cmpd="sng" algn="ctr">
+                      <a:solidFill>
+                        <a:schemeClr val="tx1"/>
+                      </a:solidFill>
+                      <a:prstDash val="solid"/>
+                      <a:round/>
+                      <a:headEnd type="none" w="med" len="med"/>
+                      <a:tailEnd type="none" w="med" len="med"/>
+                    </a:lnB>
+                    <a:noFill/>
+                  </a:tcPr>
+                </a:tc>
+                <a:tc vMerge="1">
+                  <a:txBody>
+                    <a:bodyPr/>
+                    <a:lstStyle/>
+                    <a:p>
+                      <a:pPr marL="0" marR="0" lvl="0" indent="0" algn="ctr" defTabSz="914400" rtl="0" eaLnBrk="1" fontAlgn="auto" latinLnBrk="0" hangingPunct="1">
+                        <a:lnSpc>
+                          <a:spcPct val="100000"/>
+                        </a:lnSpc>
+                        <a:spcBef>
+                          <a:spcPts val="0"/>
+                        </a:spcBef>
+                        <a:spcAft>
+                          <a:spcPts val="0"/>
+                        </a:spcAft>
+                        <a:buClrTx/>
+                        <a:buSzTx/>
+                        <a:buFontTx/>
+                        <a:buNone/>
+                        <a:tabLst/>
+                        <a:defRPr/>
+                      </a:pPr>
+                      <a:endParaRPr lang="zh-CN" altLang="en-US" sz="1100" kern="1200">
+                        <a:solidFill>
+                          <a:schemeClr val="tx1"/>
+                        </a:solidFill>
+                        <a:latin typeface="Times New Roman" panose="02020603050405020304" pitchFamily="18" charset="0"/>
+                        <a:ea typeface="+mn-ea"/>
+                        <a:cs typeface="Times New Roman" panose="02020603050405020304" pitchFamily="18" charset="0"/>
+                      </a:endParaRPr>
+                    </a:p>
+                  </a:txBody>
+                  <a:tcPr marL="18000" marR="18000" marT="18000" marB="36000" anchor="ctr">
+                    <a:lnL w="12700" cap="flat" cmpd="sng" algn="ctr">
+                      <a:solidFill>
+                        <a:schemeClr val="tx1"/>
+                      </a:solidFill>
+                      <a:prstDash val="solid"/>
+                      <a:round/>
+                      <a:headEnd type="none" w="med" len="med"/>
+                      <a:tailEnd type="none" w="med" len="med"/>
+                    </a:lnL>
+                    <a:lnR w="12700" cap="flat" cmpd="sng" algn="ctr">
+                      <a:solidFill>
+                        <a:schemeClr val="tx1"/>
+                      </a:solidFill>
+                      <a:prstDash val="solid"/>
+                      <a:round/>
+                      <a:headEnd type="none" w="med" len="med"/>
+                      <a:tailEnd type="none" w="med" len="med"/>
+                    </a:lnR>
+                    <a:lnT w="12700" cap="flat" cmpd="sng" algn="ctr">
+                      <a:solidFill>
+                        <a:schemeClr val="tx1"/>
+                      </a:solidFill>
+                      <a:prstDash val="solid"/>
+                      <a:round/>
+                      <a:headEnd type="none" w="med" len="med"/>
+                      <a:tailEnd type="none" w="med" len="med"/>
+                    </a:lnT>
+                    <a:lnB w="12700" cap="flat" cmpd="sng" algn="ctr">
+                      <a:solidFill>
+                        <a:schemeClr val="tx1"/>
+                      </a:solidFill>
+                      <a:prstDash val="solid"/>
+                      <a:round/>
+                      <a:headEnd type="none" w="med" len="med"/>
+                      <a:tailEnd type="none" w="med" len="med"/>
+                    </a:lnB>
+                    <a:noFill/>
+                  </a:tcPr>
+                </a:tc>
+                <a:extLst>
+                  <a:ext uri="{0D108BD9-81ED-4DB2-BD59-A6C34878D82A}">
+                    <a16:rowId xmlns:a16="http://schemas.microsoft.com/office/drawing/2014/main" val="1645072618"/>
+                  </a:ext>
+                </a:extLst>
+              </a:tr>
+              <a:tr h="256243">
+                <a:tc vMerge="1">
+                  <a:txBody>
+                    <a:bodyPr/>
+                    <a:lstStyle/>
+                    <a:p>
+                      <a:endParaRPr lang="zh-CN" altLang="en-US"/>
+                    </a:p>
+                  </a:txBody>
+                  <a:tcPr>
+                    <a:lnT w="12700" cap="flat" cmpd="sng" algn="ctr">
+                      <a:solidFill>
+                        <a:schemeClr val="tx1"/>
+                      </a:solidFill>
+                      <a:prstDash val="solid"/>
+                      <a:round/>
+                      <a:headEnd type="none" w="med" len="med"/>
+                      <a:tailEnd type="none" w="med" len="med"/>
+                    </a:lnT>
+                  </a:tcPr>
+                </a:tc>
+                <a:tc vMerge="1">
+                  <a:txBody>
+                    <a:bodyPr/>
+                    <a:lstStyle/>
+                    <a:p>
+                      <a:endParaRPr/>
+                    </a:p>
+                  </a:txBody>
+                  <a:tcPr marL="18000" marR="18000" marT="18000" marB="18000" anchor="ctr">
+                    <a:lnL w="12700" cap="flat" cmpd="sng" algn="ctr">
+                      <a:solidFill>
+                        <a:schemeClr val="tx1"/>
+                      </a:solidFill>
+                      <a:prstDash val="solid"/>
+                      <a:round/>
+                      <a:headEnd type="none" w="med" len="med"/>
+                      <a:tailEnd type="none" w="med" len="med"/>
+                    </a:lnL>
+                    <a:lnR w="12700" cap="flat" cmpd="sng" algn="ctr">
+                      <a:solidFill>
+                        <a:schemeClr val="tx1"/>
+                      </a:solidFill>
+                      <a:prstDash val="solid"/>
+                      <a:round/>
+                      <a:headEnd type="none" w="med" len="med"/>
+                      <a:tailEnd type="none" w="med" len="med"/>
+                    </a:lnR>
+                    <a:lnT w="12700" cap="flat" cmpd="sng" algn="ctr">
+                      <a:solidFill>
+                        <a:schemeClr val="tx1"/>
+                      </a:solidFill>
+                      <a:prstDash val="solid"/>
+                      <a:round/>
+                      <a:headEnd type="none" w="med" len="med"/>
+                      <a:tailEnd type="none" w="med" len="med"/>
+                    </a:lnT>
+                    <a:lnB w="12700" cap="flat" cmpd="sng" algn="ctr">
+                      <a:solidFill>
+                        <a:schemeClr val="tx1"/>
+                      </a:solidFill>
+                      <a:prstDash val="solid"/>
+                      <a:round/>
+                      <a:headEnd type="none" w="med" len="med"/>
+                      <a:tailEnd type="none" w="med" len="med"/>
+                    </a:lnB>
+                    <a:noFill/>
+                  </a:tcPr>
+                </a:tc>
+                <a:tc>
+                  <a:txBody>
+                    <a:bodyPr/>
+                    <a:lstStyle/>
+                    <a:p>
+                      <a:pPr marL="0" marR="0" lvl="0" indent="0" algn="ctr" defTabSz="914400" rtl="0" eaLnBrk="1" fontAlgn="auto" latinLnBrk="0" hangingPunct="1">
+                        <a:lnSpc>
+                          <a:spcPct val="100000"/>
+                        </a:lnSpc>
+                        <a:spcBef>
+                          <a:spcPts val="0"/>
+                        </a:spcBef>
+                        <a:spcAft>
+                          <a:spcPts val="0"/>
+                        </a:spcAft>
+                        <a:buClrTx/>
+                        <a:buSzTx/>
+                        <a:buFontTx/>
+                        <a:buNone/>
+                        <a:tabLst/>
+                        <a:defRPr/>
+                      </a:pPr>
+                      <a:r>
+                        <a:rPr lang="en-US" altLang="zh-CN" sz="1200" kern="1200">
+                          <a:solidFill>
+                            <a:schemeClr val="tx1"/>
+                          </a:solidFill>
+                          <a:latin typeface="Times New Roman" panose="02020603050405020304" pitchFamily="18" charset="0"/>
+                          <a:ea typeface="+mn-ea"/>
+                          <a:cs typeface="Times New Roman" panose="02020603050405020304" pitchFamily="18" charset="0"/>
+                        </a:rPr>
+                        <a:t>······</a:t>
+                      </a:r>
+                    </a:p>
+                  </a:txBody>
+                  <a:tcPr marL="18000" marR="18000" marT="18000" marB="18000" anchor="ctr">
+                    <a:lnL w="12700" cap="flat" cmpd="sng" algn="ctr">
+                      <a:solidFill>
+                        <a:schemeClr val="tx1"/>
+                      </a:solidFill>
+                      <a:prstDash val="solid"/>
+                      <a:round/>
+                      <a:headEnd type="none" w="med" len="med"/>
+                      <a:tailEnd type="none" w="med" len="med"/>
+                    </a:lnL>
+                    <a:lnR w="12700" cap="flat" cmpd="sng" algn="ctr">
+                      <a:solidFill>
+                        <a:schemeClr val="tx1"/>
+                      </a:solidFill>
+                      <a:prstDash val="solid"/>
+                      <a:round/>
+                      <a:headEnd type="none" w="med" len="med"/>
+                      <a:tailEnd type="none" w="med" len="med"/>
+                    </a:lnR>
+                    <a:lnT w="12700" cap="flat" cmpd="sng" algn="ctr">
+                      <a:solidFill>
+                        <a:schemeClr val="tx1"/>
+                      </a:solidFill>
+                      <a:prstDash val="solid"/>
+                      <a:round/>
+                      <a:headEnd type="none" w="med" len="med"/>
+                      <a:tailEnd type="none" w="med" len="med"/>
+                    </a:lnT>
+                    <a:lnB w="12700" cap="flat" cmpd="sng" algn="ctr">
+                      <a:solidFill>
+                        <a:schemeClr val="tx1"/>
+                      </a:solidFill>
+                      <a:prstDash val="solid"/>
+                      <a:round/>
+                      <a:headEnd type="none" w="med" len="med"/>
+                      <a:tailEnd type="none" w="med" len="med"/>
+                    </a:lnB>
+                    <a:noFill/>
+                  </a:tcPr>
+                </a:tc>
+                <a:tc>
+                  <a:txBody>
+                    <a:bodyPr/>
+                    <a:lstStyle/>
+                    <a:p>
+                      <a:pPr marL="0" marR="0" lvl="0" indent="0" algn="ctr" defTabSz="914400" rtl="0" eaLnBrk="1" fontAlgn="auto" latinLnBrk="0" hangingPunct="1">
+                        <a:lnSpc>
+                          <a:spcPct val="100000"/>
+                        </a:lnSpc>
+                        <a:spcBef>
+                          <a:spcPts val="0"/>
+                        </a:spcBef>
+                        <a:spcAft>
+                          <a:spcPts val="0"/>
+                        </a:spcAft>
+                        <a:buClrTx/>
+                        <a:buSzTx/>
+                        <a:buFontTx/>
+                        <a:buNone/>
+                        <a:tabLst/>
+                        <a:defRPr/>
+                      </a:pPr>
+                      <a:endParaRPr lang="zh-CN" altLang="en-US" sz="1200" kern="1200">
+                        <a:solidFill>
+                          <a:schemeClr val="tx1"/>
+                        </a:solidFill>
+                        <a:latin typeface="Times New Roman" panose="02020603050405020304" pitchFamily="18" charset="0"/>
+                        <a:ea typeface="+mn-ea"/>
+                        <a:cs typeface="Times New Roman" panose="02020603050405020304" pitchFamily="18" charset="0"/>
+                      </a:endParaRPr>
+                    </a:p>
+                  </a:txBody>
+                  <a:tcPr marL="18000" marR="18000" marT="18000" marB="18000" anchor="ctr">
+                    <a:lnL w="12700" cap="flat" cmpd="sng" algn="ctr">
+                      <a:solidFill>
+                        <a:schemeClr val="tx1"/>
+                      </a:solidFill>
+                      <a:prstDash val="solid"/>
+                      <a:round/>
+                      <a:headEnd type="none" w="med" len="med"/>
+                      <a:tailEnd type="none" w="med" len="med"/>
+                    </a:lnL>
+                    <a:lnR w="12700" cap="flat" cmpd="sng" algn="ctr">
+                      <a:solidFill>
+                        <a:schemeClr val="tx1"/>
+                      </a:solidFill>
+                      <a:prstDash val="solid"/>
+                      <a:round/>
+                      <a:headEnd type="none" w="med" len="med"/>
+                      <a:tailEnd type="none" w="med" len="med"/>
+                    </a:lnR>
+                    <a:lnT w="12700" cap="flat" cmpd="sng" algn="ctr">
+                      <a:solidFill>
+                        <a:schemeClr val="tx1"/>
+                      </a:solidFill>
+                      <a:prstDash val="solid"/>
+                      <a:round/>
+                      <a:headEnd type="none" w="med" len="med"/>
+                      <a:tailEnd type="none" w="med" len="med"/>
+                    </a:lnT>
+                    <a:lnB w="12700" cap="flat" cmpd="sng" algn="ctr">
+                      <a:solidFill>
+                        <a:schemeClr val="tx1"/>
+                      </a:solidFill>
+                      <a:prstDash val="solid"/>
+                      <a:round/>
+                      <a:headEnd type="none" w="med" len="med"/>
+                      <a:tailEnd type="none" w="med" len="med"/>
+                    </a:lnB>
+                    <a:noFill/>
+                  </a:tcPr>
+                </a:tc>
+                <a:tc>
+                  <a:txBody>
+                    <a:bodyPr/>
+                    <a:lstStyle/>
+                    <a:p>
+                      <a:pPr marL="0" marR="0" lvl="0" indent="0" algn="ctr" defTabSz="914400" rtl="0" eaLnBrk="1" fontAlgn="auto" latinLnBrk="0" hangingPunct="1">
+                        <a:lnSpc>
+                          <a:spcPct val="100000"/>
+                        </a:lnSpc>
+                        <a:spcBef>
+                          <a:spcPts val="0"/>
+                        </a:spcBef>
+                        <a:spcAft>
+                          <a:spcPts val="0"/>
+                        </a:spcAft>
+                        <a:buClrTx/>
+                        <a:buSzTx/>
+                        <a:buFontTx/>
+                        <a:buNone/>
+                        <a:tabLst/>
+                        <a:defRPr/>
+                      </a:pPr>
+                      <a:endParaRPr lang="en-US" altLang="zh-CN" sz="1200" kern="1200">
+                        <a:solidFill>
+                          <a:schemeClr val="tx1"/>
+                        </a:solidFill>
+                        <a:latin typeface="Times New Roman" panose="02020603050405020304" pitchFamily="18" charset="0"/>
+                        <a:ea typeface="+mn-ea"/>
+                        <a:cs typeface="Times New Roman" panose="02020603050405020304" pitchFamily="18" charset="0"/>
+                      </a:endParaRPr>
+                    </a:p>
+                  </a:txBody>
+                  <a:tcPr marL="18000" marR="18000" marT="18000" marB="36000" anchor="ctr">
+                    <a:lnL w="12700" cap="flat" cmpd="sng" algn="ctr">
+                      <a:solidFill>
+                        <a:schemeClr val="tx1"/>
+                      </a:solidFill>
+                      <a:prstDash val="solid"/>
+                      <a:round/>
+                      <a:headEnd type="none" w="med" len="med"/>
+                      <a:tailEnd type="none" w="med" len="med"/>
+                    </a:lnL>
+                    <a:lnR w="12700" cap="flat" cmpd="sng" algn="ctr">
+                      <a:solidFill>
+                        <a:schemeClr val="tx1"/>
+                      </a:solidFill>
+                      <a:prstDash val="solid"/>
+                      <a:round/>
+                      <a:headEnd type="none" w="med" len="med"/>
+                      <a:tailEnd type="none" w="med" len="med"/>
+                    </a:lnR>
+                    <a:lnT w="12700" cap="flat" cmpd="sng" algn="ctr">
+                      <a:solidFill>
+                        <a:schemeClr val="tx1"/>
+                      </a:solidFill>
+                      <a:prstDash val="solid"/>
+                      <a:round/>
+                      <a:headEnd type="none" w="med" len="med"/>
+                      <a:tailEnd type="none" w="med" len="med"/>
+                    </a:lnT>
+                    <a:lnB w="12700" cap="flat" cmpd="sng" algn="ctr">
+                      <a:solidFill>
+                        <a:schemeClr val="tx1"/>
+                      </a:solidFill>
+                      <a:prstDash val="solid"/>
+                      <a:round/>
+                      <a:headEnd type="none" w="med" len="med"/>
+                      <a:tailEnd type="none" w="med" len="med"/>
+                    </a:lnB>
+                    <a:noFill/>
+                  </a:tcPr>
+                </a:tc>
+                <a:tc vMerge="1">
+                  <a:txBody>
+                    <a:bodyPr/>
+                    <a:lstStyle/>
+                    <a:p>
+                      <a:pPr marL="0" marR="0" lvl="0" indent="0" algn="ctr" defTabSz="914400" rtl="0" eaLnBrk="1" fontAlgn="auto" latinLnBrk="0" hangingPunct="1">
+                        <a:lnSpc>
+                          <a:spcPct val="100000"/>
+                        </a:lnSpc>
+                        <a:spcBef>
+                          <a:spcPts val="0"/>
+                        </a:spcBef>
+                        <a:spcAft>
+                          <a:spcPts val="0"/>
+                        </a:spcAft>
+                        <a:buClrTx/>
+                        <a:buSzTx/>
+                        <a:buFontTx/>
+                        <a:buNone/>
+                        <a:tabLst/>
+                        <a:defRPr/>
+                      </a:pPr>
+                      <a:endParaRPr lang="zh-CN" altLang="en-US" sz="1100" kern="1200">
+                        <a:solidFill>
+                          <a:schemeClr val="tx1"/>
+                        </a:solidFill>
+                        <a:latin typeface="Times New Roman" panose="02020603050405020304" pitchFamily="18" charset="0"/>
+                        <a:ea typeface="+mn-ea"/>
+                        <a:cs typeface="Times New Roman" panose="02020603050405020304" pitchFamily="18" charset="0"/>
+                      </a:endParaRPr>
+                    </a:p>
+                  </a:txBody>
+                  <a:tcPr marL="18000" marR="18000" marT="18000" marB="36000" anchor="ctr">
+                    <a:lnL w="12700" cap="flat" cmpd="sng" algn="ctr">
+                      <a:solidFill>
+                        <a:schemeClr val="tx1"/>
+                      </a:solidFill>
+                      <a:prstDash val="solid"/>
+                      <a:round/>
+                      <a:headEnd type="none" w="med" len="med"/>
+                      <a:tailEnd type="none" w="med" len="med"/>
+                    </a:lnL>
+                    <a:lnR w="12700" cap="flat" cmpd="sng" algn="ctr">
+                      <a:solidFill>
+                        <a:schemeClr val="tx1"/>
+                      </a:solidFill>
+                      <a:prstDash val="solid"/>
+                      <a:round/>
+                      <a:headEnd type="none" w="med" len="med"/>
+                      <a:tailEnd type="none" w="med" len="med"/>
+                    </a:lnR>
+                    <a:lnT w="12700" cap="flat" cmpd="sng" algn="ctr">
+                      <a:solidFill>
+                        <a:schemeClr val="tx1"/>
+                      </a:solidFill>
+                      <a:prstDash val="solid"/>
+                      <a:round/>
+                      <a:headEnd type="none" w="med" len="med"/>
+                      <a:tailEnd type="none" w="med" len="med"/>
+                    </a:lnT>
+                    <a:lnB w="12700" cap="flat" cmpd="sng" algn="ctr">
+                      <a:solidFill>
+                        <a:schemeClr val="tx1"/>
+                      </a:solidFill>
+                      <a:prstDash val="solid"/>
+                      <a:round/>
+                      <a:headEnd type="none" w="med" len="med"/>
+                      <a:tailEnd type="none" w="med" len="med"/>
+                    </a:lnB>
+                    <a:noFill/>
+                  </a:tcPr>
+                </a:tc>
+                <a:extLst>
+                  <a:ext uri="{0D108BD9-81ED-4DB2-BD59-A6C34878D82A}">
+                    <a16:rowId xmlns:a16="http://schemas.microsoft.com/office/drawing/2014/main" val="2917839400"/>
+                  </a:ext>
+                </a:extLst>
+              </a:tr>
+              <a:tr h="434601">
+                <a:tc vMerge="1">
+                  <a:txBody>
+                    <a:bodyPr/>
+                    <a:lstStyle/>
+                    <a:p>
+                      <a:endParaRPr lang="zh-CN" altLang="en-US"/>
+                    </a:p>
+                  </a:txBody>
+                  <a:tcPr>
+                    <a:lnT w="12700" cap="flat" cmpd="sng" algn="ctr">
+                      <a:solidFill>
+                        <a:schemeClr val="tx1"/>
+                      </a:solidFill>
+                      <a:prstDash val="solid"/>
+                      <a:round/>
+                      <a:headEnd type="none" w="med" len="med"/>
+                      <a:tailEnd type="none" w="med" len="med"/>
+                    </a:lnT>
+                  </a:tcPr>
+                </a:tc>
+                <a:tc vMerge="1">
+                  <a:txBody>
+                    <a:bodyPr/>
+                    <a:lstStyle/>
+                    <a:p>
+                      <a:endParaRPr lang="zh-CN" altLang="en-US"/>
+                    </a:p>
+                  </a:txBody>
+                  <a:tcPr>
+                    <a:lnT w="12700" cap="flat" cmpd="sng" algn="ctr">
+                      <a:solidFill>
+                        <a:schemeClr val="tx1"/>
+                      </a:solidFill>
+                      <a:prstDash val="solid"/>
+                      <a:round/>
+                      <a:headEnd type="none" w="med" len="med"/>
+                      <a:tailEnd type="none" w="med" len="med"/>
+                    </a:lnT>
+                  </a:tcPr>
+                </a:tc>
+                <a:tc rowSpan="2">
+                  <a:txBody>
+                    <a:bodyPr/>
+                    <a:lstStyle/>
+                    <a:p>
+                      <a:pPr marL="0" marR="0" lvl="0" indent="0" algn="ctr" defTabSz="914400" rtl="0" eaLnBrk="1" fontAlgn="auto" latinLnBrk="0" hangingPunct="1">
+                        <a:lnSpc>
+                          <a:spcPct val="100000"/>
+                        </a:lnSpc>
+                        <a:spcBef>
+                          <a:spcPts val="0"/>
+                        </a:spcBef>
+                        <a:spcAft>
+                          <a:spcPts val="0"/>
+                        </a:spcAft>
+                        <a:buClrTx/>
+                        <a:buSzTx/>
+                        <a:buFontTx/>
+                        <a:buNone/>
+                        <a:tabLst/>
+                        <a:defRPr/>
+                      </a:pPr>
+                      <a:r>
+                        <a:rPr lang="en-US" altLang="zh-CN" sz="1200" kern="1200">
+                          <a:solidFill>
+                            <a:schemeClr val="tx1"/>
+                          </a:solidFill>
+                          <a:latin typeface="Times New Roman" panose="02020603050405020304" pitchFamily="18" charset="0"/>
+                          <a:ea typeface="+mn-ea"/>
+                          <a:cs typeface="Times New Roman" panose="02020603050405020304" pitchFamily="18" charset="0"/>
+                        </a:rPr>
+                        <a:t>1.24.3</a:t>
+                      </a:r>
+                      <a:endParaRPr lang="zh-CN" altLang="en-US" sz="1200" kern="1200">
+                        <a:solidFill>
+                          <a:schemeClr val="tx1"/>
+                        </a:solidFill>
+                        <a:latin typeface="Times New Roman" panose="02020603050405020304" pitchFamily="18" charset="0"/>
+                        <a:ea typeface="+mn-ea"/>
+                        <a:cs typeface="Times New Roman" panose="02020603050405020304" pitchFamily="18" charset="0"/>
+                      </a:endParaRPr>
+                    </a:p>
+                  </a:txBody>
+                  <a:tcPr marL="18000" marR="18000" marT="18000" marB="18000" anchor="ctr">
+                    <a:lnL w="12700" cap="flat" cmpd="sng" algn="ctr">
+                      <a:solidFill>
+                        <a:schemeClr val="tx1"/>
+                      </a:solidFill>
+                      <a:prstDash val="solid"/>
+                      <a:round/>
+                      <a:headEnd type="none" w="med" len="med"/>
+                      <a:tailEnd type="none" w="med" len="med"/>
+                    </a:lnL>
+                    <a:lnR w="12700" cap="flat" cmpd="sng" algn="ctr">
+                      <a:solidFill>
+                        <a:schemeClr val="tx1"/>
+                      </a:solidFill>
+                      <a:prstDash val="solid"/>
+                      <a:round/>
+                      <a:headEnd type="none" w="med" len="med"/>
+                      <a:tailEnd type="none" w="med" len="med"/>
+                    </a:lnR>
+                    <a:lnT w="12700" cap="flat" cmpd="sng" algn="ctr">
+                      <a:solidFill>
+                        <a:schemeClr val="tx1"/>
+                      </a:solidFill>
+                      <a:prstDash val="solid"/>
+                      <a:round/>
+                      <a:headEnd type="none" w="med" len="med"/>
+                      <a:tailEnd type="none" w="med" len="med"/>
+                    </a:lnT>
+                    <a:lnB w="12700" cap="flat" cmpd="sng" algn="ctr">
+                      <a:solidFill>
+                        <a:schemeClr val="tx1"/>
+                      </a:solidFill>
+                      <a:prstDash val="solid"/>
+                      <a:round/>
+                      <a:headEnd type="none" w="med" len="med"/>
+                      <a:tailEnd type="none" w="med" len="med"/>
+                    </a:lnB>
+                    <a:noFill/>
+                  </a:tcPr>
+                </a:tc>
+                <a:tc rowSpan="2">
+                  <a:txBody>
+                    <a:bodyPr/>
+                    <a:lstStyle/>
+                    <a:p>
+                      <a:pPr marL="0" marR="0" lvl="0" indent="0" algn="ctr" defTabSz="914400" rtl="0" eaLnBrk="1" fontAlgn="auto" latinLnBrk="0" hangingPunct="1">
+                        <a:lnSpc>
+                          <a:spcPct val="100000"/>
+                        </a:lnSpc>
+                        <a:spcBef>
+                          <a:spcPts val="0"/>
+                        </a:spcBef>
+                        <a:spcAft>
+                          <a:spcPts val="0"/>
+                        </a:spcAft>
+                        <a:buClrTx/>
+                        <a:buSzTx/>
+                        <a:buFontTx/>
+                        <a:buNone/>
+                        <a:tabLst/>
+                        <a:defRPr/>
+                      </a:pPr>
+                      <a:r>
+                        <a:rPr lang="en-US" altLang="zh-CN" sz="1200" kern="1200">
+                          <a:solidFill>
+                            <a:schemeClr val="tx1"/>
+                          </a:solidFill>
+                          <a:latin typeface="Times New Roman" panose="02020603050405020304" pitchFamily="18" charset="0"/>
+                          <a:ea typeface="+mn-ea"/>
+                          <a:cs typeface="Times New Roman" panose="02020603050405020304" pitchFamily="18" charset="0"/>
+                        </a:rPr>
+                        <a:t>Fasle</a:t>
+                      </a:r>
+                      <a:endParaRPr lang="zh-CN" altLang="en-US" sz="1200" kern="1200">
+                        <a:solidFill>
+                          <a:schemeClr val="tx1"/>
+                        </a:solidFill>
+                        <a:latin typeface="Times New Roman" panose="02020603050405020304" pitchFamily="18" charset="0"/>
+                        <a:ea typeface="+mn-ea"/>
+                        <a:cs typeface="Times New Roman" panose="02020603050405020304" pitchFamily="18" charset="0"/>
+                      </a:endParaRPr>
+                    </a:p>
+                  </a:txBody>
+                  <a:tcPr marL="18000" marR="18000" marT="18000" marB="18000" anchor="ctr">
+                    <a:lnL w="12700" cap="flat" cmpd="sng" algn="ctr">
+                      <a:solidFill>
+                        <a:schemeClr val="tx1"/>
+                      </a:solidFill>
+                      <a:prstDash val="solid"/>
+                      <a:round/>
+                      <a:headEnd type="none" w="med" len="med"/>
+                      <a:tailEnd type="none" w="med" len="med"/>
+                    </a:lnL>
+                    <a:lnR w="12700" cap="flat" cmpd="sng" algn="ctr">
+                      <a:solidFill>
+                        <a:schemeClr val="tx1"/>
+                      </a:solidFill>
+                      <a:prstDash val="solid"/>
+                      <a:round/>
+                      <a:headEnd type="none" w="med" len="med"/>
+                      <a:tailEnd type="none" w="med" len="med"/>
+                    </a:lnR>
+                    <a:lnT w="12700" cap="flat" cmpd="sng" algn="ctr">
+                      <a:solidFill>
+                        <a:schemeClr val="tx1"/>
+                      </a:solidFill>
+                      <a:prstDash val="solid"/>
+                      <a:round/>
+                      <a:headEnd type="none" w="med" len="med"/>
+                      <a:tailEnd type="none" w="med" len="med"/>
+                    </a:lnT>
+                    <a:lnB w="12700" cap="flat" cmpd="sng" algn="ctr">
+                      <a:solidFill>
+                        <a:schemeClr val="tx1"/>
+                      </a:solidFill>
+                      <a:prstDash val="solid"/>
+                      <a:round/>
+                      <a:headEnd type="none" w="med" len="med"/>
+                      <a:tailEnd type="none" w="med" len="med"/>
+                    </a:lnB>
+                    <a:noFill/>
+                  </a:tcPr>
+                </a:tc>
+                <a:tc>
+                  <a:txBody>
+                    <a:bodyPr/>
+                    <a:lstStyle/>
+                    <a:p>
+                      <a:pPr marL="0" marR="0" lvl="0" indent="0" algn="ctr" defTabSz="914400" rtl="0" eaLnBrk="1" fontAlgn="auto" latinLnBrk="0" hangingPunct="1">
+                        <a:lnSpc>
+                          <a:spcPct val="100000"/>
+                        </a:lnSpc>
+                        <a:spcBef>
+                          <a:spcPts val="0"/>
+                        </a:spcBef>
+                        <a:spcAft>
+                          <a:spcPts val="0"/>
+                        </a:spcAft>
+                        <a:buClrTx/>
+                        <a:buSzTx/>
+                        <a:buFontTx/>
+                        <a:buNone/>
+                        <a:tabLst/>
+                        <a:defRPr/>
+                      </a:pPr>
+                      <a:r>
+                        <a:rPr lang="en-US" altLang="zh-CN" sz="1200" kern="1200">
+                          <a:solidFill>
+                            <a:schemeClr val="tx1"/>
+                          </a:solidFill>
+                          <a:latin typeface="Times New Roman" panose="02020603050405020304" pitchFamily="18" charset="0"/>
+                          <a:ea typeface="+mn-ea"/>
+                          <a:cs typeface="Times New Roman" panose="02020603050405020304" pitchFamily="18" charset="0"/>
+                        </a:rPr>
+                        <a:t>typeDict</a:t>
+                      </a:r>
+                      <a:endParaRPr lang="zh-CN" altLang="en-US" sz="1200" kern="1200">
+                        <a:solidFill>
+                          <a:schemeClr val="tx1"/>
+                        </a:solidFill>
+                        <a:latin typeface="Times New Roman" panose="02020603050405020304" pitchFamily="18" charset="0"/>
+                        <a:ea typeface="+mn-ea"/>
+                        <a:cs typeface="Times New Roman" panose="02020603050405020304" pitchFamily="18" charset="0"/>
+                      </a:endParaRPr>
+                    </a:p>
+                  </a:txBody>
+                  <a:tcPr marL="18000" marR="18000" marT="18000" marB="36000" anchor="ctr">
+                    <a:lnL w="12700" cap="flat" cmpd="sng" algn="ctr">
+                      <a:solidFill>
+                        <a:schemeClr val="tx1"/>
+                      </a:solidFill>
+                      <a:prstDash val="solid"/>
+                      <a:round/>
+                      <a:headEnd type="none" w="med" len="med"/>
+                      <a:tailEnd type="none" w="med" len="med"/>
+                    </a:lnL>
+                    <a:lnR w="12700" cap="flat" cmpd="sng" algn="ctr">
+                      <a:solidFill>
+                        <a:schemeClr val="tx1"/>
+                      </a:solidFill>
+                      <a:prstDash val="solid"/>
+                      <a:round/>
+                      <a:headEnd type="none" w="med" len="med"/>
+                      <a:tailEnd type="none" w="med" len="med"/>
+                    </a:lnR>
+                    <a:lnT w="12700" cap="flat" cmpd="sng" algn="ctr">
+                      <a:solidFill>
+                        <a:schemeClr val="tx1"/>
+                      </a:solidFill>
+                      <a:prstDash val="solid"/>
+                      <a:round/>
+                      <a:headEnd type="none" w="med" len="med"/>
+                      <a:tailEnd type="none" w="med" len="med"/>
+                    </a:lnT>
+                    <a:lnB w="12700" cap="flat" cmpd="sng" algn="ctr">
+                      <a:solidFill>
+                        <a:schemeClr val="tx1"/>
+                      </a:solidFill>
+                      <a:prstDash val="solid"/>
+                      <a:round/>
+                      <a:headEnd type="none" w="med" len="med"/>
+                      <a:tailEnd type="none" w="med" len="med"/>
+                    </a:lnB>
+                    <a:noFill/>
+                  </a:tcPr>
+                </a:tc>
+                <a:tc>
+                  <a:txBody>
+                    <a:bodyPr/>
+                    <a:lstStyle/>
+                    <a:p>
+                      <a:pPr marL="0" marR="0" lvl="0" indent="0" algn="ctr" defTabSz="914400" rtl="0" eaLnBrk="1" fontAlgn="auto" latinLnBrk="0" hangingPunct="1">
+                        <a:lnSpc>
+                          <a:spcPct val="100000"/>
+                        </a:lnSpc>
+                        <a:spcBef>
+                          <a:spcPts val="0"/>
+                        </a:spcBef>
+                        <a:spcAft>
+                          <a:spcPts val="0"/>
+                        </a:spcAft>
+                        <a:buClrTx/>
+                        <a:buSzTx/>
+                        <a:buFontTx/>
+                        <a:buNone/>
+                        <a:tabLst/>
+                        <a:defRPr/>
+                      </a:pPr>
+                      <a:r>
+                        <a:rPr lang="en-US" altLang="zh-CN" sz="1200" kern="1200">
+                          <a:solidFill>
+                            <a:schemeClr val="tx1"/>
+                          </a:solidFill>
+                          <a:latin typeface="Times New Roman" panose="02020603050405020304" pitchFamily="18" charset="0"/>
+                          <a:ea typeface="+mn-ea"/>
+                          <a:cs typeface="Times New Roman" panose="02020603050405020304" pitchFamily="18" charset="0"/>
+                        </a:rPr>
+                        <a:t>API</a:t>
+                      </a:r>
+                    </a:p>
+                    <a:p>
+                      <a:pPr marL="0" marR="0" lvl="0" indent="0" algn="ctr" defTabSz="914400" rtl="0" eaLnBrk="1" fontAlgn="auto" latinLnBrk="0" hangingPunct="1">
+                        <a:lnSpc>
+                          <a:spcPct val="100000"/>
+                        </a:lnSpc>
+                        <a:spcBef>
+                          <a:spcPts val="0"/>
+                        </a:spcBef>
+                        <a:spcAft>
+                          <a:spcPts val="0"/>
+                        </a:spcAft>
+                        <a:buClrTx/>
+                        <a:buSzTx/>
+                        <a:buFontTx/>
+                        <a:buNone/>
+                        <a:tabLst/>
+                        <a:defRPr/>
+                      </a:pPr>
+                      <a:r>
+                        <a:rPr lang="en-US" altLang="zh-CN" sz="1200" kern="1200">
+                          <a:solidFill>
+                            <a:schemeClr val="tx1"/>
+                          </a:solidFill>
+                          <a:latin typeface="Times New Roman" panose="02020603050405020304" pitchFamily="18" charset="0"/>
+                          <a:ea typeface="+mn-ea"/>
+                          <a:cs typeface="Times New Roman" panose="02020603050405020304" pitchFamily="18" charset="0"/>
+                        </a:rPr>
+                        <a:t>removal</a:t>
+                      </a:r>
+                      <a:endParaRPr lang="zh-CN" altLang="en-US" sz="1200" kern="1200">
+                        <a:solidFill>
+                          <a:schemeClr val="tx1"/>
+                        </a:solidFill>
+                        <a:latin typeface="Times New Roman" panose="02020603050405020304" pitchFamily="18" charset="0"/>
+                        <a:ea typeface="+mn-ea"/>
+                        <a:cs typeface="Times New Roman" panose="02020603050405020304" pitchFamily="18" charset="0"/>
+                      </a:endParaRPr>
+                    </a:p>
+                  </a:txBody>
+                  <a:tcPr marL="18000" marR="18000" marT="18000" marB="18000" anchor="ctr">
+                    <a:lnL w="12700" cap="flat" cmpd="sng" algn="ctr">
+                      <a:solidFill>
+                        <a:schemeClr val="tx1"/>
+                      </a:solidFill>
+                      <a:prstDash val="solid"/>
+                      <a:round/>
+                      <a:headEnd type="none" w="med" len="med"/>
+                      <a:tailEnd type="none" w="med" len="med"/>
+                    </a:lnL>
+                    <a:lnR w="12700" cap="flat" cmpd="sng" algn="ctr">
+                      <a:solidFill>
+                        <a:schemeClr val="tx1"/>
+                      </a:solidFill>
+                      <a:prstDash val="solid"/>
+                      <a:round/>
+                      <a:headEnd type="none" w="med" len="med"/>
+                      <a:tailEnd type="none" w="med" len="med"/>
+                    </a:lnR>
+                    <a:lnT w="12700" cap="flat" cmpd="sng" algn="ctr">
+                      <a:solidFill>
+                        <a:schemeClr val="tx1"/>
+                      </a:solidFill>
+                      <a:prstDash val="solid"/>
+                      <a:round/>
+                      <a:headEnd type="none" w="med" len="med"/>
+                      <a:tailEnd type="none" w="med" len="med"/>
+                    </a:lnT>
+                    <a:lnB w="12700" cap="flat" cmpd="sng" algn="ctr">
+                      <a:solidFill>
+                        <a:schemeClr val="tx1"/>
+                      </a:solidFill>
+                      <a:prstDash val="solid"/>
+                      <a:round/>
+                      <a:headEnd type="none" w="med" len="med"/>
+                      <a:tailEnd type="none" w="med" len="med"/>
+                    </a:lnB>
+                    <a:noFill/>
+                  </a:tcPr>
+                </a:tc>
+                <a:extLst>
+                  <a:ext uri="{0D108BD9-81ED-4DB2-BD59-A6C34878D82A}">
+                    <a16:rowId xmlns:a16="http://schemas.microsoft.com/office/drawing/2014/main" val="397613668"/>
+                  </a:ext>
+                </a:extLst>
+              </a:tr>
+              <a:tr h="256243">
+                <a:tc vMerge="1">
+                  <a:txBody>
+                    <a:bodyPr/>
+                    <a:lstStyle/>
+                    <a:p>
+                      <a:endParaRPr lang="zh-CN" altLang="en-US"/>
+                    </a:p>
+                  </a:txBody>
+                  <a:tcPr/>
+                </a:tc>
+                <a:tc vMerge="1">
+                  <a:txBody>
+                    <a:bodyPr/>
+                    <a:lstStyle/>
+                    <a:p>
+                      <a:endParaRPr lang="zh-CN" altLang="en-US"/>
+                    </a:p>
+                  </a:txBody>
+                  <a:tcPr/>
+                </a:tc>
+                <a:tc vMerge="1">
+                  <a:txBody>
+                    <a:bodyPr/>
+                    <a:lstStyle/>
+                    <a:p>
+                      <a:endParaRPr lang="zh-CN" altLang="en-US"/>
+                    </a:p>
+                  </a:txBody>
+                  <a:tcPr/>
+                </a:tc>
+                <a:tc vMerge="1">
+                  <a:txBody>
+                    <a:bodyPr/>
+                    <a:lstStyle/>
+                    <a:p>
+                      <a:endParaRPr lang="zh-CN" altLang="en-US"/>
+                    </a:p>
+                  </a:txBody>
+                  <a:tcPr/>
+                </a:tc>
+                <a:tc>
+                  <a:txBody>
+                    <a:bodyPr/>
+                    <a:lstStyle/>
+                    <a:p>
+                      <a:pPr marL="0" marR="0" lvl="0" indent="0" algn="ctr" defTabSz="914400" rtl="0" eaLnBrk="1" fontAlgn="auto" latinLnBrk="0" hangingPunct="1">
+                        <a:lnSpc>
+                          <a:spcPct val="100000"/>
+                        </a:lnSpc>
+                        <a:spcBef>
+                          <a:spcPts val="0"/>
+                        </a:spcBef>
+                        <a:spcAft>
+                          <a:spcPts val="0"/>
+                        </a:spcAft>
+                        <a:buClrTx/>
+                        <a:buSzTx/>
+                        <a:buFontTx/>
+                        <a:buNone/>
+                        <a:tabLst/>
+                        <a:defRPr/>
+                      </a:pPr>
+                      <a:r>
+                        <a:rPr lang="en-US" altLang="zh-CN" sz="1200" kern="1200">
+                          <a:solidFill>
+                            <a:schemeClr val="tx1"/>
+                          </a:solidFill>
+                          <a:latin typeface="Times New Roman" panose="02020603050405020304" pitchFamily="18" charset="0"/>
+                          <a:ea typeface="+mn-ea"/>
+                          <a:cs typeface="Times New Roman" panose="02020603050405020304" pitchFamily="18" charset="0"/>
+                        </a:rPr>
+                        <a:t>······</a:t>
+                      </a:r>
+                    </a:p>
+                  </a:txBody>
+                  <a:tcPr marL="18000" marR="18000" marT="18000" marB="36000" anchor="ctr">
+                    <a:lnL w="12700" cap="flat" cmpd="sng" algn="ctr">
+                      <a:solidFill>
+                        <a:schemeClr val="tx1"/>
+                      </a:solidFill>
+                      <a:prstDash val="solid"/>
+                      <a:round/>
+                      <a:headEnd type="none" w="med" len="med"/>
+                      <a:tailEnd type="none" w="med" len="med"/>
+                    </a:lnL>
+                    <a:lnR w="12700" cap="flat" cmpd="sng" algn="ctr">
+                      <a:solidFill>
+                        <a:schemeClr val="tx1"/>
+                      </a:solidFill>
+                      <a:prstDash val="solid"/>
+                      <a:round/>
+                      <a:headEnd type="none" w="med" len="med"/>
+                      <a:tailEnd type="none" w="med" len="med"/>
+                    </a:lnR>
+                    <a:lnT w="12700" cap="flat" cmpd="sng" algn="ctr">
+                      <a:solidFill>
+                        <a:schemeClr val="tx1"/>
+                      </a:solidFill>
+                      <a:prstDash val="solid"/>
+                      <a:round/>
+                      <a:headEnd type="none" w="med" len="med"/>
+                      <a:tailEnd type="none" w="med" len="med"/>
+                    </a:lnT>
+                    <a:lnB w="12700" cap="flat" cmpd="sng" algn="ctr">
+                      <a:solidFill>
+                        <a:schemeClr val="tx1"/>
+                      </a:solidFill>
+                      <a:prstDash val="solid"/>
+                      <a:round/>
+                      <a:headEnd type="none" w="med" len="med"/>
+                      <a:tailEnd type="none" w="med" len="med"/>
+                    </a:lnB>
+                    <a:noFill/>
+                  </a:tcPr>
+                </a:tc>
+                <a:tc>
+                  <a:txBody>
+                    <a:bodyPr/>
+                    <a:lstStyle/>
+                    <a:p>
+                      <a:pPr marL="0" marR="0" lvl="0" indent="0" algn="ctr" defTabSz="914400" rtl="0" eaLnBrk="1" fontAlgn="auto" latinLnBrk="0" hangingPunct="1">
+                        <a:lnSpc>
+                          <a:spcPct val="100000"/>
+                        </a:lnSpc>
+                        <a:spcBef>
+                          <a:spcPts val="0"/>
+                        </a:spcBef>
+                        <a:spcAft>
+                          <a:spcPts val="0"/>
+                        </a:spcAft>
+                        <a:buClrTx/>
+                        <a:buSzTx/>
+                        <a:buFontTx/>
+                        <a:buNone/>
+                        <a:tabLst/>
+                        <a:defRPr/>
+                      </a:pPr>
+                      <a:endParaRPr lang="zh-CN" altLang="en-US" sz="1200" kern="1200">
+                        <a:solidFill>
+                          <a:schemeClr val="tx1"/>
+                        </a:solidFill>
+                        <a:latin typeface="Times New Roman" panose="02020603050405020304" pitchFamily="18" charset="0"/>
+                        <a:ea typeface="+mn-ea"/>
+                        <a:cs typeface="Times New Roman" panose="02020603050405020304" pitchFamily="18" charset="0"/>
+                      </a:endParaRPr>
+                    </a:p>
+                  </a:txBody>
+                  <a:tcPr marL="18000" marR="18000" marT="18000" marB="36000" anchor="ctr">
+                    <a:lnL w="12700" cap="flat" cmpd="sng" algn="ctr">
+                      <a:solidFill>
+                        <a:schemeClr val="tx1"/>
+                      </a:solidFill>
+                      <a:prstDash val="solid"/>
+                      <a:round/>
+                      <a:headEnd type="none" w="med" len="med"/>
+                      <a:tailEnd type="none" w="med" len="med"/>
+                    </a:lnL>
+                    <a:lnR w="12700" cap="flat" cmpd="sng" algn="ctr">
+                      <a:solidFill>
+                        <a:schemeClr val="tx1"/>
+                      </a:solidFill>
+                      <a:prstDash val="solid"/>
+                      <a:round/>
+                      <a:headEnd type="none" w="med" len="med"/>
+                      <a:tailEnd type="none" w="med" len="med"/>
+                    </a:lnR>
+                    <a:lnT w="12700" cap="flat" cmpd="sng" algn="ctr">
+                      <a:solidFill>
+                        <a:schemeClr val="tx1"/>
+                      </a:solidFill>
+                      <a:prstDash val="solid"/>
+                      <a:round/>
+                      <a:headEnd type="none" w="med" len="med"/>
+                      <a:tailEnd type="none" w="med" len="med"/>
+                    </a:lnT>
+                    <a:lnB w="12700" cap="flat" cmpd="sng" algn="ctr">
+                      <a:solidFill>
+                        <a:schemeClr val="tx1"/>
+                      </a:solidFill>
+                      <a:prstDash val="solid"/>
+                      <a:round/>
+                      <a:headEnd type="none" w="med" len="med"/>
+                      <a:tailEnd type="none" w="med" len="med"/>
+                    </a:lnB>
+                    <a:noFill/>
+                  </a:tcPr>
+                </a:tc>
+                <a:extLst>
+                  <a:ext uri="{0D108BD9-81ED-4DB2-BD59-A6C34878D82A}">
+                    <a16:rowId xmlns:a16="http://schemas.microsoft.com/office/drawing/2014/main" val="996607969"/>
+                  </a:ext>
+                </a:extLst>
+              </a:tr>
+              <a:tr h="256243">
+                <a:tc>
+                  <a:txBody>
+                    <a:bodyPr/>
+                    <a:lstStyle/>
+                    <a:p>
+                      <a:pPr marL="0" marR="0" lvl="0" indent="0" algn="ctr" defTabSz="914400" rtl="0" eaLnBrk="1" fontAlgn="auto" latinLnBrk="0" hangingPunct="1">
+                        <a:lnSpc>
+                          <a:spcPct val="100000"/>
+                        </a:lnSpc>
+                        <a:spcBef>
+                          <a:spcPts val="0"/>
+                        </a:spcBef>
+                        <a:spcAft>
+                          <a:spcPts val="0"/>
+                        </a:spcAft>
+                        <a:buClrTx/>
+                        <a:buSzTx/>
+                        <a:buFontTx/>
+                        <a:buNone/>
+                        <a:tabLst/>
+                        <a:defRPr/>
+                      </a:pPr>
+                      <a:r>
+                        <a:rPr lang="en-US" altLang="zh-CN" sz="1200" kern="1200">
+                          <a:solidFill>
+                            <a:schemeClr val="tx1"/>
+                          </a:solidFill>
+                          <a:latin typeface="Times New Roman" panose="02020603050405020304" pitchFamily="18" charset="0"/>
+                          <a:ea typeface="+mn-ea"/>
+                          <a:cs typeface="Times New Roman" panose="02020603050405020304" pitchFamily="18" charset="0"/>
+                        </a:rPr>
+                        <a:t>······</a:t>
+                      </a:r>
+                    </a:p>
+                  </a:txBody>
+                  <a:tcPr marL="18000" marR="18000" marT="18000" marB="18000" anchor="ctr">
+                    <a:lnL w="12700" cap="flat" cmpd="sng" algn="ctr">
+                      <a:solidFill>
+                        <a:schemeClr val="tx1"/>
+                      </a:solidFill>
+                      <a:prstDash val="solid"/>
+                      <a:round/>
+                      <a:headEnd type="none" w="med" len="med"/>
+                      <a:tailEnd type="none" w="med" len="med"/>
+                    </a:lnL>
+                    <a:lnR w="12700" cap="flat" cmpd="sng" algn="ctr">
+                      <a:solidFill>
+                        <a:schemeClr val="tx1"/>
+                      </a:solidFill>
+                      <a:prstDash val="solid"/>
+                      <a:round/>
+                      <a:headEnd type="none" w="med" len="med"/>
+                      <a:tailEnd type="none" w="med" len="med"/>
+                    </a:lnR>
+                    <a:lnT w="12700" cap="flat" cmpd="sng" algn="ctr">
+                      <a:solidFill>
+                        <a:schemeClr val="tx1"/>
+                      </a:solidFill>
+                      <a:prstDash val="solid"/>
+                      <a:round/>
+                      <a:headEnd type="none" w="med" len="med"/>
+                      <a:tailEnd type="none" w="med" len="med"/>
+                    </a:lnT>
+                    <a:lnB w="12700" cap="flat" cmpd="sng" algn="ctr">
+                      <a:solidFill>
+                        <a:schemeClr val="tx1"/>
+                      </a:solidFill>
+                      <a:prstDash val="solid"/>
+                      <a:round/>
+                      <a:headEnd type="none" w="med" len="med"/>
+                      <a:tailEnd type="none" w="med" len="med"/>
+                    </a:lnB>
+                    <a:noFill/>
+                  </a:tcPr>
+                </a:tc>
+                <a:tc>
+                  <a:txBody>
+                    <a:bodyPr/>
+                    <a:lstStyle/>
+                    <a:p>
+                      <a:pPr marL="0" marR="0" lvl="0" indent="0" algn="ctr" defTabSz="914400" rtl="0" eaLnBrk="1" fontAlgn="auto" latinLnBrk="0" hangingPunct="1">
+                        <a:lnSpc>
+                          <a:spcPct val="100000"/>
+                        </a:lnSpc>
+                        <a:spcBef>
+                          <a:spcPts val="0"/>
+                        </a:spcBef>
+                        <a:spcAft>
+                          <a:spcPts val="0"/>
+                        </a:spcAft>
+                        <a:buClrTx/>
+                        <a:buSzTx/>
+                        <a:buFontTx/>
+                        <a:buNone/>
+                        <a:tabLst/>
+                        <a:defRPr/>
+                      </a:pPr>
+                      <a:endParaRPr lang="zh-CN" altLang="en-US" sz="1200" kern="1200">
+                        <a:solidFill>
+                          <a:schemeClr val="tx1"/>
+                        </a:solidFill>
+                        <a:latin typeface="Times New Roman" panose="02020603050405020304" pitchFamily="18" charset="0"/>
+                        <a:ea typeface="+mn-ea"/>
+                        <a:cs typeface="Times New Roman" panose="02020603050405020304" pitchFamily="18" charset="0"/>
+                      </a:endParaRPr>
+                    </a:p>
+                  </a:txBody>
+                  <a:tcPr marL="18000" marR="18000" marT="18000" marB="18000" anchor="ctr">
+                    <a:lnL w="12700" cap="flat" cmpd="sng" algn="ctr">
+                      <a:solidFill>
+                        <a:schemeClr val="tx1"/>
+                      </a:solidFill>
+                      <a:prstDash val="solid"/>
+                      <a:round/>
+                      <a:headEnd type="none" w="med" len="med"/>
+                      <a:tailEnd type="none" w="med" len="med"/>
+                    </a:lnL>
+                    <a:lnR w="12700" cap="flat" cmpd="sng" algn="ctr">
+                      <a:solidFill>
+                        <a:schemeClr val="tx1"/>
+                      </a:solidFill>
+                      <a:prstDash val="solid"/>
+                      <a:round/>
+                      <a:headEnd type="none" w="med" len="med"/>
+                      <a:tailEnd type="none" w="med" len="med"/>
+                    </a:lnR>
+                    <a:lnT w="12700" cap="flat" cmpd="sng" algn="ctr">
+                      <a:solidFill>
+                        <a:schemeClr val="tx1"/>
+                      </a:solidFill>
+                      <a:prstDash val="solid"/>
+                      <a:round/>
+                      <a:headEnd type="none" w="med" len="med"/>
+                      <a:tailEnd type="none" w="med" len="med"/>
+                    </a:lnT>
+                    <a:lnB w="12700" cap="flat" cmpd="sng" algn="ctr">
+                      <a:solidFill>
+                        <a:schemeClr val="tx1"/>
+                      </a:solidFill>
+                      <a:prstDash val="solid"/>
+                      <a:round/>
+                      <a:headEnd type="none" w="med" len="med"/>
+                      <a:tailEnd type="none" w="med" len="med"/>
+                    </a:lnB>
+                    <a:noFill/>
+                  </a:tcPr>
+                </a:tc>
+                <a:tc>
+                  <a:txBody>
+                    <a:bodyPr/>
+                    <a:lstStyle/>
+                    <a:p>
+                      <a:pPr marL="0" marR="0" lvl="0" indent="0" algn="ctr" defTabSz="914400" rtl="0" eaLnBrk="1" fontAlgn="auto" latinLnBrk="0" hangingPunct="1">
+                        <a:lnSpc>
+                          <a:spcPct val="100000"/>
+                        </a:lnSpc>
+                        <a:spcBef>
+                          <a:spcPts val="0"/>
+                        </a:spcBef>
+                        <a:spcAft>
+                          <a:spcPts val="0"/>
+                        </a:spcAft>
+                        <a:buClrTx/>
+                        <a:buSzTx/>
+                        <a:buFontTx/>
+                        <a:buNone/>
+                        <a:tabLst/>
+                        <a:defRPr/>
+                      </a:pPr>
+                      <a:endParaRPr lang="zh-CN" altLang="en-US" sz="1200" kern="1200">
+                        <a:solidFill>
+                          <a:schemeClr val="tx1"/>
+                        </a:solidFill>
+                        <a:latin typeface="Times New Roman" panose="02020603050405020304" pitchFamily="18" charset="0"/>
+                        <a:ea typeface="+mn-ea"/>
+                        <a:cs typeface="Times New Roman" panose="02020603050405020304" pitchFamily="18" charset="0"/>
+                      </a:endParaRPr>
+                    </a:p>
+                  </a:txBody>
+                  <a:tcPr marL="18000" marR="18000" marT="18000" marB="18000" anchor="ctr">
+                    <a:lnL w="12700" cap="flat" cmpd="sng" algn="ctr">
+                      <a:solidFill>
+                        <a:schemeClr val="tx1"/>
+                      </a:solidFill>
+                      <a:prstDash val="solid"/>
+                      <a:round/>
+                      <a:headEnd type="none" w="med" len="med"/>
+                      <a:tailEnd type="none" w="med" len="med"/>
+                    </a:lnL>
+                    <a:lnR w="12700" cap="flat" cmpd="sng" algn="ctr">
+                      <a:solidFill>
+                        <a:schemeClr val="tx1"/>
+                      </a:solidFill>
+                      <a:prstDash val="solid"/>
+                      <a:round/>
+                      <a:headEnd type="none" w="med" len="med"/>
+                      <a:tailEnd type="none" w="med" len="med"/>
+                    </a:lnR>
+                    <a:lnT w="12700" cap="flat" cmpd="sng" algn="ctr">
+                      <a:solidFill>
+                        <a:schemeClr val="tx1"/>
+                      </a:solidFill>
+                      <a:prstDash val="solid"/>
+                      <a:round/>
+                      <a:headEnd type="none" w="med" len="med"/>
+                      <a:tailEnd type="none" w="med" len="med"/>
+                    </a:lnT>
+                    <a:lnB w="12700" cap="flat" cmpd="sng" algn="ctr">
+                      <a:solidFill>
+                        <a:schemeClr val="tx1"/>
+                      </a:solidFill>
+                      <a:prstDash val="solid"/>
+                      <a:round/>
+                      <a:headEnd type="none" w="med" len="med"/>
+                      <a:tailEnd type="none" w="med" len="med"/>
+                    </a:lnB>
+                    <a:noFill/>
+                  </a:tcPr>
+                </a:tc>
+                <a:tc>
+                  <a:txBody>
+                    <a:bodyPr/>
+                    <a:lstStyle/>
+                    <a:p>
+                      <a:pPr marL="0" marR="0" lvl="0" indent="0" algn="ctr" defTabSz="914400" rtl="0" eaLnBrk="1" fontAlgn="auto" latinLnBrk="0" hangingPunct="1">
+                        <a:lnSpc>
+                          <a:spcPct val="100000"/>
+                        </a:lnSpc>
+                        <a:spcBef>
+                          <a:spcPts val="0"/>
+                        </a:spcBef>
+                        <a:spcAft>
+                          <a:spcPts val="0"/>
+                        </a:spcAft>
+                        <a:buClrTx/>
+                        <a:buSzTx/>
+                        <a:buFontTx/>
+                        <a:buNone/>
+                        <a:tabLst/>
+                        <a:defRPr/>
+                      </a:pPr>
+                      <a:endParaRPr lang="zh-CN" altLang="en-US" sz="1200" kern="1200">
+                        <a:solidFill>
+                          <a:schemeClr val="tx1"/>
+                        </a:solidFill>
+                        <a:latin typeface="Times New Roman" panose="02020603050405020304" pitchFamily="18" charset="0"/>
+                        <a:ea typeface="+mn-ea"/>
+                        <a:cs typeface="Times New Roman" panose="02020603050405020304" pitchFamily="18" charset="0"/>
+                      </a:endParaRPr>
+                    </a:p>
+                  </a:txBody>
+                  <a:tcPr marL="18000" marR="18000" marT="18000" marB="18000" anchor="ctr">
+                    <a:lnL w="12700" cap="flat" cmpd="sng" algn="ctr">
+                      <a:solidFill>
+                        <a:schemeClr val="tx1"/>
+                      </a:solidFill>
+                      <a:prstDash val="solid"/>
+                      <a:round/>
+                      <a:headEnd type="none" w="med" len="med"/>
+                      <a:tailEnd type="none" w="med" len="med"/>
+                    </a:lnL>
+                    <a:lnR w="12700" cap="flat" cmpd="sng" algn="ctr">
+                      <a:solidFill>
+                        <a:schemeClr val="tx1"/>
+                      </a:solidFill>
+                      <a:prstDash val="solid"/>
+                      <a:round/>
+                      <a:headEnd type="none" w="med" len="med"/>
+                      <a:tailEnd type="none" w="med" len="med"/>
+                    </a:lnR>
+                    <a:lnT w="12700" cap="flat" cmpd="sng" algn="ctr">
+                      <a:solidFill>
+                        <a:schemeClr val="tx1"/>
+                      </a:solidFill>
+                      <a:prstDash val="solid"/>
+                      <a:round/>
+                      <a:headEnd type="none" w="med" len="med"/>
+                      <a:tailEnd type="none" w="med" len="med"/>
+                    </a:lnT>
+                    <a:lnB w="12700" cap="flat" cmpd="sng" algn="ctr">
+                      <a:solidFill>
+                        <a:schemeClr val="tx1"/>
+                      </a:solidFill>
+                      <a:prstDash val="solid"/>
+                      <a:round/>
+                      <a:headEnd type="none" w="med" len="med"/>
+                      <a:tailEnd type="none" w="med" len="med"/>
+                    </a:lnB>
+                    <a:noFill/>
+                  </a:tcPr>
+                </a:tc>
+                <a:tc>
+                  <a:txBody>
+                    <a:bodyPr/>
+                    <a:lstStyle/>
+                    <a:p>
+                      <a:pPr marL="0" marR="0" lvl="0" indent="0" algn="ctr" defTabSz="914400" rtl="0" eaLnBrk="1" fontAlgn="auto" latinLnBrk="0" hangingPunct="1">
+                        <a:lnSpc>
+                          <a:spcPct val="100000"/>
+                        </a:lnSpc>
+                        <a:spcBef>
+                          <a:spcPts val="0"/>
+                        </a:spcBef>
+                        <a:spcAft>
+                          <a:spcPts val="0"/>
+                        </a:spcAft>
+                        <a:buClrTx/>
+                        <a:buSzTx/>
+                        <a:buFontTx/>
+                        <a:buNone/>
+                        <a:tabLst/>
+                        <a:defRPr/>
+                      </a:pPr>
+                      <a:endParaRPr lang="zh-CN" altLang="en-US" sz="1200" kern="1200">
+                        <a:solidFill>
+                          <a:schemeClr val="tx1"/>
+                        </a:solidFill>
+                        <a:latin typeface="Times New Roman" panose="02020603050405020304" pitchFamily="18" charset="0"/>
+                        <a:ea typeface="+mn-ea"/>
+                        <a:cs typeface="Times New Roman" panose="02020603050405020304" pitchFamily="18" charset="0"/>
+                      </a:endParaRPr>
+                    </a:p>
+                  </a:txBody>
+                  <a:tcPr marL="18000" marR="18000" marT="18000" marB="36000" anchor="ctr">
+                    <a:lnL w="12700" cap="flat" cmpd="sng" algn="ctr">
+                      <a:solidFill>
+                        <a:schemeClr val="tx1"/>
+                      </a:solidFill>
+                      <a:prstDash val="solid"/>
+                      <a:round/>
+                      <a:headEnd type="none" w="med" len="med"/>
+                      <a:tailEnd type="none" w="med" len="med"/>
+                    </a:lnL>
+                    <a:lnR w="12700" cap="flat" cmpd="sng" algn="ctr">
+                      <a:solidFill>
+                        <a:schemeClr val="tx1"/>
+                      </a:solidFill>
+                      <a:prstDash val="solid"/>
+                      <a:round/>
+                      <a:headEnd type="none" w="med" len="med"/>
+                      <a:tailEnd type="none" w="med" len="med"/>
+                    </a:lnR>
+                    <a:lnT w="12700" cap="flat" cmpd="sng" algn="ctr">
+                      <a:solidFill>
+                        <a:schemeClr val="tx1"/>
+                      </a:solidFill>
+                      <a:prstDash val="solid"/>
+                      <a:round/>
+                      <a:headEnd type="none" w="med" len="med"/>
+                      <a:tailEnd type="none" w="med" len="med"/>
+                    </a:lnT>
+                    <a:lnB w="12700" cap="flat" cmpd="sng" algn="ctr">
+                      <a:solidFill>
+                        <a:schemeClr val="tx1"/>
+                      </a:solidFill>
+                      <a:prstDash val="solid"/>
+                      <a:round/>
+                      <a:headEnd type="none" w="med" len="med"/>
+                      <a:tailEnd type="none" w="med" len="med"/>
+                    </a:lnB>
+                    <a:noFill/>
+                  </a:tcPr>
+                </a:tc>
+                <a:tc>
+                  <a:txBody>
+                    <a:bodyPr/>
+                    <a:lstStyle/>
+                    <a:p>
+                      <a:pPr marL="0" marR="0" lvl="0" indent="0" algn="ctr" defTabSz="914400" rtl="0" eaLnBrk="1" fontAlgn="auto" latinLnBrk="0" hangingPunct="1">
+                        <a:lnSpc>
+                          <a:spcPct val="100000"/>
+                        </a:lnSpc>
+                        <a:spcBef>
+                          <a:spcPts val="0"/>
+                        </a:spcBef>
+                        <a:spcAft>
+                          <a:spcPts val="0"/>
+                        </a:spcAft>
+                        <a:buClrTx/>
+                        <a:buSzTx/>
+                        <a:buFontTx/>
+                        <a:buNone/>
+                        <a:tabLst/>
+                        <a:defRPr/>
+                      </a:pPr>
+                      <a:endParaRPr lang="zh-CN" altLang="en-US" sz="1200" kern="1200">
+                        <a:solidFill>
+                          <a:schemeClr val="tx1"/>
+                        </a:solidFill>
+                        <a:latin typeface="Times New Roman" panose="02020603050405020304" pitchFamily="18" charset="0"/>
+                        <a:ea typeface="+mn-ea"/>
+                        <a:cs typeface="Times New Roman" panose="02020603050405020304" pitchFamily="18" charset="0"/>
+                      </a:endParaRPr>
+                    </a:p>
+                  </a:txBody>
+                  <a:tcPr marL="18000" marR="18000" marT="18000" marB="36000" anchor="ctr">
+                    <a:lnL w="12700" cap="flat" cmpd="sng" algn="ctr">
+                      <a:solidFill>
+                        <a:schemeClr val="tx1"/>
+                      </a:solidFill>
+                      <a:prstDash val="solid"/>
+                      <a:round/>
+                      <a:headEnd type="none" w="med" len="med"/>
+                      <a:tailEnd type="none" w="med" len="med"/>
+                    </a:lnL>
+                    <a:lnR w="12700" cap="flat" cmpd="sng" algn="ctr">
+                      <a:solidFill>
+                        <a:schemeClr val="tx1"/>
+                      </a:solidFill>
+                      <a:prstDash val="solid"/>
+                      <a:round/>
+                      <a:headEnd type="none" w="med" len="med"/>
+                      <a:tailEnd type="none" w="med" len="med"/>
+                    </a:lnR>
+                    <a:lnT w="12700" cap="flat" cmpd="sng" algn="ctr">
+                      <a:solidFill>
+                        <a:schemeClr val="tx1"/>
+                      </a:solidFill>
+                      <a:prstDash val="solid"/>
+                      <a:round/>
+                      <a:headEnd type="none" w="med" len="med"/>
+                      <a:tailEnd type="none" w="med" len="med"/>
+                    </a:lnT>
+                    <a:lnB w="12700" cap="flat" cmpd="sng" algn="ctr">
+                      <a:solidFill>
+                        <a:schemeClr val="tx1"/>
+                      </a:solidFill>
+                      <a:prstDash val="solid"/>
+                      <a:round/>
+                      <a:headEnd type="none" w="med" len="med"/>
+                      <a:tailEnd type="none" w="med" len="med"/>
+                    </a:lnB>
+                    <a:noFill/>
+                  </a:tcPr>
+                </a:tc>
+                <a:extLst>
+                  <a:ext uri="{0D108BD9-81ED-4DB2-BD59-A6C34878D82A}">
+                    <a16:rowId xmlns:a16="http://schemas.microsoft.com/office/drawing/2014/main" val="2245003864"/>
+                  </a:ext>
+                </a:extLst>
+              </a:tr>
+            </a:tbl>
+          </a:graphicData>
+        </a:graphic>
+      </p:graphicFrame>
+    </p:spTree>
+    <p:extLst>
+      <p:ext uri="{BB962C8B-B14F-4D97-AF65-F5344CB8AC3E}">
+        <p14:creationId xmlns:p14="http://schemas.microsoft.com/office/powerpoint/2010/main" val="2034552208"/>
+      </p:ext>
+    </p:extLst>
+  </p:cSld>
+  <p:clrMapOvr>
+    <a:masterClrMapping/>
+  </p:clrMapOvr>
+</p:sld>
+</file>
+
 <file path=ppt/theme/theme1.xml><?xml version="1.0" encoding="utf-8"?>
 <a:theme xmlns:a="http://schemas.openxmlformats.org/drawingml/2006/main" name="Office 主题​​">
   <a:themeElements>
